--- a/01_TCCDocs/TCCDocs_Arduino.pptx
+++ b/01_TCCDocs/TCCDocs_Arduino.pptx
@@ -26,8 +26,7 @@
     <p:sldId id="276" r:id="rId20"/>
     <p:sldId id="277" r:id="rId21"/>
     <p:sldId id="278" r:id="rId22"/>
-    <p:sldId id="280" r:id="rId23"/>
-    <p:sldId id="279" r:id="rId24"/>
+    <p:sldId id="279" r:id="rId23"/>
   </p:sldIdLst>
   <p:sldSz cx="12192000" cy="6858000"/>
   <p:notesSz cx="6858000" cy="9144000"/>
@@ -126,7 +125,2543 @@
       </a:defRPr>
     </a:lvl9pPr>
   </p:defaultTextStyle>
+  <p:extLst>
+    <p:ext uri="{EFAFB233-063F-42B5-8137-9DF3F51BA10A}">
+      <p15:sldGuideLst xmlns:p15="http://schemas.microsoft.com/office/powerpoint/2012/main"/>
+    </p:ext>
+  </p:extLst>
 </p:presentation>
+</file>
+
+<file path=ppt/diagrams/colors1.xml><?xml version="1.0" encoding="utf-8"?>
+<dgm:colorsDef xmlns:dgm="http://schemas.openxmlformats.org/drawingml/2006/diagram" xmlns:a="http://schemas.openxmlformats.org/drawingml/2006/main" uniqueId="urn:microsoft.com/office/officeart/2005/8/colors/accent1_2">
+  <dgm:title val=""/>
+  <dgm:desc val=""/>
+  <dgm:catLst>
+    <dgm:cat type="accent1" pri="11200"/>
+  </dgm:catLst>
+  <dgm:styleLbl name="node0">
+    <dgm:fillClrLst meth="repeat">
+      <a:schemeClr val="accent1"/>
+    </dgm:fillClrLst>
+    <dgm:linClrLst meth="repeat">
+      <a:schemeClr val="lt1"/>
+    </dgm:linClrLst>
+    <dgm:effectClrLst/>
+    <dgm:txLinClrLst/>
+    <dgm:txFillClrLst/>
+    <dgm:txEffectClrLst/>
+  </dgm:styleLbl>
+  <dgm:styleLbl name="alignNode1">
+    <dgm:fillClrLst meth="repeat">
+      <a:schemeClr val="accent1"/>
+    </dgm:fillClrLst>
+    <dgm:linClrLst meth="repeat">
+      <a:schemeClr val="accent1"/>
+    </dgm:linClrLst>
+    <dgm:effectClrLst/>
+    <dgm:txLinClrLst/>
+    <dgm:txFillClrLst/>
+    <dgm:txEffectClrLst/>
+  </dgm:styleLbl>
+  <dgm:styleLbl name="node1">
+    <dgm:fillClrLst meth="repeat">
+      <a:schemeClr val="accent1"/>
+    </dgm:fillClrLst>
+    <dgm:linClrLst meth="repeat">
+      <a:schemeClr val="lt1"/>
+    </dgm:linClrLst>
+    <dgm:effectClrLst/>
+    <dgm:txLinClrLst/>
+    <dgm:txFillClrLst/>
+    <dgm:txEffectClrLst/>
+  </dgm:styleLbl>
+  <dgm:styleLbl name="lnNode1">
+    <dgm:fillClrLst meth="repeat">
+      <a:schemeClr val="accent1"/>
+    </dgm:fillClrLst>
+    <dgm:linClrLst meth="repeat">
+      <a:schemeClr val="lt1"/>
+    </dgm:linClrLst>
+    <dgm:effectClrLst/>
+    <dgm:txLinClrLst/>
+    <dgm:txFillClrLst/>
+    <dgm:txEffectClrLst/>
+  </dgm:styleLbl>
+  <dgm:styleLbl name="vennNode1">
+    <dgm:fillClrLst meth="repeat">
+      <a:schemeClr val="accent1">
+        <a:alpha val="50000"/>
+      </a:schemeClr>
+    </dgm:fillClrLst>
+    <dgm:linClrLst meth="repeat">
+      <a:schemeClr val="lt1"/>
+    </dgm:linClrLst>
+    <dgm:effectClrLst/>
+    <dgm:txLinClrLst/>
+    <dgm:txFillClrLst/>
+    <dgm:txEffectClrLst/>
+  </dgm:styleLbl>
+  <dgm:styleLbl name="node2">
+    <dgm:fillClrLst meth="repeat">
+      <a:schemeClr val="accent1"/>
+    </dgm:fillClrLst>
+    <dgm:linClrLst meth="repeat">
+      <a:schemeClr val="lt1"/>
+    </dgm:linClrLst>
+    <dgm:effectClrLst/>
+    <dgm:txLinClrLst/>
+    <dgm:txFillClrLst/>
+    <dgm:txEffectClrLst/>
+  </dgm:styleLbl>
+  <dgm:styleLbl name="node3">
+    <dgm:fillClrLst meth="repeat">
+      <a:schemeClr val="accent1"/>
+    </dgm:fillClrLst>
+    <dgm:linClrLst meth="repeat">
+      <a:schemeClr val="lt1"/>
+    </dgm:linClrLst>
+    <dgm:effectClrLst/>
+    <dgm:txLinClrLst/>
+    <dgm:txFillClrLst/>
+    <dgm:txEffectClrLst/>
+  </dgm:styleLbl>
+  <dgm:styleLbl name="node4">
+    <dgm:fillClrLst meth="repeat">
+      <a:schemeClr val="accent1"/>
+    </dgm:fillClrLst>
+    <dgm:linClrLst meth="repeat">
+      <a:schemeClr val="lt1"/>
+    </dgm:linClrLst>
+    <dgm:effectClrLst/>
+    <dgm:txLinClrLst/>
+    <dgm:txFillClrLst/>
+    <dgm:txEffectClrLst/>
+  </dgm:styleLbl>
+  <dgm:styleLbl name="fgImgPlace1">
+    <dgm:fillClrLst meth="repeat">
+      <a:schemeClr val="accent1">
+        <a:tint val="50000"/>
+      </a:schemeClr>
+    </dgm:fillClrLst>
+    <dgm:linClrLst meth="repeat">
+      <a:schemeClr val="lt1"/>
+    </dgm:linClrLst>
+    <dgm:effectClrLst/>
+    <dgm:txLinClrLst/>
+    <dgm:txFillClrLst meth="repeat">
+      <a:schemeClr val="lt1"/>
+    </dgm:txFillClrLst>
+    <dgm:txEffectClrLst/>
+  </dgm:styleLbl>
+  <dgm:styleLbl name="alignImgPlace1">
+    <dgm:fillClrLst meth="repeat">
+      <a:schemeClr val="accent1">
+        <a:tint val="50000"/>
+      </a:schemeClr>
+    </dgm:fillClrLst>
+    <dgm:linClrLst meth="repeat">
+      <a:schemeClr val="lt1"/>
+    </dgm:linClrLst>
+    <dgm:effectClrLst/>
+    <dgm:txLinClrLst/>
+    <dgm:txFillClrLst meth="repeat">
+      <a:schemeClr val="lt1"/>
+    </dgm:txFillClrLst>
+    <dgm:txEffectClrLst/>
+  </dgm:styleLbl>
+  <dgm:styleLbl name="bgImgPlace1">
+    <dgm:fillClrLst meth="repeat">
+      <a:schemeClr val="accent1">
+        <a:tint val="50000"/>
+      </a:schemeClr>
+    </dgm:fillClrLst>
+    <dgm:linClrLst meth="repeat">
+      <a:schemeClr val="lt1"/>
+    </dgm:linClrLst>
+    <dgm:effectClrLst/>
+    <dgm:txLinClrLst/>
+    <dgm:txFillClrLst meth="repeat">
+      <a:schemeClr val="lt1"/>
+    </dgm:txFillClrLst>
+    <dgm:txEffectClrLst/>
+  </dgm:styleLbl>
+  <dgm:styleLbl name="sibTrans2D1">
+    <dgm:fillClrLst meth="repeat">
+      <a:schemeClr val="accent1">
+        <a:tint val="60000"/>
+      </a:schemeClr>
+    </dgm:fillClrLst>
+    <dgm:linClrLst meth="repeat">
+      <a:schemeClr val="accent1">
+        <a:tint val="60000"/>
+      </a:schemeClr>
+    </dgm:linClrLst>
+    <dgm:effectClrLst/>
+    <dgm:txLinClrLst/>
+    <dgm:txFillClrLst/>
+    <dgm:txEffectClrLst/>
+  </dgm:styleLbl>
+  <dgm:styleLbl name="fgSibTrans2D1">
+    <dgm:fillClrLst meth="repeat">
+      <a:schemeClr val="accent1">
+        <a:tint val="60000"/>
+      </a:schemeClr>
+    </dgm:fillClrLst>
+    <dgm:linClrLst meth="repeat">
+      <a:schemeClr val="accent1">
+        <a:tint val="60000"/>
+      </a:schemeClr>
+    </dgm:linClrLst>
+    <dgm:effectClrLst/>
+    <dgm:txLinClrLst/>
+    <dgm:txFillClrLst/>
+    <dgm:txEffectClrLst/>
+  </dgm:styleLbl>
+  <dgm:styleLbl name="bgSibTrans2D1">
+    <dgm:fillClrLst meth="repeat">
+      <a:schemeClr val="accent1">
+        <a:tint val="60000"/>
+      </a:schemeClr>
+    </dgm:fillClrLst>
+    <dgm:linClrLst meth="repeat">
+      <a:schemeClr val="accent1">
+        <a:tint val="60000"/>
+      </a:schemeClr>
+    </dgm:linClrLst>
+    <dgm:effectClrLst/>
+    <dgm:txLinClrLst/>
+    <dgm:txFillClrLst/>
+    <dgm:txEffectClrLst/>
+  </dgm:styleLbl>
+  <dgm:styleLbl name="sibTrans1D1">
+    <dgm:fillClrLst meth="repeat">
+      <a:schemeClr val="accent1"/>
+    </dgm:fillClrLst>
+    <dgm:linClrLst meth="repeat">
+      <a:schemeClr val="accent1"/>
+    </dgm:linClrLst>
+    <dgm:effectClrLst/>
+    <dgm:txLinClrLst/>
+    <dgm:txFillClrLst meth="repeat">
+      <a:schemeClr val="tx1"/>
+    </dgm:txFillClrLst>
+    <dgm:txEffectClrLst/>
+  </dgm:styleLbl>
+  <dgm:styleLbl name="callout">
+    <dgm:fillClrLst meth="repeat">
+      <a:schemeClr val="accent1"/>
+    </dgm:fillClrLst>
+    <dgm:linClrLst meth="repeat">
+      <a:schemeClr val="accent1">
+        <a:tint val="50000"/>
+      </a:schemeClr>
+    </dgm:linClrLst>
+    <dgm:effectClrLst/>
+    <dgm:txLinClrLst/>
+    <dgm:txFillClrLst meth="repeat">
+      <a:schemeClr val="tx1"/>
+    </dgm:txFillClrLst>
+    <dgm:txEffectClrLst/>
+  </dgm:styleLbl>
+  <dgm:styleLbl name="asst0">
+    <dgm:fillClrLst meth="repeat">
+      <a:schemeClr val="accent1"/>
+    </dgm:fillClrLst>
+    <dgm:linClrLst meth="repeat">
+      <a:schemeClr val="lt1"/>
+    </dgm:linClrLst>
+    <dgm:effectClrLst/>
+    <dgm:txLinClrLst/>
+    <dgm:txFillClrLst/>
+    <dgm:txEffectClrLst/>
+  </dgm:styleLbl>
+  <dgm:styleLbl name="asst1">
+    <dgm:fillClrLst meth="repeat">
+      <a:schemeClr val="accent1"/>
+    </dgm:fillClrLst>
+    <dgm:linClrLst meth="repeat">
+      <a:schemeClr val="lt1"/>
+    </dgm:linClrLst>
+    <dgm:effectClrLst/>
+    <dgm:txLinClrLst/>
+    <dgm:txFillClrLst/>
+    <dgm:txEffectClrLst/>
+  </dgm:styleLbl>
+  <dgm:styleLbl name="asst2">
+    <dgm:fillClrLst meth="repeat">
+      <a:schemeClr val="accent1"/>
+    </dgm:fillClrLst>
+    <dgm:linClrLst meth="repeat">
+      <a:schemeClr val="lt1"/>
+    </dgm:linClrLst>
+    <dgm:effectClrLst/>
+    <dgm:txLinClrLst/>
+    <dgm:txFillClrLst/>
+    <dgm:txEffectClrLst/>
+  </dgm:styleLbl>
+  <dgm:styleLbl name="asst3">
+    <dgm:fillClrLst meth="repeat">
+      <a:schemeClr val="accent1"/>
+    </dgm:fillClrLst>
+    <dgm:linClrLst meth="repeat">
+      <a:schemeClr val="lt1"/>
+    </dgm:linClrLst>
+    <dgm:effectClrLst/>
+    <dgm:txLinClrLst/>
+    <dgm:txFillClrLst/>
+    <dgm:txEffectClrLst/>
+  </dgm:styleLbl>
+  <dgm:styleLbl name="asst4">
+    <dgm:fillClrLst meth="repeat">
+      <a:schemeClr val="accent1"/>
+    </dgm:fillClrLst>
+    <dgm:linClrLst meth="repeat">
+      <a:schemeClr val="lt1"/>
+    </dgm:linClrLst>
+    <dgm:effectClrLst/>
+    <dgm:txLinClrLst/>
+    <dgm:txFillClrLst/>
+    <dgm:txEffectClrLst/>
+  </dgm:styleLbl>
+  <dgm:styleLbl name="parChTrans2D1">
+    <dgm:fillClrLst meth="repeat">
+      <a:schemeClr val="accent1">
+        <a:tint val="60000"/>
+      </a:schemeClr>
+    </dgm:fillClrLst>
+    <dgm:linClrLst meth="repeat">
+      <a:schemeClr val="accent1">
+        <a:tint val="60000"/>
+      </a:schemeClr>
+    </dgm:linClrLst>
+    <dgm:effectClrLst/>
+    <dgm:txLinClrLst/>
+    <dgm:txFillClrLst meth="repeat">
+      <a:schemeClr val="lt1"/>
+    </dgm:txFillClrLst>
+    <dgm:txEffectClrLst/>
+  </dgm:styleLbl>
+  <dgm:styleLbl name="parChTrans2D2">
+    <dgm:fillClrLst meth="repeat">
+      <a:schemeClr val="accent1"/>
+    </dgm:fillClrLst>
+    <dgm:linClrLst meth="repeat">
+      <a:schemeClr val="accent1"/>
+    </dgm:linClrLst>
+    <dgm:effectClrLst/>
+    <dgm:txLinClrLst/>
+    <dgm:txFillClrLst meth="repeat">
+      <a:schemeClr val="lt1"/>
+    </dgm:txFillClrLst>
+    <dgm:txEffectClrLst/>
+  </dgm:styleLbl>
+  <dgm:styleLbl name="parChTrans2D3">
+    <dgm:fillClrLst meth="repeat">
+      <a:schemeClr val="accent1"/>
+    </dgm:fillClrLst>
+    <dgm:linClrLst meth="repeat">
+      <a:schemeClr val="accent1"/>
+    </dgm:linClrLst>
+    <dgm:effectClrLst/>
+    <dgm:txLinClrLst/>
+    <dgm:txFillClrLst meth="repeat">
+      <a:schemeClr val="lt1"/>
+    </dgm:txFillClrLst>
+    <dgm:txEffectClrLst/>
+  </dgm:styleLbl>
+  <dgm:styleLbl name="parChTrans2D4">
+    <dgm:fillClrLst meth="repeat">
+      <a:schemeClr val="accent1"/>
+    </dgm:fillClrLst>
+    <dgm:linClrLst meth="repeat">
+      <a:schemeClr val="accent1"/>
+    </dgm:linClrLst>
+    <dgm:effectClrLst/>
+    <dgm:txLinClrLst/>
+    <dgm:txFillClrLst meth="repeat">
+      <a:schemeClr val="lt1"/>
+    </dgm:txFillClrLst>
+    <dgm:txEffectClrLst/>
+  </dgm:styleLbl>
+  <dgm:styleLbl name="parChTrans1D1">
+    <dgm:fillClrLst meth="repeat">
+      <a:schemeClr val="accent1"/>
+    </dgm:fillClrLst>
+    <dgm:linClrLst meth="repeat">
+      <a:schemeClr val="accent1">
+        <a:shade val="60000"/>
+      </a:schemeClr>
+    </dgm:linClrLst>
+    <dgm:effectClrLst/>
+    <dgm:txLinClrLst/>
+    <dgm:txFillClrLst meth="repeat">
+      <a:schemeClr val="tx1"/>
+    </dgm:txFillClrLst>
+    <dgm:txEffectClrLst/>
+  </dgm:styleLbl>
+  <dgm:styleLbl name="parChTrans1D2">
+    <dgm:fillClrLst meth="repeat">
+      <a:schemeClr val="accent1"/>
+    </dgm:fillClrLst>
+    <dgm:linClrLst meth="repeat">
+      <a:schemeClr val="accent1">
+        <a:shade val="60000"/>
+      </a:schemeClr>
+    </dgm:linClrLst>
+    <dgm:effectClrLst/>
+    <dgm:txLinClrLst/>
+    <dgm:txFillClrLst meth="repeat">
+      <a:schemeClr val="tx1"/>
+    </dgm:txFillClrLst>
+    <dgm:txEffectClrLst/>
+  </dgm:styleLbl>
+  <dgm:styleLbl name="parChTrans1D3">
+    <dgm:fillClrLst meth="repeat">
+      <a:schemeClr val="accent1"/>
+    </dgm:fillClrLst>
+    <dgm:linClrLst meth="repeat">
+      <a:schemeClr val="accent1">
+        <a:shade val="80000"/>
+      </a:schemeClr>
+    </dgm:linClrLst>
+    <dgm:effectClrLst/>
+    <dgm:txLinClrLst/>
+    <dgm:txFillClrLst meth="repeat">
+      <a:schemeClr val="tx1"/>
+    </dgm:txFillClrLst>
+    <dgm:txEffectClrLst/>
+  </dgm:styleLbl>
+  <dgm:styleLbl name="parChTrans1D4">
+    <dgm:fillClrLst meth="repeat">
+      <a:schemeClr val="accent1"/>
+    </dgm:fillClrLst>
+    <dgm:linClrLst meth="repeat">
+      <a:schemeClr val="accent1">
+        <a:shade val="80000"/>
+      </a:schemeClr>
+    </dgm:linClrLst>
+    <dgm:effectClrLst/>
+    <dgm:txLinClrLst/>
+    <dgm:txFillClrLst meth="repeat">
+      <a:schemeClr val="tx1"/>
+    </dgm:txFillClrLst>
+    <dgm:txEffectClrLst/>
+  </dgm:styleLbl>
+  <dgm:styleLbl name="fgAcc1">
+    <dgm:fillClrLst meth="repeat">
+      <a:schemeClr val="lt1">
+        <a:alpha val="90000"/>
+      </a:schemeClr>
+    </dgm:fillClrLst>
+    <dgm:linClrLst meth="repeat">
+      <a:schemeClr val="accent1"/>
+    </dgm:linClrLst>
+    <dgm:effectClrLst/>
+    <dgm:txLinClrLst/>
+    <dgm:txFillClrLst meth="repeat">
+      <a:schemeClr val="dk1"/>
+    </dgm:txFillClrLst>
+    <dgm:txEffectClrLst/>
+  </dgm:styleLbl>
+  <dgm:styleLbl name="conFgAcc1">
+    <dgm:fillClrLst meth="repeat">
+      <a:schemeClr val="lt1">
+        <a:alpha val="90000"/>
+      </a:schemeClr>
+    </dgm:fillClrLst>
+    <dgm:linClrLst meth="repeat">
+      <a:schemeClr val="accent1"/>
+    </dgm:linClrLst>
+    <dgm:effectClrLst/>
+    <dgm:txLinClrLst/>
+    <dgm:txFillClrLst meth="repeat">
+      <a:schemeClr val="dk1"/>
+    </dgm:txFillClrLst>
+    <dgm:txEffectClrLst/>
+  </dgm:styleLbl>
+  <dgm:styleLbl name="alignAcc1">
+    <dgm:fillClrLst meth="repeat">
+      <a:schemeClr val="lt1">
+        <a:alpha val="90000"/>
+      </a:schemeClr>
+    </dgm:fillClrLst>
+    <dgm:linClrLst meth="repeat">
+      <a:schemeClr val="accent1"/>
+    </dgm:linClrLst>
+    <dgm:effectClrLst/>
+    <dgm:txLinClrLst/>
+    <dgm:txFillClrLst meth="repeat">
+      <a:schemeClr val="dk1"/>
+    </dgm:txFillClrLst>
+    <dgm:txEffectClrLst/>
+  </dgm:styleLbl>
+  <dgm:styleLbl name="trAlignAcc1">
+    <dgm:fillClrLst meth="repeat">
+      <a:schemeClr val="lt1">
+        <a:alpha val="40000"/>
+      </a:schemeClr>
+    </dgm:fillClrLst>
+    <dgm:linClrLst meth="repeat">
+      <a:schemeClr val="accent1"/>
+    </dgm:linClrLst>
+    <dgm:effectClrLst/>
+    <dgm:txLinClrLst/>
+    <dgm:txFillClrLst meth="repeat">
+      <a:schemeClr val="dk1"/>
+    </dgm:txFillClrLst>
+    <dgm:txEffectClrLst/>
+  </dgm:styleLbl>
+  <dgm:styleLbl name="bgAcc1">
+    <dgm:fillClrLst meth="repeat">
+      <a:schemeClr val="lt1">
+        <a:alpha val="90000"/>
+      </a:schemeClr>
+    </dgm:fillClrLst>
+    <dgm:linClrLst meth="repeat">
+      <a:schemeClr val="accent1"/>
+    </dgm:linClrLst>
+    <dgm:effectClrLst/>
+    <dgm:txLinClrLst/>
+    <dgm:txFillClrLst meth="repeat">
+      <a:schemeClr val="dk1"/>
+    </dgm:txFillClrLst>
+    <dgm:txEffectClrLst/>
+  </dgm:styleLbl>
+  <dgm:styleLbl name="solidFgAcc1">
+    <dgm:fillClrLst meth="repeat">
+      <a:schemeClr val="lt1"/>
+    </dgm:fillClrLst>
+    <dgm:linClrLst meth="repeat">
+      <a:schemeClr val="accent1"/>
+    </dgm:linClrLst>
+    <dgm:effectClrLst/>
+    <dgm:txLinClrLst/>
+    <dgm:txFillClrLst meth="repeat">
+      <a:schemeClr val="dk1"/>
+    </dgm:txFillClrLst>
+    <dgm:txEffectClrLst/>
+  </dgm:styleLbl>
+  <dgm:styleLbl name="solidAlignAcc1">
+    <dgm:fillClrLst meth="repeat">
+      <a:schemeClr val="lt1"/>
+    </dgm:fillClrLst>
+    <dgm:linClrLst meth="repeat">
+      <a:schemeClr val="accent1"/>
+    </dgm:linClrLst>
+    <dgm:effectClrLst/>
+    <dgm:txLinClrLst/>
+    <dgm:txFillClrLst meth="repeat">
+      <a:schemeClr val="dk1"/>
+    </dgm:txFillClrLst>
+    <dgm:txEffectClrLst/>
+  </dgm:styleLbl>
+  <dgm:styleLbl name="solidBgAcc1">
+    <dgm:fillClrLst meth="repeat">
+      <a:schemeClr val="lt1"/>
+    </dgm:fillClrLst>
+    <dgm:linClrLst meth="repeat">
+      <a:schemeClr val="accent1"/>
+    </dgm:linClrLst>
+    <dgm:effectClrLst/>
+    <dgm:txLinClrLst/>
+    <dgm:txFillClrLst meth="repeat">
+      <a:schemeClr val="dk1"/>
+    </dgm:txFillClrLst>
+    <dgm:txEffectClrLst/>
+  </dgm:styleLbl>
+  <dgm:styleLbl name="fgAccFollowNode1">
+    <dgm:fillClrLst meth="repeat">
+      <a:schemeClr val="accent1">
+        <a:alpha val="90000"/>
+        <a:tint val="40000"/>
+      </a:schemeClr>
+    </dgm:fillClrLst>
+    <dgm:linClrLst meth="repeat">
+      <a:schemeClr val="accent1">
+        <a:alpha val="90000"/>
+        <a:tint val="40000"/>
+      </a:schemeClr>
+    </dgm:linClrLst>
+    <dgm:effectClrLst/>
+    <dgm:txLinClrLst/>
+    <dgm:txFillClrLst meth="repeat">
+      <a:schemeClr val="dk1"/>
+    </dgm:txFillClrLst>
+    <dgm:txEffectClrLst/>
+  </dgm:styleLbl>
+  <dgm:styleLbl name="alignAccFollowNode1">
+    <dgm:fillClrLst meth="repeat">
+      <a:schemeClr val="accent1">
+        <a:alpha val="90000"/>
+        <a:tint val="40000"/>
+      </a:schemeClr>
+    </dgm:fillClrLst>
+    <dgm:linClrLst meth="repeat">
+      <a:schemeClr val="accent1">
+        <a:alpha val="90000"/>
+        <a:tint val="40000"/>
+      </a:schemeClr>
+    </dgm:linClrLst>
+    <dgm:effectClrLst/>
+    <dgm:txLinClrLst/>
+    <dgm:txFillClrLst meth="repeat">
+      <a:schemeClr val="dk1"/>
+    </dgm:txFillClrLst>
+    <dgm:txEffectClrLst/>
+  </dgm:styleLbl>
+  <dgm:styleLbl name="bgAccFollowNode1">
+    <dgm:fillClrLst meth="repeat">
+      <a:schemeClr val="accent1">
+        <a:alpha val="90000"/>
+        <a:tint val="40000"/>
+      </a:schemeClr>
+    </dgm:fillClrLst>
+    <dgm:linClrLst meth="repeat">
+      <a:schemeClr val="accent1">
+        <a:alpha val="90000"/>
+        <a:tint val="40000"/>
+      </a:schemeClr>
+    </dgm:linClrLst>
+    <dgm:effectClrLst/>
+    <dgm:txLinClrLst/>
+    <dgm:txFillClrLst meth="repeat">
+      <a:schemeClr val="dk1"/>
+    </dgm:txFillClrLst>
+    <dgm:txEffectClrLst/>
+  </dgm:styleLbl>
+  <dgm:styleLbl name="fgAcc0">
+    <dgm:fillClrLst meth="repeat">
+      <a:schemeClr val="lt1">
+        <a:alpha val="90000"/>
+      </a:schemeClr>
+    </dgm:fillClrLst>
+    <dgm:linClrLst meth="repeat">
+      <a:schemeClr val="accent1"/>
+    </dgm:linClrLst>
+    <dgm:effectClrLst/>
+    <dgm:txLinClrLst/>
+    <dgm:txFillClrLst meth="repeat">
+      <a:schemeClr val="dk1"/>
+    </dgm:txFillClrLst>
+    <dgm:txEffectClrLst/>
+  </dgm:styleLbl>
+  <dgm:styleLbl name="fgAcc2">
+    <dgm:fillClrLst meth="repeat">
+      <a:schemeClr val="lt1">
+        <a:alpha val="90000"/>
+      </a:schemeClr>
+    </dgm:fillClrLst>
+    <dgm:linClrLst meth="repeat">
+      <a:schemeClr val="accent1"/>
+    </dgm:linClrLst>
+    <dgm:effectClrLst/>
+    <dgm:txLinClrLst/>
+    <dgm:txFillClrLst meth="repeat">
+      <a:schemeClr val="dk1"/>
+    </dgm:txFillClrLst>
+    <dgm:txEffectClrLst/>
+  </dgm:styleLbl>
+  <dgm:styleLbl name="fgAcc3">
+    <dgm:fillClrLst meth="repeat">
+      <a:schemeClr val="lt1">
+        <a:alpha val="90000"/>
+      </a:schemeClr>
+    </dgm:fillClrLst>
+    <dgm:linClrLst meth="repeat">
+      <a:schemeClr val="accent1"/>
+    </dgm:linClrLst>
+    <dgm:effectClrLst/>
+    <dgm:txLinClrLst/>
+    <dgm:txFillClrLst meth="repeat">
+      <a:schemeClr val="dk1"/>
+    </dgm:txFillClrLst>
+    <dgm:txEffectClrLst/>
+  </dgm:styleLbl>
+  <dgm:styleLbl name="fgAcc4">
+    <dgm:fillClrLst meth="repeat">
+      <a:schemeClr val="lt1">
+        <a:alpha val="90000"/>
+      </a:schemeClr>
+    </dgm:fillClrLst>
+    <dgm:linClrLst meth="repeat">
+      <a:schemeClr val="accent1"/>
+    </dgm:linClrLst>
+    <dgm:effectClrLst/>
+    <dgm:txLinClrLst/>
+    <dgm:txFillClrLst meth="repeat">
+      <a:schemeClr val="dk1"/>
+    </dgm:txFillClrLst>
+    <dgm:txEffectClrLst/>
+  </dgm:styleLbl>
+  <dgm:styleLbl name="bgShp">
+    <dgm:fillClrLst meth="repeat">
+      <a:schemeClr val="accent1">
+        <a:tint val="40000"/>
+      </a:schemeClr>
+    </dgm:fillClrLst>
+    <dgm:linClrLst meth="repeat">
+      <a:schemeClr val="accent1"/>
+    </dgm:linClrLst>
+    <dgm:effectClrLst/>
+    <dgm:txLinClrLst/>
+    <dgm:txFillClrLst meth="repeat">
+      <a:schemeClr val="dk1"/>
+    </dgm:txFillClrLst>
+    <dgm:txEffectClrLst/>
+  </dgm:styleLbl>
+  <dgm:styleLbl name="dkBgShp">
+    <dgm:fillClrLst meth="repeat">
+      <a:schemeClr val="accent1">
+        <a:shade val="80000"/>
+      </a:schemeClr>
+    </dgm:fillClrLst>
+    <dgm:linClrLst meth="repeat">
+      <a:schemeClr val="accent1"/>
+    </dgm:linClrLst>
+    <dgm:effectClrLst/>
+    <dgm:txLinClrLst/>
+    <dgm:txFillClrLst meth="repeat">
+      <a:schemeClr val="lt1"/>
+    </dgm:txFillClrLst>
+    <dgm:txEffectClrLst/>
+  </dgm:styleLbl>
+  <dgm:styleLbl name="trBgShp">
+    <dgm:fillClrLst meth="repeat">
+      <a:schemeClr val="accent1">
+        <a:tint val="50000"/>
+        <a:alpha val="40000"/>
+      </a:schemeClr>
+    </dgm:fillClrLst>
+    <dgm:linClrLst meth="repeat">
+      <a:schemeClr val="accent1"/>
+    </dgm:linClrLst>
+    <dgm:effectClrLst/>
+    <dgm:txLinClrLst/>
+    <dgm:txFillClrLst meth="repeat">
+      <a:schemeClr val="lt1"/>
+    </dgm:txFillClrLst>
+    <dgm:txEffectClrLst/>
+  </dgm:styleLbl>
+  <dgm:styleLbl name="fgShp">
+    <dgm:fillClrLst meth="repeat">
+      <a:schemeClr val="accent1">
+        <a:tint val="60000"/>
+      </a:schemeClr>
+    </dgm:fillClrLst>
+    <dgm:linClrLst meth="repeat">
+      <a:schemeClr val="lt1"/>
+    </dgm:linClrLst>
+    <dgm:effectClrLst/>
+    <dgm:txLinClrLst/>
+    <dgm:txFillClrLst meth="repeat">
+      <a:schemeClr val="dk1"/>
+    </dgm:txFillClrLst>
+    <dgm:txEffectClrLst/>
+  </dgm:styleLbl>
+  <dgm:styleLbl name="revTx">
+    <dgm:fillClrLst meth="repeat">
+      <a:schemeClr val="lt1">
+        <a:alpha val="0"/>
+      </a:schemeClr>
+    </dgm:fillClrLst>
+    <dgm:linClrLst meth="repeat">
+      <a:schemeClr val="dk1">
+        <a:alpha val="0"/>
+      </a:schemeClr>
+    </dgm:linClrLst>
+    <dgm:effectClrLst/>
+    <dgm:txLinClrLst/>
+    <dgm:txFillClrLst meth="repeat">
+      <a:schemeClr val="tx1"/>
+    </dgm:txFillClrLst>
+    <dgm:txEffectClrLst/>
+  </dgm:styleLbl>
+</dgm:colorsDef>
+</file>
+
+<file path=ppt/diagrams/data1.xml><?xml version="1.0" encoding="utf-8"?>
+<dgm:dataModel xmlns:dgm="http://schemas.openxmlformats.org/drawingml/2006/diagram" xmlns:a="http://schemas.openxmlformats.org/drawingml/2006/main">
+  <dgm:ptLst>
+    <dgm:pt modelId="{92EEC6DE-A056-43CA-9FF0-1D26D881B225}" type="doc">
+      <dgm:prSet loTypeId="urn:microsoft.com/office/officeart/2005/8/layout/process2" loCatId="process" qsTypeId="urn:microsoft.com/office/officeart/2005/8/quickstyle/simple1" qsCatId="simple" csTypeId="urn:microsoft.com/office/officeart/2005/8/colors/accent1_2" csCatId="accent1" phldr="1"/>
+      <dgm:spPr/>
+    </dgm:pt>
+    <dgm:pt modelId="{3F5D7B7D-B7FE-4703-B5C5-D719E4E379D1}">
+      <dgm:prSet phldrT="[Texto]"/>
+      <dgm:spPr/>
+      <dgm:t>
+        <a:bodyPr/>
+        <a:lstStyle/>
+        <a:p>
+          <a:r>
+            <a:rPr lang="pt-BR" dirty="0" smtClean="0"/>
+            <a:t>Front-</a:t>
+          </a:r>
+          <a:r>
+            <a:rPr lang="pt-BR" dirty="0" err="1" smtClean="0"/>
+            <a:t>End</a:t>
+          </a:r>
+          <a:endParaRPr lang="pt-BR" dirty="0"/>
+        </a:p>
+      </dgm:t>
+    </dgm:pt>
+    <dgm:pt modelId="{71E08B49-E1EC-42DC-A59B-25B05B5CED6A}" type="parTrans" cxnId="{8DF203B4-35C8-4E52-8BAC-2E8DB1F116F0}">
+      <dgm:prSet/>
+      <dgm:spPr/>
+      <dgm:t>
+        <a:bodyPr/>
+        <a:lstStyle/>
+        <a:p>
+          <a:endParaRPr lang="pt-BR"/>
+        </a:p>
+      </dgm:t>
+    </dgm:pt>
+    <dgm:pt modelId="{6E7C754E-D78F-4BF4-9429-AD86EBFBC9DC}" type="sibTrans" cxnId="{8DF203B4-35C8-4E52-8BAC-2E8DB1F116F0}">
+      <dgm:prSet/>
+      <dgm:spPr/>
+      <dgm:t>
+        <a:bodyPr/>
+        <a:lstStyle/>
+        <a:p>
+          <a:endParaRPr lang="pt-BR"/>
+        </a:p>
+      </dgm:t>
+    </dgm:pt>
+    <dgm:pt modelId="{50FBC3D9-C704-4929-9E58-714FFDE2A768}">
+      <dgm:prSet phldrT="[Texto]"/>
+      <dgm:spPr/>
+      <dgm:t>
+        <a:bodyPr/>
+        <a:lstStyle/>
+        <a:p>
+          <a:r>
+            <a:rPr lang="pt-BR" dirty="0" smtClean="0"/>
+            <a:t>Domínio</a:t>
+          </a:r>
+          <a:endParaRPr lang="pt-BR" dirty="0"/>
+        </a:p>
+      </dgm:t>
+    </dgm:pt>
+    <dgm:pt modelId="{67EA70AE-3B24-40DB-95FD-8D4E4B7300B8}" type="parTrans" cxnId="{5C656D82-3668-44BB-9732-7396CC563CC2}">
+      <dgm:prSet/>
+      <dgm:spPr/>
+      <dgm:t>
+        <a:bodyPr/>
+        <a:lstStyle/>
+        <a:p>
+          <a:endParaRPr lang="pt-BR"/>
+        </a:p>
+      </dgm:t>
+    </dgm:pt>
+    <dgm:pt modelId="{CA62152B-DB92-42CB-BA95-056A26301EED}" type="sibTrans" cxnId="{5C656D82-3668-44BB-9732-7396CC563CC2}">
+      <dgm:prSet/>
+      <dgm:spPr/>
+      <dgm:t>
+        <a:bodyPr/>
+        <a:lstStyle/>
+        <a:p>
+          <a:endParaRPr lang="pt-BR"/>
+        </a:p>
+      </dgm:t>
+    </dgm:pt>
+    <dgm:pt modelId="{0880EBAF-7450-41C8-B1DE-469F76A5E5F9}">
+      <dgm:prSet phldrT="[Texto]"/>
+      <dgm:spPr/>
+      <dgm:t>
+        <a:bodyPr/>
+        <a:lstStyle/>
+        <a:p>
+          <a:r>
+            <a:rPr lang="pt-BR" dirty="0" smtClean="0"/>
+            <a:t>Infra</a:t>
+          </a:r>
+          <a:endParaRPr lang="pt-BR" dirty="0"/>
+        </a:p>
+      </dgm:t>
+    </dgm:pt>
+    <dgm:pt modelId="{C19DD4DB-EE33-49E9-B2FF-664F816AA468}" type="parTrans" cxnId="{4A661C96-F924-45A9-B1DB-47662D0612AB}">
+      <dgm:prSet/>
+      <dgm:spPr/>
+      <dgm:t>
+        <a:bodyPr/>
+        <a:lstStyle/>
+        <a:p>
+          <a:endParaRPr lang="pt-BR"/>
+        </a:p>
+      </dgm:t>
+    </dgm:pt>
+    <dgm:pt modelId="{D05400E1-5838-43EB-A883-2E6065F3E5CF}" type="sibTrans" cxnId="{4A661C96-F924-45A9-B1DB-47662D0612AB}">
+      <dgm:prSet/>
+      <dgm:spPr/>
+      <dgm:t>
+        <a:bodyPr/>
+        <a:lstStyle/>
+        <a:p>
+          <a:endParaRPr lang="pt-BR"/>
+        </a:p>
+      </dgm:t>
+    </dgm:pt>
+    <dgm:pt modelId="{F3946F52-FA51-4C4D-A834-9E6AE90D3202}" type="pres">
+      <dgm:prSet presAssocID="{92EEC6DE-A056-43CA-9FF0-1D26D881B225}" presName="linearFlow" presStyleCnt="0">
+        <dgm:presLayoutVars>
+          <dgm:resizeHandles val="exact"/>
+        </dgm:presLayoutVars>
+      </dgm:prSet>
+      <dgm:spPr/>
+    </dgm:pt>
+    <dgm:pt modelId="{8A4BDF1B-3268-4760-8188-DB20DF241BC6}" type="pres">
+      <dgm:prSet presAssocID="{3F5D7B7D-B7FE-4703-B5C5-D719E4E379D1}" presName="node" presStyleLbl="node1" presStyleIdx="0" presStyleCnt="3">
+        <dgm:presLayoutVars>
+          <dgm:bulletEnabled val="1"/>
+        </dgm:presLayoutVars>
+      </dgm:prSet>
+      <dgm:spPr/>
+      <dgm:t>
+        <a:bodyPr/>
+        <a:lstStyle/>
+        <a:p>
+          <a:endParaRPr lang="pt-BR"/>
+        </a:p>
+      </dgm:t>
+    </dgm:pt>
+    <dgm:pt modelId="{31354CCD-1422-4F5F-9B2C-2877A2D443E7}" type="pres">
+      <dgm:prSet presAssocID="{6E7C754E-D78F-4BF4-9429-AD86EBFBC9DC}" presName="sibTrans" presStyleLbl="sibTrans2D1" presStyleIdx="0" presStyleCnt="2" custAng="5400000"/>
+      <dgm:spPr>
+        <a:prstGeom prst="upDownArrow">
+          <a:avLst/>
+        </a:prstGeom>
+      </dgm:spPr>
+    </dgm:pt>
+    <dgm:pt modelId="{6614E58F-56EE-425E-B44C-A13E8222BF66}" type="pres">
+      <dgm:prSet presAssocID="{6E7C754E-D78F-4BF4-9429-AD86EBFBC9DC}" presName="connectorText" presStyleLbl="sibTrans2D1" presStyleIdx="0" presStyleCnt="2"/>
+      <dgm:spPr/>
+    </dgm:pt>
+    <dgm:pt modelId="{C381C11F-6364-4E5A-9672-2F972E90E05F}" type="pres">
+      <dgm:prSet presAssocID="{50FBC3D9-C704-4929-9E58-714FFDE2A768}" presName="node" presStyleLbl="node1" presStyleIdx="1" presStyleCnt="3">
+        <dgm:presLayoutVars>
+          <dgm:bulletEnabled val="1"/>
+        </dgm:presLayoutVars>
+      </dgm:prSet>
+      <dgm:spPr/>
+    </dgm:pt>
+    <dgm:pt modelId="{0825B104-3614-42C6-A627-DF078D95990F}" type="pres">
+      <dgm:prSet presAssocID="{CA62152B-DB92-42CB-BA95-056A26301EED}" presName="sibTrans" presStyleLbl="sibTrans2D1" presStyleIdx="1" presStyleCnt="2" custAng="5400000"/>
+      <dgm:spPr>
+        <a:prstGeom prst="upDownArrow">
+          <a:avLst/>
+        </a:prstGeom>
+      </dgm:spPr>
+    </dgm:pt>
+    <dgm:pt modelId="{74732E29-B84D-432A-9C14-EA67CD8CBC17}" type="pres">
+      <dgm:prSet presAssocID="{CA62152B-DB92-42CB-BA95-056A26301EED}" presName="connectorText" presStyleLbl="sibTrans2D1" presStyleIdx="1" presStyleCnt="2"/>
+      <dgm:spPr/>
+    </dgm:pt>
+    <dgm:pt modelId="{70309600-E822-43CE-BD9D-80F8BC7CEE02}" type="pres">
+      <dgm:prSet presAssocID="{0880EBAF-7450-41C8-B1DE-469F76A5E5F9}" presName="node" presStyleLbl="node1" presStyleIdx="2" presStyleCnt="3">
+        <dgm:presLayoutVars>
+          <dgm:bulletEnabled val="1"/>
+        </dgm:presLayoutVars>
+      </dgm:prSet>
+      <dgm:spPr/>
+    </dgm:pt>
+  </dgm:ptLst>
+  <dgm:cxnLst>
+    <dgm:cxn modelId="{0A9B0FB9-9DF7-4BA8-9A76-5D8DC172C389}" type="presOf" srcId="{0880EBAF-7450-41C8-B1DE-469F76A5E5F9}" destId="{70309600-E822-43CE-BD9D-80F8BC7CEE02}" srcOrd="0" destOrd="0" presId="urn:microsoft.com/office/officeart/2005/8/layout/process2"/>
+    <dgm:cxn modelId="{5C656D82-3668-44BB-9732-7396CC563CC2}" srcId="{92EEC6DE-A056-43CA-9FF0-1D26D881B225}" destId="{50FBC3D9-C704-4929-9E58-714FFDE2A768}" srcOrd="1" destOrd="0" parTransId="{67EA70AE-3B24-40DB-95FD-8D4E4B7300B8}" sibTransId="{CA62152B-DB92-42CB-BA95-056A26301EED}"/>
+    <dgm:cxn modelId="{7EC12F80-F101-486F-A1B1-58D3EFD6994A}" type="presOf" srcId="{CA62152B-DB92-42CB-BA95-056A26301EED}" destId="{74732E29-B84D-432A-9C14-EA67CD8CBC17}" srcOrd="1" destOrd="0" presId="urn:microsoft.com/office/officeart/2005/8/layout/process2"/>
+    <dgm:cxn modelId="{8DF203B4-35C8-4E52-8BAC-2E8DB1F116F0}" srcId="{92EEC6DE-A056-43CA-9FF0-1D26D881B225}" destId="{3F5D7B7D-B7FE-4703-B5C5-D719E4E379D1}" srcOrd="0" destOrd="0" parTransId="{71E08B49-E1EC-42DC-A59B-25B05B5CED6A}" sibTransId="{6E7C754E-D78F-4BF4-9429-AD86EBFBC9DC}"/>
+    <dgm:cxn modelId="{AFF8F15F-090D-4B8A-BB24-7816E42C6F85}" type="presOf" srcId="{6E7C754E-D78F-4BF4-9429-AD86EBFBC9DC}" destId="{31354CCD-1422-4F5F-9B2C-2877A2D443E7}" srcOrd="0" destOrd="0" presId="urn:microsoft.com/office/officeart/2005/8/layout/process2"/>
+    <dgm:cxn modelId="{31D03450-2BAA-4A39-AC59-8F0A6398FDD1}" type="presOf" srcId="{50FBC3D9-C704-4929-9E58-714FFDE2A768}" destId="{C381C11F-6364-4E5A-9672-2F972E90E05F}" srcOrd="0" destOrd="0" presId="urn:microsoft.com/office/officeart/2005/8/layout/process2"/>
+    <dgm:cxn modelId="{40035D9E-93DE-4A01-A7EE-785EF53C5771}" type="presOf" srcId="{6E7C754E-D78F-4BF4-9429-AD86EBFBC9DC}" destId="{6614E58F-56EE-425E-B44C-A13E8222BF66}" srcOrd="1" destOrd="0" presId="urn:microsoft.com/office/officeart/2005/8/layout/process2"/>
+    <dgm:cxn modelId="{F3DEFA03-B139-4693-A71A-2FA22E523660}" type="presOf" srcId="{CA62152B-DB92-42CB-BA95-056A26301EED}" destId="{0825B104-3614-42C6-A627-DF078D95990F}" srcOrd="0" destOrd="0" presId="urn:microsoft.com/office/officeart/2005/8/layout/process2"/>
+    <dgm:cxn modelId="{4A661C96-F924-45A9-B1DB-47662D0612AB}" srcId="{92EEC6DE-A056-43CA-9FF0-1D26D881B225}" destId="{0880EBAF-7450-41C8-B1DE-469F76A5E5F9}" srcOrd="2" destOrd="0" parTransId="{C19DD4DB-EE33-49E9-B2FF-664F816AA468}" sibTransId="{D05400E1-5838-43EB-A883-2E6065F3E5CF}"/>
+    <dgm:cxn modelId="{CAC26027-6718-4F5B-9A07-90119146F608}" type="presOf" srcId="{92EEC6DE-A056-43CA-9FF0-1D26D881B225}" destId="{F3946F52-FA51-4C4D-A834-9E6AE90D3202}" srcOrd="0" destOrd="0" presId="urn:microsoft.com/office/officeart/2005/8/layout/process2"/>
+    <dgm:cxn modelId="{6F2B3558-E08E-4793-A5F8-5A4302FADE97}" type="presOf" srcId="{3F5D7B7D-B7FE-4703-B5C5-D719E4E379D1}" destId="{8A4BDF1B-3268-4760-8188-DB20DF241BC6}" srcOrd="0" destOrd="0" presId="urn:microsoft.com/office/officeart/2005/8/layout/process2"/>
+    <dgm:cxn modelId="{E8E6513E-01F3-4C3C-BA57-ECE5CD7EAE6C}" type="presParOf" srcId="{F3946F52-FA51-4C4D-A834-9E6AE90D3202}" destId="{8A4BDF1B-3268-4760-8188-DB20DF241BC6}" srcOrd="0" destOrd="0" presId="urn:microsoft.com/office/officeart/2005/8/layout/process2"/>
+    <dgm:cxn modelId="{849973AA-445F-4956-9ACF-D0EC90AD7911}" type="presParOf" srcId="{F3946F52-FA51-4C4D-A834-9E6AE90D3202}" destId="{31354CCD-1422-4F5F-9B2C-2877A2D443E7}" srcOrd="1" destOrd="0" presId="urn:microsoft.com/office/officeart/2005/8/layout/process2"/>
+    <dgm:cxn modelId="{AF57FDAD-A016-4D71-8515-E970FF97A4BC}" type="presParOf" srcId="{31354CCD-1422-4F5F-9B2C-2877A2D443E7}" destId="{6614E58F-56EE-425E-B44C-A13E8222BF66}" srcOrd="0" destOrd="0" presId="urn:microsoft.com/office/officeart/2005/8/layout/process2"/>
+    <dgm:cxn modelId="{CFF5026C-F337-42D9-8EBB-91773099F969}" type="presParOf" srcId="{F3946F52-FA51-4C4D-A834-9E6AE90D3202}" destId="{C381C11F-6364-4E5A-9672-2F972E90E05F}" srcOrd="2" destOrd="0" presId="urn:microsoft.com/office/officeart/2005/8/layout/process2"/>
+    <dgm:cxn modelId="{4228FECB-E573-42DD-8120-20C0863359BA}" type="presParOf" srcId="{F3946F52-FA51-4C4D-A834-9E6AE90D3202}" destId="{0825B104-3614-42C6-A627-DF078D95990F}" srcOrd="3" destOrd="0" presId="urn:microsoft.com/office/officeart/2005/8/layout/process2"/>
+    <dgm:cxn modelId="{E2B65067-2AD4-4F9E-91AA-D33FBA2F22B0}" type="presParOf" srcId="{0825B104-3614-42C6-A627-DF078D95990F}" destId="{74732E29-B84D-432A-9C14-EA67CD8CBC17}" srcOrd="0" destOrd="0" presId="urn:microsoft.com/office/officeart/2005/8/layout/process2"/>
+    <dgm:cxn modelId="{50E6982E-C17F-4C1E-A318-72630CF4B56A}" type="presParOf" srcId="{F3946F52-FA51-4C4D-A834-9E6AE90D3202}" destId="{70309600-E822-43CE-BD9D-80F8BC7CEE02}" srcOrd="4" destOrd="0" presId="urn:microsoft.com/office/officeart/2005/8/layout/process2"/>
+  </dgm:cxnLst>
+  <dgm:bg/>
+  <dgm:whole/>
+  <dgm:extLst>
+    <a:ext uri="http://schemas.microsoft.com/office/drawing/2008/diagram">
+      <dsp:dataModelExt xmlns:dsp="http://schemas.microsoft.com/office/drawing/2008/diagram" relId="rId6" minVer="http://schemas.openxmlformats.org/drawingml/2006/diagram"/>
+    </a:ext>
+  </dgm:extLst>
+</dgm:dataModel>
+</file>
+
+<file path=ppt/diagrams/drawing1.xml><?xml version="1.0" encoding="utf-8"?>
+<dsp:drawing xmlns:dgm="http://schemas.openxmlformats.org/drawingml/2006/diagram" xmlns:dsp="http://schemas.microsoft.com/office/drawing/2008/diagram" xmlns:a="http://schemas.openxmlformats.org/drawingml/2006/main">
+  <dsp:spTree>
+    <dsp:nvGrpSpPr>
+      <dsp:cNvPr id="0" name=""/>
+      <dsp:cNvGrpSpPr/>
+    </dsp:nvGrpSpPr>
+    <dsp:grpSpPr/>
+    <dsp:sp modelId="{8A4BDF1B-3268-4760-8188-DB20DF241BC6}">
+      <dsp:nvSpPr>
+        <dsp:cNvPr id="0" name=""/>
+        <dsp:cNvSpPr/>
+      </dsp:nvSpPr>
+      <dsp:spPr>
+        <a:xfrm>
+          <a:off x="4468058" y="0"/>
+          <a:ext cx="2036683" cy="1131490"/>
+        </a:xfrm>
+        <a:prstGeom prst="roundRect">
+          <a:avLst>
+            <a:gd name="adj" fmla="val 10000"/>
+          </a:avLst>
+        </a:prstGeom>
+        <a:solidFill>
+          <a:schemeClr val="accent1">
+            <a:hueOff val="0"/>
+            <a:satOff val="0"/>
+            <a:lumOff val="0"/>
+            <a:alphaOff val="0"/>
+          </a:schemeClr>
+        </a:solidFill>
+        <a:ln w="25400" cap="flat" cmpd="sng" algn="ctr">
+          <a:solidFill>
+            <a:schemeClr val="lt1">
+              <a:hueOff val="0"/>
+              <a:satOff val="0"/>
+              <a:lumOff val="0"/>
+              <a:alphaOff val="0"/>
+            </a:schemeClr>
+          </a:solidFill>
+          <a:prstDash val="solid"/>
+        </a:ln>
+        <a:effectLst/>
+      </dsp:spPr>
+      <dsp:style>
+        <a:lnRef idx="2">
+          <a:scrgbClr r="0" g="0" b="0"/>
+        </a:lnRef>
+        <a:fillRef idx="1">
+          <a:scrgbClr r="0" g="0" b="0"/>
+        </a:fillRef>
+        <a:effectRef idx="0">
+          <a:scrgbClr r="0" g="0" b="0"/>
+        </a:effectRef>
+        <a:fontRef idx="minor">
+          <a:schemeClr val="lt1"/>
+        </a:fontRef>
+      </dsp:style>
+      <dsp:txBody>
+        <a:bodyPr spcFirstLastPara="0" vert="horz" wrap="square" lIns="125730" tIns="125730" rIns="125730" bIns="125730" numCol="1" spcCol="1270" anchor="ctr" anchorCtr="0">
+          <a:noAutofit/>
+        </a:bodyPr>
+        <a:lstStyle/>
+        <a:p>
+          <a:pPr lvl="0" algn="ctr" defTabSz="1466850">
+            <a:lnSpc>
+              <a:spcPct val="90000"/>
+            </a:lnSpc>
+            <a:spcBef>
+              <a:spcPct val="0"/>
+            </a:spcBef>
+            <a:spcAft>
+              <a:spcPct val="35000"/>
+            </a:spcAft>
+          </a:pPr>
+          <a:r>
+            <a:rPr lang="pt-BR" sz="3300" kern="1200" dirty="0" smtClean="0"/>
+            <a:t>Front-</a:t>
+          </a:r>
+          <a:r>
+            <a:rPr lang="pt-BR" sz="3300" kern="1200" dirty="0" err="1" smtClean="0"/>
+            <a:t>End</a:t>
+          </a:r>
+          <a:endParaRPr lang="pt-BR" sz="3300" kern="1200" dirty="0"/>
+        </a:p>
+      </dsp:txBody>
+      <dsp:txXfrm>
+        <a:off x="4501198" y="33140"/>
+        <a:ext cx="1970403" cy="1065210"/>
+      </dsp:txXfrm>
+    </dsp:sp>
+    <dsp:sp modelId="{31354CCD-1422-4F5F-9B2C-2877A2D443E7}">
+      <dsp:nvSpPr>
+        <dsp:cNvPr id="0" name=""/>
+        <dsp:cNvSpPr/>
+      </dsp:nvSpPr>
+      <dsp:spPr>
+        <a:xfrm rot="10800000">
+          <a:off x="5274245" y="1159778"/>
+          <a:ext cx="424309" cy="509170"/>
+        </a:xfrm>
+        <a:prstGeom prst="upDownArrow">
+          <a:avLst/>
+        </a:prstGeom>
+        <a:solidFill>
+          <a:schemeClr val="accent1">
+            <a:tint val="60000"/>
+            <a:hueOff val="0"/>
+            <a:satOff val="0"/>
+            <a:lumOff val="0"/>
+            <a:alphaOff val="0"/>
+          </a:schemeClr>
+        </a:solidFill>
+        <a:ln>
+          <a:noFill/>
+        </a:ln>
+        <a:effectLst/>
+      </dsp:spPr>
+      <dsp:style>
+        <a:lnRef idx="0">
+          <a:scrgbClr r="0" g="0" b="0"/>
+        </a:lnRef>
+        <a:fillRef idx="1">
+          <a:scrgbClr r="0" g="0" b="0"/>
+        </a:fillRef>
+        <a:effectRef idx="0">
+          <a:scrgbClr r="0" g="0" b="0"/>
+        </a:effectRef>
+        <a:fontRef idx="minor">
+          <a:schemeClr val="lt1"/>
+        </a:fontRef>
+      </dsp:style>
+      <dsp:txBody>
+        <a:bodyPr spcFirstLastPara="0" vert="horz" wrap="square" lIns="0" tIns="0" rIns="0" bIns="0" numCol="1" spcCol="1270" anchor="ctr" anchorCtr="0">
+          <a:noAutofit/>
+        </a:bodyPr>
+        <a:lstStyle/>
+        <a:p>
+          <a:pPr lvl="0" algn="ctr" defTabSz="933450">
+            <a:lnSpc>
+              <a:spcPct val="90000"/>
+            </a:lnSpc>
+            <a:spcBef>
+              <a:spcPct val="0"/>
+            </a:spcBef>
+            <a:spcAft>
+              <a:spcPct val="35000"/>
+            </a:spcAft>
+          </a:pPr>
+          <a:endParaRPr lang="pt-BR" sz="2100" kern="1200"/>
+        </a:p>
+      </dsp:txBody>
+      <dsp:txXfrm rot="-5400000">
+        <a:off x="5397295" y="1265855"/>
+        <a:ext cx="305502" cy="297016"/>
+      </dsp:txXfrm>
+    </dsp:sp>
+    <dsp:sp modelId="{C381C11F-6364-4E5A-9672-2F972E90E05F}">
+      <dsp:nvSpPr>
+        <dsp:cNvPr id="0" name=""/>
+        <dsp:cNvSpPr/>
+      </dsp:nvSpPr>
+      <dsp:spPr>
+        <a:xfrm>
+          <a:off x="4468058" y="1697236"/>
+          <a:ext cx="2036683" cy="1131490"/>
+        </a:xfrm>
+        <a:prstGeom prst="roundRect">
+          <a:avLst>
+            <a:gd name="adj" fmla="val 10000"/>
+          </a:avLst>
+        </a:prstGeom>
+        <a:solidFill>
+          <a:schemeClr val="accent1">
+            <a:hueOff val="0"/>
+            <a:satOff val="0"/>
+            <a:lumOff val="0"/>
+            <a:alphaOff val="0"/>
+          </a:schemeClr>
+        </a:solidFill>
+        <a:ln w="25400" cap="flat" cmpd="sng" algn="ctr">
+          <a:solidFill>
+            <a:schemeClr val="lt1">
+              <a:hueOff val="0"/>
+              <a:satOff val="0"/>
+              <a:lumOff val="0"/>
+              <a:alphaOff val="0"/>
+            </a:schemeClr>
+          </a:solidFill>
+          <a:prstDash val="solid"/>
+        </a:ln>
+        <a:effectLst/>
+      </dsp:spPr>
+      <dsp:style>
+        <a:lnRef idx="2">
+          <a:scrgbClr r="0" g="0" b="0"/>
+        </a:lnRef>
+        <a:fillRef idx="1">
+          <a:scrgbClr r="0" g="0" b="0"/>
+        </a:fillRef>
+        <a:effectRef idx="0">
+          <a:scrgbClr r="0" g="0" b="0"/>
+        </a:effectRef>
+        <a:fontRef idx="minor">
+          <a:schemeClr val="lt1"/>
+        </a:fontRef>
+      </dsp:style>
+      <dsp:txBody>
+        <a:bodyPr spcFirstLastPara="0" vert="horz" wrap="square" lIns="125730" tIns="125730" rIns="125730" bIns="125730" numCol="1" spcCol="1270" anchor="ctr" anchorCtr="0">
+          <a:noAutofit/>
+        </a:bodyPr>
+        <a:lstStyle/>
+        <a:p>
+          <a:pPr lvl="0" algn="ctr" defTabSz="1466850">
+            <a:lnSpc>
+              <a:spcPct val="90000"/>
+            </a:lnSpc>
+            <a:spcBef>
+              <a:spcPct val="0"/>
+            </a:spcBef>
+            <a:spcAft>
+              <a:spcPct val="35000"/>
+            </a:spcAft>
+          </a:pPr>
+          <a:r>
+            <a:rPr lang="pt-BR" sz="3300" kern="1200" dirty="0" smtClean="0"/>
+            <a:t>Domínio</a:t>
+          </a:r>
+          <a:endParaRPr lang="pt-BR" sz="3300" kern="1200" dirty="0"/>
+        </a:p>
+      </dsp:txBody>
+      <dsp:txXfrm>
+        <a:off x="4501198" y="1730376"/>
+        <a:ext cx="1970403" cy="1065210"/>
+      </dsp:txXfrm>
+    </dsp:sp>
+    <dsp:sp modelId="{0825B104-3614-42C6-A627-DF078D95990F}">
+      <dsp:nvSpPr>
+        <dsp:cNvPr id="0" name=""/>
+        <dsp:cNvSpPr/>
+      </dsp:nvSpPr>
+      <dsp:spPr>
+        <a:xfrm rot="10800000">
+          <a:off x="5274245" y="2857014"/>
+          <a:ext cx="424309" cy="509170"/>
+        </a:xfrm>
+        <a:prstGeom prst="upDownArrow">
+          <a:avLst/>
+        </a:prstGeom>
+        <a:solidFill>
+          <a:schemeClr val="accent1">
+            <a:tint val="60000"/>
+            <a:hueOff val="0"/>
+            <a:satOff val="0"/>
+            <a:lumOff val="0"/>
+            <a:alphaOff val="0"/>
+          </a:schemeClr>
+        </a:solidFill>
+        <a:ln>
+          <a:noFill/>
+        </a:ln>
+        <a:effectLst/>
+      </dsp:spPr>
+      <dsp:style>
+        <a:lnRef idx="0">
+          <a:scrgbClr r="0" g="0" b="0"/>
+        </a:lnRef>
+        <a:fillRef idx="1">
+          <a:scrgbClr r="0" g="0" b="0"/>
+        </a:fillRef>
+        <a:effectRef idx="0">
+          <a:scrgbClr r="0" g="0" b="0"/>
+        </a:effectRef>
+        <a:fontRef idx="minor">
+          <a:schemeClr val="lt1"/>
+        </a:fontRef>
+      </dsp:style>
+      <dsp:txBody>
+        <a:bodyPr spcFirstLastPara="0" vert="horz" wrap="square" lIns="0" tIns="0" rIns="0" bIns="0" numCol="1" spcCol="1270" anchor="ctr" anchorCtr="0">
+          <a:noAutofit/>
+        </a:bodyPr>
+        <a:lstStyle/>
+        <a:p>
+          <a:pPr lvl="0" algn="ctr" defTabSz="933450">
+            <a:lnSpc>
+              <a:spcPct val="90000"/>
+            </a:lnSpc>
+            <a:spcBef>
+              <a:spcPct val="0"/>
+            </a:spcBef>
+            <a:spcAft>
+              <a:spcPct val="35000"/>
+            </a:spcAft>
+          </a:pPr>
+          <a:endParaRPr lang="pt-BR" sz="2100" kern="1200"/>
+        </a:p>
+      </dsp:txBody>
+      <dsp:txXfrm rot="-5400000">
+        <a:off x="5397295" y="2963091"/>
+        <a:ext cx="305502" cy="297016"/>
+      </dsp:txXfrm>
+    </dsp:sp>
+    <dsp:sp modelId="{70309600-E822-43CE-BD9D-80F8BC7CEE02}">
+      <dsp:nvSpPr>
+        <dsp:cNvPr id="0" name=""/>
+        <dsp:cNvSpPr/>
+      </dsp:nvSpPr>
+      <dsp:spPr>
+        <a:xfrm>
+          <a:off x="4468058" y="3394472"/>
+          <a:ext cx="2036683" cy="1131490"/>
+        </a:xfrm>
+        <a:prstGeom prst="roundRect">
+          <a:avLst>
+            <a:gd name="adj" fmla="val 10000"/>
+          </a:avLst>
+        </a:prstGeom>
+        <a:solidFill>
+          <a:schemeClr val="accent1">
+            <a:hueOff val="0"/>
+            <a:satOff val="0"/>
+            <a:lumOff val="0"/>
+            <a:alphaOff val="0"/>
+          </a:schemeClr>
+        </a:solidFill>
+        <a:ln w="25400" cap="flat" cmpd="sng" algn="ctr">
+          <a:solidFill>
+            <a:schemeClr val="lt1">
+              <a:hueOff val="0"/>
+              <a:satOff val="0"/>
+              <a:lumOff val="0"/>
+              <a:alphaOff val="0"/>
+            </a:schemeClr>
+          </a:solidFill>
+          <a:prstDash val="solid"/>
+        </a:ln>
+        <a:effectLst/>
+      </dsp:spPr>
+      <dsp:style>
+        <a:lnRef idx="2">
+          <a:scrgbClr r="0" g="0" b="0"/>
+        </a:lnRef>
+        <a:fillRef idx="1">
+          <a:scrgbClr r="0" g="0" b="0"/>
+        </a:fillRef>
+        <a:effectRef idx="0">
+          <a:scrgbClr r="0" g="0" b="0"/>
+        </a:effectRef>
+        <a:fontRef idx="minor">
+          <a:schemeClr val="lt1"/>
+        </a:fontRef>
+      </dsp:style>
+      <dsp:txBody>
+        <a:bodyPr spcFirstLastPara="0" vert="horz" wrap="square" lIns="125730" tIns="125730" rIns="125730" bIns="125730" numCol="1" spcCol="1270" anchor="ctr" anchorCtr="0">
+          <a:noAutofit/>
+        </a:bodyPr>
+        <a:lstStyle/>
+        <a:p>
+          <a:pPr lvl="0" algn="ctr" defTabSz="1466850">
+            <a:lnSpc>
+              <a:spcPct val="90000"/>
+            </a:lnSpc>
+            <a:spcBef>
+              <a:spcPct val="0"/>
+            </a:spcBef>
+            <a:spcAft>
+              <a:spcPct val="35000"/>
+            </a:spcAft>
+          </a:pPr>
+          <a:r>
+            <a:rPr lang="pt-BR" sz="3300" kern="1200" dirty="0" smtClean="0"/>
+            <a:t>Infra</a:t>
+          </a:r>
+          <a:endParaRPr lang="pt-BR" sz="3300" kern="1200" dirty="0"/>
+        </a:p>
+      </dsp:txBody>
+      <dsp:txXfrm>
+        <a:off x="4501198" y="3427612"/>
+        <a:ext cx="1970403" cy="1065210"/>
+      </dsp:txXfrm>
+    </dsp:sp>
+  </dsp:spTree>
+</dsp:drawing>
+</file>
+
+<file path=ppt/diagrams/layout1.xml><?xml version="1.0" encoding="utf-8"?>
+<dgm:layoutDef xmlns:dgm="http://schemas.openxmlformats.org/drawingml/2006/diagram" xmlns:a="http://schemas.openxmlformats.org/drawingml/2006/main" uniqueId="urn:microsoft.com/office/officeart/2005/8/layout/process2">
+  <dgm:title val=""/>
+  <dgm:desc val=""/>
+  <dgm:catLst>
+    <dgm:cat type="process" pri="13000"/>
+  </dgm:catLst>
+  <dgm:sampData useDef="1">
+    <dgm:dataModel>
+      <dgm:ptLst/>
+      <dgm:bg/>
+      <dgm:whole/>
+    </dgm:dataModel>
+  </dgm:sampData>
+  <dgm:styleData>
+    <dgm:dataModel>
+      <dgm:ptLst>
+        <dgm:pt modelId="0" type="doc"/>
+        <dgm:pt modelId="1"/>
+        <dgm:pt modelId="2"/>
+      </dgm:ptLst>
+      <dgm:cxnLst>
+        <dgm:cxn modelId="3" srcId="0" destId="1" srcOrd="0" destOrd="0"/>
+        <dgm:cxn modelId="4" srcId="0" destId="2" srcOrd="1" destOrd="0"/>
+      </dgm:cxnLst>
+      <dgm:bg/>
+      <dgm:whole/>
+    </dgm:dataModel>
+  </dgm:styleData>
+  <dgm:clrData>
+    <dgm:dataModel>
+      <dgm:ptLst>
+        <dgm:pt modelId="0" type="doc"/>
+        <dgm:pt modelId="1"/>
+        <dgm:pt modelId="2"/>
+        <dgm:pt modelId="3"/>
+        <dgm:pt modelId="4"/>
+      </dgm:ptLst>
+      <dgm:cxnLst>
+        <dgm:cxn modelId="5" srcId="0" destId="1" srcOrd="0" destOrd="0"/>
+        <dgm:cxn modelId="6" srcId="0" destId="2" srcOrd="1" destOrd="0"/>
+        <dgm:cxn modelId="7" srcId="0" destId="3" srcOrd="2" destOrd="0"/>
+        <dgm:cxn modelId="8" srcId="0" destId="4" srcOrd="3" destOrd="0"/>
+      </dgm:cxnLst>
+      <dgm:bg/>
+      <dgm:whole/>
+    </dgm:dataModel>
+  </dgm:clrData>
+  <dgm:layoutNode name="linearFlow">
+    <dgm:varLst>
+      <dgm:resizeHandles val="exact"/>
+    </dgm:varLst>
+    <dgm:alg type="lin">
+      <dgm:param type="linDir" val="fromT"/>
+    </dgm:alg>
+    <dgm:shape xmlns:r="http://schemas.openxmlformats.org/officeDocument/2006/relationships" r:blip="">
+      <dgm:adjLst/>
+    </dgm:shape>
+    <dgm:presOf/>
+    <dgm:constrLst>
+      <dgm:constr type="h" for="ch" ptType="node" refType="h"/>
+      <dgm:constr type="h" for="ch" ptType="sibTrans" refType="h" refFor="ch" refPtType="node" fact="0.5"/>
+      <dgm:constr type="w" for="ch" ptType="node" op="equ"/>
+      <dgm:constr type="primFontSz" for="ch" ptType="node" op="equ" val="65"/>
+      <dgm:constr type="primFontSz" for="des" forName="connectorText" op="equ" val="55"/>
+      <dgm:constr type="primFontSz" for="des" forName="connectorText" refType="primFontSz" refFor="ch" refPtType="node" op="lte" fact="0.8"/>
+    </dgm:constrLst>
+    <dgm:ruleLst/>
+    <dgm:forEach name="nodesForEach" axis="ch" ptType="node">
+      <dgm:layoutNode name="node">
+        <dgm:varLst>
+          <dgm:bulletEnabled val="1"/>
+        </dgm:varLst>
+        <dgm:choose name="Name0">
+          <dgm:if name="Name1" axis="root des" ptType="all node" func="maxDepth" op="gt" val="1">
+            <dgm:alg type="tx">
+              <dgm:param type="parTxLTRAlign" val="l"/>
+              <dgm:param type="parTxRTLAlign" val="r"/>
+              <dgm:param type="txAnchorVertCh" val="mid"/>
+            </dgm:alg>
+          </dgm:if>
+          <dgm:else name="Name2">
+            <dgm:alg type="tx"/>
+          </dgm:else>
+        </dgm:choose>
+        <dgm:shape xmlns:r="http://schemas.openxmlformats.org/officeDocument/2006/relationships" type="roundRect" r:blip="">
+          <dgm:adjLst>
+            <dgm:adj idx="1" val="0.1"/>
+          </dgm:adjLst>
+        </dgm:shape>
+        <dgm:presOf axis="desOrSelf" ptType="node"/>
+        <dgm:constrLst>
+          <dgm:constr type="w" refType="h" fact="1.8"/>
+          <dgm:constr type="tMarg" refType="primFontSz" fact="0.3"/>
+          <dgm:constr type="bMarg" refType="primFontSz" fact="0.3"/>
+          <dgm:constr type="lMarg" refType="primFontSz" fact="0.3"/>
+          <dgm:constr type="rMarg" refType="primFontSz" fact="0.3"/>
+        </dgm:constrLst>
+        <dgm:ruleLst>
+          <dgm:rule type="primFontSz" val="18" fact="NaN" max="NaN"/>
+          <dgm:rule type="w" val="NaN" fact="4" max="NaN"/>
+          <dgm:rule type="primFontSz" val="5" fact="NaN" max="NaN"/>
+        </dgm:ruleLst>
+      </dgm:layoutNode>
+      <dgm:forEach name="sibTransForEach" axis="followSib" ptType="sibTrans" cnt="1">
+        <dgm:layoutNode name="sibTrans">
+          <dgm:alg type="conn">
+            <dgm:param type="begPts" val="auto"/>
+            <dgm:param type="endPts" val="auto"/>
+          </dgm:alg>
+          <dgm:shape xmlns:r="http://schemas.openxmlformats.org/officeDocument/2006/relationships" type="conn" r:blip="">
+            <dgm:adjLst/>
+          </dgm:shape>
+          <dgm:presOf axis="self"/>
+          <dgm:constrLst>
+            <dgm:constr type="w" refType="h" fact="0.9"/>
+            <dgm:constr type="connDist"/>
+            <dgm:constr type="wArH" refType="w" fact="0.5"/>
+            <dgm:constr type="hArH" refType="w"/>
+            <dgm:constr type="stemThick" refType="w" fact="0.6"/>
+            <dgm:constr type="begPad" refType="connDist" fact="0.125"/>
+            <dgm:constr type="endPad" refType="connDist" fact="0.125"/>
+          </dgm:constrLst>
+          <dgm:ruleLst/>
+          <dgm:layoutNode name="connectorText">
+            <dgm:alg type="tx">
+              <dgm:param type="autoTxRot" val="upr"/>
+            </dgm:alg>
+            <dgm:shape xmlns:r="http://schemas.openxmlformats.org/officeDocument/2006/relationships" type="conn" r:blip="" hideGeom="1">
+              <dgm:adjLst/>
+            </dgm:shape>
+            <dgm:presOf axis="self"/>
+            <dgm:constrLst>
+              <dgm:constr type="lMarg"/>
+              <dgm:constr type="rMarg"/>
+              <dgm:constr type="tMarg"/>
+              <dgm:constr type="bMarg"/>
+            </dgm:constrLst>
+            <dgm:ruleLst>
+              <dgm:rule type="primFontSz" val="5" fact="NaN" max="NaN"/>
+            </dgm:ruleLst>
+          </dgm:layoutNode>
+        </dgm:layoutNode>
+      </dgm:forEach>
+    </dgm:forEach>
+  </dgm:layoutNode>
+</dgm:layoutDef>
+</file>
+
+<file path=ppt/diagrams/quickStyle1.xml><?xml version="1.0" encoding="utf-8"?>
+<dgm:styleDef xmlns:dgm="http://schemas.openxmlformats.org/drawingml/2006/diagram" xmlns:a="http://schemas.openxmlformats.org/drawingml/2006/main" uniqueId="urn:microsoft.com/office/officeart/2005/8/quickstyle/simple1">
+  <dgm:title val=""/>
+  <dgm:desc val=""/>
+  <dgm:catLst>
+    <dgm:cat type="simple" pri="10100"/>
+  </dgm:catLst>
+  <dgm:scene3d>
+    <a:camera prst="orthographicFront"/>
+    <a:lightRig rig="threePt" dir="t"/>
+  </dgm:scene3d>
+  <dgm:styleLbl name="node0">
+    <dgm:scene3d>
+      <a:camera prst="orthographicFront"/>
+      <a:lightRig rig="threePt" dir="t"/>
+    </dgm:scene3d>
+    <dgm:sp3d/>
+    <dgm:txPr/>
+    <dgm:style>
+      <a:lnRef idx="2">
+        <a:scrgbClr r="0" g="0" b="0"/>
+      </a:lnRef>
+      <a:fillRef idx="1">
+        <a:scrgbClr r="0" g="0" b="0"/>
+      </a:fillRef>
+      <a:effectRef idx="0">
+        <a:scrgbClr r="0" g="0" b="0"/>
+      </a:effectRef>
+      <a:fontRef idx="minor">
+        <a:schemeClr val="lt1"/>
+      </a:fontRef>
+    </dgm:style>
+  </dgm:styleLbl>
+  <dgm:styleLbl name="lnNode1">
+    <dgm:scene3d>
+      <a:camera prst="orthographicFront"/>
+      <a:lightRig rig="threePt" dir="t"/>
+    </dgm:scene3d>
+    <dgm:sp3d/>
+    <dgm:txPr/>
+    <dgm:style>
+      <a:lnRef idx="2">
+        <a:scrgbClr r="0" g="0" b="0"/>
+      </a:lnRef>
+      <a:fillRef idx="1">
+        <a:scrgbClr r="0" g="0" b="0"/>
+      </a:fillRef>
+      <a:effectRef idx="0">
+        <a:scrgbClr r="0" g="0" b="0"/>
+      </a:effectRef>
+      <a:fontRef idx="minor">
+        <a:schemeClr val="lt1"/>
+      </a:fontRef>
+    </dgm:style>
+  </dgm:styleLbl>
+  <dgm:styleLbl name="vennNode1">
+    <dgm:scene3d>
+      <a:camera prst="orthographicFront"/>
+      <a:lightRig rig="threePt" dir="t"/>
+    </dgm:scene3d>
+    <dgm:sp3d/>
+    <dgm:txPr/>
+    <dgm:style>
+      <a:lnRef idx="2">
+        <a:scrgbClr r="0" g="0" b="0"/>
+      </a:lnRef>
+      <a:fillRef idx="1">
+        <a:scrgbClr r="0" g="0" b="0"/>
+      </a:fillRef>
+      <a:effectRef idx="0">
+        <a:scrgbClr r="0" g="0" b="0"/>
+      </a:effectRef>
+      <a:fontRef idx="minor">
+        <a:schemeClr val="tx1"/>
+      </a:fontRef>
+    </dgm:style>
+  </dgm:styleLbl>
+  <dgm:styleLbl name="alignNode1">
+    <dgm:scene3d>
+      <a:camera prst="orthographicFront"/>
+      <a:lightRig rig="threePt" dir="t"/>
+    </dgm:scene3d>
+    <dgm:sp3d/>
+    <dgm:txPr/>
+    <dgm:style>
+      <a:lnRef idx="2">
+        <a:scrgbClr r="0" g="0" b="0"/>
+      </a:lnRef>
+      <a:fillRef idx="1">
+        <a:scrgbClr r="0" g="0" b="0"/>
+      </a:fillRef>
+      <a:effectRef idx="0">
+        <a:scrgbClr r="0" g="0" b="0"/>
+      </a:effectRef>
+      <a:fontRef idx="minor">
+        <a:schemeClr val="lt1"/>
+      </a:fontRef>
+    </dgm:style>
+  </dgm:styleLbl>
+  <dgm:styleLbl name="node1">
+    <dgm:scene3d>
+      <a:camera prst="orthographicFront"/>
+      <a:lightRig rig="threePt" dir="t"/>
+    </dgm:scene3d>
+    <dgm:sp3d/>
+    <dgm:txPr/>
+    <dgm:style>
+      <a:lnRef idx="2">
+        <a:scrgbClr r="0" g="0" b="0"/>
+      </a:lnRef>
+      <a:fillRef idx="1">
+        <a:scrgbClr r="0" g="0" b="0"/>
+      </a:fillRef>
+      <a:effectRef idx="0">
+        <a:scrgbClr r="0" g="0" b="0"/>
+      </a:effectRef>
+      <a:fontRef idx="minor">
+        <a:schemeClr val="lt1"/>
+      </a:fontRef>
+    </dgm:style>
+  </dgm:styleLbl>
+  <dgm:styleLbl name="node2">
+    <dgm:scene3d>
+      <a:camera prst="orthographicFront"/>
+      <a:lightRig rig="threePt" dir="t"/>
+    </dgm:scene3d>
+    <dgm:sp3d/>
+    <dgm:txPr/>
+    <dgm:style>
+      <a:lnRef idx="2">
+        <a:scrgbClr r="0" g="0" b="0"/>
+      </a:lnRef>
+      <a:fillRef idx="1">
+        <a:scrgbClr r="0" g="0" b="0"/>
+      </a:fillRef>
+      <a:effectRef idx="0">
+        <a:scrgbClr r="0" g="0" b="0"/>
+      </a:effectRef>
+      <a:fontRef idx="minor">
+        <a:schemeClr val="lt1"/>
+      </a:fontRef>
+    </dgm:style>
+  </dgm:styleLbl>
+  <dgm:styleLbl name="node3">
+    <dgm:scene3d>
+      <a:camera prst="orthographicFront"/>
+      <a:lightRig rig="threePt" dir="t"/>
+    </dgm:scene3d>
+    <dgm:sp3d/>
+    <dgm:txPr/>
+    <dgm:style>
+      <a:lnRef idx="2">
+        <a:scrgbClr r="0" g="0" b="0"/>
+      </a:lnRef>
+      <a:fillRef idx="1">
+        <a:scrgbClr r="0" g="0" b="0"/>
+      </a:fillRef>
+      <a:effectRef idx="0">
+        <a:scrgbClr r="0" g="0" b="0"/>
+      </a:effectRef>
+      <a:fontRef idx="minor">
+        <a:schemeClr val="lt1"/>
+      </a:fontRef>
+    </dgm:style>
+  </dgm:styleLbl>
+  <dgm:styleLbl name="node4">
+    <dgm:scene3d>
+      <a:camera prst="orthographicFront"/>
+      <a:lightRig rig="threePt" dir="t"/>
+    </dgm:scene3d>
+    <dgm:sp3d/>
+    <dgm:txPr/>
+    <dgm:style>
+      <a:lnRef idx="2">
+        <a:scrgbClr r="0" g="0" b="0"/>
+      </a:lnRef>
+      <a:fillRef idx="1">
+        <a:scrgbClr r="0" g="0" b="0"/>
+      </a:fillRef>
+      <a:effectRef idx="0">
+        <a:scrgbClr r="0" g="0" b="0"/>
+      </a:effectRef>
+      <a:fontRef idx="minor">
+        <a:schemeClr val="lt1"/>
+      </a:fontRef>
+    </dgm:style>
+  </dgm:styleLbl>
+  <dgm:styleLbl name="fgImgPlace1">
+    <dgm:scene3d>
+      <a:camera prst="orthographicFront"/>
+      <a:lightRig rig="threePt" dir="t"/>
+    </dgm:scene3d>
+    <dgm:sp3d/>
+    <dgm:txPr/>
+    <dgm:style>
+      <a:lnRef idx="2">
+        <a:scrgbClr r="0" g="0" b="0"/>
+      </a:lnRef>
+      <a:fillRef idx="1">
+        <a:scrgbClr r="0" g="0" b="0"/>
+      </a:fillRef>
+      <a:effectRef idx="0">
+        <a:scrgbClr r="0" g="0" b="0"/>
+      </a:effectRef>
+      <a:fontRef idx="minor"/>
+    </dgm:style>
+  </dgm:styleLbl>
+  <dgm:styleLbl name="alignImgPlace1">
+    <dgm:scene3d>
+      <a:camera prst="orthographicFront"/>
+      <a:lightRig rig="threePt" dir="t"/>
+    </dgm:scene3d>
+    <dgm:sp3d/>
+    <dgm:txPr/>
+    <dgm:style>
+      <a:lnRef idx="2">
+        <a:scrgbClr r="0" g="0" b="0"/>
+      </a:lnRef>
+      <a:fillRef idx="1">
+        <a:scrgbClr r="0" g="0" b="0"/>
+      </a:fillRef>
+      <a:effectRef idx="0">
+        <a:scrgbClr r="0" g="0" b="0"/>
+      </a:effectRef>
+      <a:fontRef idx="minor"/>
+    </dgm:style>
+  </dgm:styleLbl>
+  <dgm:styleLbl name="bgImgPlace1">
+    <dgm:scene3d>
+      <a:camera prst="orthographicFront"/>
+      <a:lightRig rig="threePt" dir="t"/>
+    </dgm:scene3d>
+    <dgm:sp3d/>
+    <dgm:txPr/>
+    <dgm:style>
+      <a:lnRef idx="2">
+        <a:scrgbClr r="0" g="0" b="0"/>
+      </a:lnRef>
+      <a:fillRef idx="1">
+        <a:scrgbClr r="0" g="0" b="0"/>
+      </a:fillRef>
+      <a:effectRef idx="0">
+        <a:scrgbClr r="0" g="0" b="0"/>
+      </a:effectRef>
+      <a:fontRef idx="minor"/>
+    </dgm:style>
+  </dgm:styleLbl>
+  <dgm:styleLbl name="sibTrans2D1">
+    <dgm:scene3d>
+      <a:camera prst="orthographicFront"/>
+      <a:lightRig rig="threePt" dir="t"/>
+    </dgm:scene3d>
+    <dgm:sp3d/>
+    <dgm:txPr/>
+    <dgm:style>
+      <a:lnRef idx="0">
+        <a:scrgbClr r="0" g="0" b="0"/>
+      </a:lnRef>
+      <a:fillRef idx="1">
+        <a:scrgbClr r="0" g="0" b="0"/>
+      </a:fillRef>
+      <a:effectRef idx="0">
+        <a:scrgbClr r="0" g="0" b="0"/>
+      </a:effectRef>
+      <a:fontRef idx="minor">
+        <a:schemeClr val="lt1"/>
+      </a:fontRef>
+    </dgm:style>
+  </dgm:styleLbl>
+  <dgm:styleLbl name="fgSibTrans2D1">
+    <dgm:scene3d>
+      <a:camera prst="orthographicFront"/>
+      <a:lightRig rig="threePt" dir="t"/>
+    </dgm:scene3d>
+    <dgm:sp3d/>
+    <dgm:txPr/>
+    <dgm:style>
+      <a:lnRef idx="0">
+        <a:scrgbClr r="0" g="0" b="0"/>
+      </a:lnRef>
+      <a:fillRef idx="1">
+        <a:scrgbClr r="0" g="0" b="0"/>
+      </a:fillRef>
+      <a:effectRef idx="0">
+        <a:scrgbClr r="0" g="0" b="0"/>
+      </a:effectRef>
+      <a:fontRef idx="minor">
+        <a:schemeClr val="lt1"/>
+      </a:fontRef>
+    </dgm:style>
+  </dgm:styleLbl>
+  <dgm:styleLbl name="bgSibTrans2D1">
+    <dgm:scene3d>
+      <a:camera prst="orthographicFront"/>
+      <a:lightRig rig="threePt" dir="t"/>
+    </dgm:scene3d>
+    <dgm:sp3d/>
+    <dgm:txPr/>
+    <dgm:style>
+      <a:lnRef idx="0">
+        <a:scrgbClr r="0" g="0" b="0"/>
+      </a:lnRef>
+      <a:fillRef idx="1">
+        <a:scrgbClr r="0" g="0" b="0"/>
+      </a:fillRef>
+      <a:effectRef idx="0">
+        <a:scrgbClr r="0" g="0" b="0"/>
+      </a:effectRef>
+      <a:fontRef idx="minor">
+        <a:schemeClr val="lt1"/>
+      </a:fontRef>
+    </dgm:style>
+  </dgm:styleLbl>
+  <dgm:styleLbl name="sibTrans1D1">
+    <dgm:scene3d>
+      <a:camera prst="orthographicFront"/>
+      <a:lightRig rig="threePt" dir="t"/>
+    </dgm:scene3d>
+    <dgm:sp3d/>
+    <dgm:txPr/>
+    <dgm:style>
+      <a:lnRef idx="1">
+        <a:scrgbClr r="0" g="0" b="0"/>
+      </a:lnRef>
+      <a:fillRef idx="0">
+        <a:scrgbClr r="0" g="0" b="0"/>
+      </a:fillRef>
+      <a:effectRef idx="0">
+        <a:scrgbClr r="0" g="0" b="0"/>
+      </a:effectRef>
+      <a:fontRef idx="minor"/>
+    </dgm:style>
+  </dgm:styleLbl>
+  <dgm:styleLbl name="callout">
+    <dgm:scene3d>
+      <a:camera prst="orthographicFront"/>
+      <a:lightRig rig="threePt" dir="t"/>
+    </dgm:scene3d>
+    <dgm:sp3d/>
+    <dgm:txPr/>
+    <dgm:style>
+      <a:lnRef idx="2">
+        <a:scrgbClr r="0" g="0" b="0"/>
+      </a:lnRef>
+      <a:fillRef idx="1">
+        <a:scrgbClr r="0" g="0" b="0"/>
+      </a:fillRef>
+      <a:effectRef idx="0">
+        <a:scrgbClr r="0" g="0" b="0"/>
+      </a:effectRef>
+      <a:fontRef idx="minor"/>
+    </dgm:style>
+  </dgm:styleLbl>
+  <dgm:styleLbl name="asst0">
+    <dgm:scene3d>
+      <a:camera prst="orthographicFront"/>
+      <a:lightRig rig="threePt" dir="t"/>
+    </dgm:scene3d>
+    <dgm:sp3d/>
+    <dgm:txPr/>
+    <dgm:style>
+      <a:lnRef idx="2">
+        <a:scrgbClr r="0" g="0" b="0"/>
+      </a:lnRef>
+      <a:fillRef idx="1">
+        <a:scrgbClr r="0" g="0" b="0"/>
+      </a:fillRef>
+      <a:effectRef idx="0">
+        <a:scrgbClr r="0" g="0" b="0"/>
+      </a:effectRef>
+      <a:fontRef idx="minor">
+        <a:schemeClr val="lt1"/>
+      </a:fontRef>
+    </dgm:style>
+  </dgm:styleLbl>
+  <dgm:styleLbl name="asst1">
+    <dgm:scene3d>
+      <a:camera prst="orthographicFront"/>
+      <a:lightRig rig="threePt" dir="t"/>
+    </dgm:scene3d>
+    <dgm:sp3d/>
+    <dgm:txPr/>
+    <dgm:style>
+      <a:lnRef idx="2">
+        <a:scrgbClr r="0" g="0" b="0"/>
+      </a:lnRef>
+      <a:fillRef idx="1">
+        <a:scrgbClr r="0" g="0" b="0"/>
+      </a:fillRef>
+      <a:effectRef idx="0">
+        <a:scrgbClr r="0" g="0" b="0"/>
+      </a:effectRef>
+      <a:fontRef idx="minor">
+        <a:schemeClr val="lt1"/>
+      </a:fontRef>
+    </dgm:style>
+  </dgm:styleLbl>
+  <dgm:styleLbl name="asst2">
+    <dgm:scene3d>
+      <a:camera prst="orthographicFront"/>
+      <a:lightRig rig="threePt" dir="t"/>
+    </dgm:scene3d>
+    <dgm:sp3d/>
+    <dgm:txPr/>
+    <dgm:style>
+      <a:lnRef idx="2">
+        <a:scrgbClr r="0" g="0" b="0"/>
+      </a:lnRef>
+      <a:fillRef idx="1">
+        <a:scrgbClr r="0" g="0" b="0"/>
+      </a:fillRef>
+      <a:effectRef idx="0">
+        <a:scrgbClr r="0" g="0" b="0"/>
+      </a:effectRef>
+      <a:fontRef idx="minor">
+        <a:schemeClr val="lt1"/>
+      </a:fontRef>
+    </dgm:style>
+  </dgm:styleLbl>
+  <dgm:styleLbl name="asst3">
+    <dgm:scene3d>
+      <a:camera prst="orthographicFront"/>
+      <a:lightRig rig="threePt" dir="t"/>
+    </dgm:scene3d>
+    <dgm:sp3d/>
+    <dgm:txPr/>
+    <dgm:style>
+      <a:lnRef idx="2">
+        <a:scrgbClr r="0" g="0" b="0"/>
+      </a:lnRef>
+      <a:fillRef idx="1">
+        <a:scrgbClr r="0" g="0" b="0"/>
+      </a:fillRef>
+      <a:effectRef idx="0">
+        <a:scrgbClr r="0" g="0" b="0"/>
+      </a:effectRef>
+      <a:fontRef idx="minor">
+        <a:schemeClr val="lt1"/>
+      </a:fontRef>
+    </dgm:style>
+  </dgm:styleLbl>
+  <dgm:styleLbl name="asst4">
+    <dgm:scene3d>
+      <a:camera prst="orthographicFront"/>
+      <a:lightRig rig="threePt" dir="t"/>
+    </dgm:scene3d>
+    <dgm:sp3d/>
+    <dgm:txPr/>
+    <dgm:style>
+      <a:lnRef idx="2">
+        <a:scrgbClr r="0" g="0" b="0"/>
+      </a:lnRef>
+      <a:fillRef idx="1">
+        <a:scrgbClr r="0" g="0" b="0"/>
+      </a:fillRef>
+      <a:effectRef idx="0">
+        <a:scrgbClr r="0" g="0" b="0"/>
+      </a:effectRef>
+      <a:fontRef idx="minor">
+        <a:schemeClr val="lt1"/>
+      </a:fontRef>
+    </dgm:style>
+  </dgm:styleLbl>
+  <dgm:styleLbl name="parChTrans2D1">
+    <dgm:scene3d>
+      <a:camera prst="orthographicFront"/>
+      <a:lightRig rig="threePt" dir="t"/>
+    </dgm:scene3d>
+    <dgm:sp3d/>
+    <dgm:txPr/>
+    <dgm:style>
+      <a:lnRef idx="2">
+        <a:scrgbClr r="0" g="0" b="0"/>
+      </a:lnRef>
+      <a:fillRef idx="1">
+        <a:scrgbClr r="0" g="0" b="0"/>
+      </a:fillRef>
+      <a:effectRef idx="0">
+        <a:scrgbClr r="0" g="0" b="0"/>
+      </a:effectRef>
+      <a:fontRef idx="minor">
+        <a:schemeClr val="lt1"/>
+      </a:fontRef>
+    </dgm:style>
+  </dgm:styleLbl>
+  <dgm:styleLbl name="parChTrans2D2">
+    <dgm:scene3d>
+      <a:camera prst="orthographicFront"/>
+      <a:lightRig rig="threePt" dir="t"/>
+    </dgm:scene3d>
+    <dgm:sp3d/>
+    <dgm:txPr/>
+    <dgm:style>
+      <a:lnRef idx="2">
+        <a:scrgbClr r="0" g="0" b="0"/>
+      </a:lnRef>
+      <a:fillRef idx="1">
+        <a:scrgbClr r="0" g="0" b="0"/>
+      </a:fillRef>
+      <a:effectRef idx="0">
+        <a:scrgbClr r="0" g="0" b="0"/>
+      </a:effectRef>
+      <a:fontRef idx="minor">
+        <a:schemeClr val="lt1"/>
+      </a:fontRef>
+    </dgm:style>
+  </dgm:styleLbl>
+  <dgm:styleLbl name="parChTrans2D3">
+    <dgm:scene3d>
+      <a:camera prst="orthographicFront"/>
+      <a:lightRig rig="threePt" dir="t"/>
+    </dgm:scene3d>
+    <dgm:sp3d/>
+    <dgm:txPr/>
+    <dgm:style>
+      <a:lnRef idx="2">
+        <a:scrgbClr r="0" g="0" b="0"/>
+      </a:lnRef>
+      <a:fillRef idx="1">
+        <a:scrgbClr r="0" g="0" b="0"/>
+      </a:fillRef>
+      <a:effectRef idx="0">
+        <a:scrgbClr r="0" g="0" b="0"/>
+      </a:effectRef>
+      <a:fontRef idx="minor">
+        <a:schemeClr val="lt1"/>
+      </a:fontRef>
+    </dgm:style>
+  </dgm:styleLbl>
+  <dgm:styleLbl name="parChTrans2D4">
+    <dgm:scene3d>
+      <a:camera prst="orthographicFront"/>
+      <a:lightRig rig="threePt" dir="t"/>
+    </dgm:scene3d>
+    <dgm:sp3d/>
+    <dgm:txPr/>
+    <dgm:style>
+      <a:lnRef idx="2">
+        <a:scrgbClr r="0" g="0" b="0"/>
+      </a:lnRef>
+      <a:fillRef idx="1">
+        <a:scrgbClr r="0" g="0" b="0"/>
+      </a:fillRef>
+      <a:effectRef idx="0">
+        <a:scrgbClr r="0" g="0" b="0"/>
+      </a:effectRef>
+      <a:fontRef idx="minor">
+        <a:schemeClr val="lt1"/>
+      </a:fontRef>
+    </dgm:style>
+  </dgm:styleLbl>
+  <dgm:styleLbl name="parChTrans1D1">
+    <dgm:scene3d>
+      <a:camera prst="orthographicFront"/>
+      <a:lightRig rig="threePt" dir="t"/>
+    </dgm:scene3d>
+    <dgm:sp3d/>
+    <dgm:txPr/>
+    <dgm:style>
+      <a:lnRef idx="2">
+        <a:scrgbClr r="0" g="0" b="0"/>
+      </a:lnRef>
+      <a:fillRef idx="0">
+        <a:scrgbClr r="0" g="0" b="0"/>
+      </a:fillRef>
+      <a:effectRef idx="0">
+        <a:scrgbClr r="0" g="0" b="0"/>
+      </a:effectRef>
+      <a:fontRef idx="minor"/>
+    </dgm:style>
+  </dgm:styleLbl>
+  <dgm:styleLbl name="parChTrans1D2">
+    <dgm:scene3d>
+      <a:camera prst="orthographicFront"/>
+      <a:lightRig rig="threePt" dir="t"/>
+    </dgm:scene3d>
+    <dgm:sp3d/>
+    <dgm:txPr/>
+    <dgm:style>
+      <a:lnRef idx="2">
+        <a:scrgbClr r="0" g="0" b="0"/>
+      </a:lnRef>
+      <a:fillRef idx="0">
+        <a:scrgbClr r="0" g="0" b="0"/>
+      </a:fillRef>
+      <a:effectRef idx="0">
+        <a:scrgbClr r="0" g="0" b="0"/>
+      </a:effectRef>
+      <a:fontRef idx="minor"/>
+    </dgm:style>
+  </dgm:styleLbl>
+  <dgm:styleLbl name="parChTrans1D3">
+    <dgm:scene3d>
+      <a:camera prst="orthographicFront"/>
+      <a:lightRig rig="threePt" dir="t"/>
+    </dgm:scene3d>
+    <dgm:sp3d/>
+    <dgm:txPr/>
+    <dgm:style>
+      <a:lnRef idx="2">
+        <a:scrgbClr r="0" g="0" b="0"/>
+      </a:lnRef>
+      <a:fillRef idx="0">
+        <a:scrgbClr r="0" g="0" b="0"/>
+      </a:fillRef>
+      <a:effectRef idx="0">
+        <a:scrgbClr r="0" g="0" b="0"/>
+      </a:effectRef>
+      <a:fontRef idx="minor"/>
+    </dgm:style>
+  </dgm:styleLbl>
+  <dgm:styleLbl name="parChTrans1D4">
+    <dgm:scene3d>
+      <a:camera prst="orthographicFront"/>
+      <a:lightRig rig="threePt" dir="t"/>
+    </dgm:scene3d>
+    <dgm:sp3d/>
+    <dgm:txPr/>
+    <dgm:style>
+      <a:lnRef idx="2">
+        <a:scrgbClr r="0" g="0" b="0"/>
+      </a:lnRef>
+      <a:fillRef idx="0">
+        <a:scrgbClr r="0" g="0" b="0"/>
+      </a:fillRef>
+      <a:effectRef idx="0">
+        <a:scrgbClr r="0" g="0" b="0"/>
+      </a:effectRef>
+      <a:fontRef idx="minor"/>
+    </dgm:style>
+  </dgm:styleLbl>
+  <dgm:styleLbl name="fgAcc1">
+    <dgm:scene3d>
+      <a:camera prst="orthographicFront"/>
+      <a:lightRig rig="threePt" dir="t"/>
+    </dgm:scene3d>
+    <dgm:sp3d/>
+    <dgm:txPr/>
+    <dgm:style>
+      <a:lnRef idx="2">
+        <a:scrgbClr r="0" g="0" b="0"/>
+      </a:lnRef>
+      <a:fillRef idx="1">
+        <a:scrgbClr r="0" g="0" b="0"/>
+      </a:fillRef>
+      <a:effectRef idx="0">
+        <a:scrgbClr r="0" g="0" b="0"/>
+      </a:effectRef>
+      <a:fontRef idx="minor"/>
+    </dgm:style>
+  </dgm:styleLbl>
+  <dgm:styleLbl name="conFgAcc1">
+    <dgm:scene3d>
+      <a:camera prst="orthographicFront"/>
+      <a:lightRig rig="threePt" dir="t"/>
+    </dgm:scene3d>
+    <dgm:sp3d/>
+    <dgm:txPr/>
+    <dgm:style>
+      <a:lnRef idx="2">
+        <a:scrgbClr r="0" g="0" b="0"/>
+      </a:lnRef>
+      <a:fillRef idx="1">
+        <a:scrgbClr r="0" g="0" b="0"/>
+      </a:fillRef>
+      <a:effectRef idx="0">
+        <a:scrgbClr r="0" g="0" b="0"/>
+      </a:effectRef>
+      <a:fontRef idx="minor"/>
+    </dgm:style>
+  </dgm:styleLbl>
+  <dgm:styleLbl name="alignAcc1">
+    <dgm:scene3d>
+      <a:camera prst="orthographicFront"/>
+      <a:lightRig rig="threePt" dir="t"/>
+    </dgm:scene3d>
+    <dgm:sp3d/>
+    <dgm:txPr/>
+    <dgm:style>
+      <a:lnRef idx="2">
+        <a:scrgbClr r="0" g="0" b="0"/>
+      </a:lnRef>
+      <a:fillRef idx="1">
+        <a:scrgbClr r="0" g="0" b="0"/>
+      </a:fillRef>
+      <a:effectRef idx="0">
+        <a:scrgbClr r="0" g="0" b="0"/>
+      </a:effectRef>
+      <a:fontRef idx="minor"/>
+    </dgm:style>
+  </dgm:styleLbl>
+  <dgm:styleLbl name="trAlignAcc1">
+    <dgm:scene3d>
+      <a:camera prst="orthographicFront"/>
+      <a:lightRig rig="threePt" dir="t"/>
+    </dgm:scene3d>
+    <dgm:sp3d/>
+    <dgm:txPr/>
+    <dgm:style>
+      <a:lnRef idx="1">
+        <a:scrgbClr r="0" g="0" b="0"/>
+      </a:lnRef>
+      <a:fillRef idx="1">
+        <a:scrgbClr r="0" g="0" b="0"/>
+      </a:fillRef>
+      <a:effectRef idx="0">
+        <a:scrgbClr r="0" g="0" b="0"/>
+      </a:effectRef>
+      <a:fontRef idx="minor"/>
+    </dgm:style>
+  </dgm:styleLbl>
+  <dgm:styleLbl name="bgAcc1">
+    <dgm:scene3d>
+      <a:camera prst="orthographicFront"/>
+      <a:lightRig rig="threePt" dir="t"/>
+    </dgm:scene3d>
+    <dgm:sp3d/>
+    <dgm:txPr/>
+    <dgm:style>
+      <a:lnRef idx="2">
+        <a:scrgbClr r="0" g="0" b="0"/>
+      </a:lnRef>
+      <a:fillRef idx="1">
+        <a:scrgbClr r="0" g="0" b="0"/>
+      </a:fillRef>
+      <a:effectRef idx="0">
+        <a:scrgbClr r="0" g="0" b="0"/>
+      </a:effectRef>
+      <a:fontRef idx="minor"/>
+    </dgm:style>
+  </dgm:styleLbl>
+  <dgm:styleLbl name="solidFgAcc1">
+    <dgm:scene3d>
+      <a:camera prst="orthographicFront"/>
+      <a:lightRig rig="threePt" dir="t"/>
+    </dgm:scene3d>
+    <dgm:sp3d/>
+    <dgm:txPr/>
+    <dgm:style>
+      <a:lnRef idx="2">
+        <a:scrgbClr r="0" g="0" b="0"/>
+      </a:lnRef>
+      <a:fillRef idx="1">
+        <a:scrgbClr r="0" g="0" b="0"/>
+      </a:fillRef>
+      <a:effectRef idx="0">
+        <a:scrgbClr r="0" g="0" b="0"/>
+      </a:effectRef>
+      <a:fontRef idx="minor"/>
+    </dgm:style>
+  </dgm:styleLbl>
+  <dgm:styleLbl name="solidAlignAcc1">
+    <dgm:scene3d>
+      <a:camera prst="orthographicFront"/>
+      <a:lightRig rig="threePt" dir="t"/>
+    </dgm:scene3d>
+    <dgm:sp3d/>
+    <dgm:txPr/>
+    <dgm:style>
+      <a:lnRef idx="2">
+        <a:scrgbClr r="0" g="0" b="0"/>
+      </a:lnRef>
+      <a:fillRef idx="1">
+        <a:scrgbClr r="0" g="0" b="0"/>
+      </a:fillRef>
+      <a:effectRef idx="0">
+        <a:scrgbClr r="0" g="0" b="0"/>
+      </a:effectRef>
+      <a:fontRef idx="minor"/>
+    </dgm:style>
+  </dgm:styleLbl>
+  <dgm:styleLbl name="solidBgAcc1">
+    <dgm:scene3d>
+      <a:camera prst="orthographicFront"/>
+      <a:lightRig rig="threePt" dir="t"/>
+    </dgm:scene3d>
+    <dgm:sp3d/>
+    <dgm:txPr/>
+    <dgm:style>
+      <a:lnRef idx="2">
+        <a:scrgbClr r="0" g="0" b="0"/>
+      </a:lnRef>
+      <a:fillRef idx="1">
+        <a:scrgbClr r="0" g="0" b="0"/>
+      </a:fillRef>
+      <a:effectRef idx="0">
+        <a:scrgbClr r="0" g="0" b="0"/>
+      </a:effectRef>
+      <a:fontRef idx="minor"/>
+    </dgm:style>
+  </dgm:styleLbl>
+  <dgm:styleLbl name="fgAccFollowNode1">
+    <dgm:scene3d>
+      <a:camera prst="orthographicFront"/>
+      <a:lightRig rig="threePt" dir="t"/>
+    </dgm:scene3d>
+    <dgm:sp3d/>
+    <dgm:txPr/>
+    <dgm:style>
+      <a:lnRef idx="2">
+        <a:scrgbClr r="0" g="0" b="0"/>
+      </a:lnRef>
+      <a:fillRef idx="1">
+        <a:scrgbClr r="0" g="0" b="0"/>
+      </a:fillRef>
+      <a:effectRef idx="0">
+        <a:scrgbClr r="0" g="0" b="0"/>
+      </a:effectRef>
+      <a:fontRef idx="minor"/>
+    </dgm:style>
+  </dgm:styleLbl>
+  <dgm:styleLbl name="alignAccFollowNode1">
+    <dgm:scene3d>
+      <a:camera prst="orthographicFront"/>
+      <a:lightRig rig="threePt" dir="t"/>
+    </dgm:scene3d>
+    <dgm:sp3d/>
+    <dgm:txPr/>
+    <dgm:style>
+      <a:lnRef idx="2">
+        <a:scrgbClr r="0" g="0" b="0"/>
+      </a:lnRef>
+      <a:fillRef idx="1">
+        <a:scrgbClr r="0" g="0" b="0"/>
+      </a:fillRef>
+      <a:effectRef idx="0">
+        <a:scrgbClr r="0" g="0" b="0"/>
+      </a:effectRef>
+      <a:fontRef idx="minor"/>
+    </dgm:style>
+  </dgm:styleLbl>
+  <dgm:styleLbl name="bgAccFollowNode1">
+    <dgm:scene3d>
+      <a:camera prst="orthographicFront"/>
+      <a:lightRig rig="threePt" dir="t"/>
+    </dgm:scene3d>
+    <dgm:sp3d/>
+    <dgm:txPr/>
+    <dgm:style>
+      <a:lnRef idx="2">
+        <a:scrgbClr r="0" g="0" b="0"/>
+      </a:lnRef>
+      <a:fillRef idx="1">
+        <a:scrgbClr r="0" g="0" b="0"/>
+      </a:fillRef>
+      <a:effectRef idx="0">
+        <a:scrgbClr r="0" g="0" b="0"/>
+      </a:effectRef>
+      <a:fontRef idx="minor"/>
+    </dgm:style>
+  </dgm:styleLbl>
+  <dgm:styleLbl name="fgAcc0">
+    <dgm:scene3d>
+      <a:camera prst="orthographicFront"/>
+      <a:lightRig rig="threePt" dir="t"/>
+    </dgm:scene3d>
+    <dgm:sp3d/>
+    <dgm:txPr/>
+    <dgm:style>
+      <a:lnRef idx="2">
+        <a:scrgbClr r="0" g="0" b="0"/>
+      </a:lnRef>
+      <a:fillRef idx="1">
+        <a:scrgbClr r="0" g="0" b="0"/>
+      </a:fillRef>
+      <a:effectRef idx="0">
+        <a:scrgbClr r="0" g="0" b="0"/>
+      </a:effectRef>
+      <a:fontRef idx="minor"/>
+    </dgm:style>
+  </dgm:styleLbl>
+  <dgm:styleLbl name="fgAcc2">
+    <dgm:scene3d>
+      <a:camera prst="orthographicFront"/>
+      <a:lightRig rig="threePt" dir="t"/>
+    </dgm:scene3d>
+    <dgm:sp3d/>
+    <dgm:txPr/>
+    <dgm:style>
+      <a:lnRef idx="2">
+        <a:scrgbClr r="0" g="0" b="0"/>
+      </a:lnRef>
+      <a:fillRef idx="1">
+        <a:scrgbClr r="0" g="0" b="0"/>
+      </a:fillRef>
+      <a:effectRef idx="0">
+        <a:scrgbClr r="0" g="0" b="0"/>
+      </a:effectRef>
+      <a:fontRef idx="minor"/>
+    </dgm:style>
+  </dgm:styleLbl>
+  <dgm:styleLbl name="fgAcc3">
+    <dgm:scene3d>
+      <a:camera prst="orthographicFront"/>
+      <a:lightRig rig="threePt" dir="t"/>
+    </dgm:scene3d>
+    <dgm:sp3d/>
+    <dgm:txPr/>
+    <dgm:style>
+      <a:lnRef idx="2">
+        <a:scrgbClr r="0" g="0" b="0"/>
+      </a:lnRef>
+      <a:fillRef idx="1">
+        <a:scrgbClr r="0" g="0" b="0"/>
+      </a:fillRef>
+      <a:effectRef idx="0">
+        <a:scrgbClr r="0" g="0" b="0"/>
+      </a:effectRef>
+      <a:fontRef idx="minor"/>
+    </dgm:style>
+  </dgm:styleLbl>
+  <dgm:styleLbl name="fgAcc4">
+    <dgm:scene3d>
+      <a:camera prst="orthographicFront"/>
+      <a:lightRig rig="threePt" dir="t"/>
+    </dgm:scene3d>
+    <dgm:sp3d/>
+    <dgm:txPr/>
+    <dgm:style>
+      <a:lnRef idx="2">
+        <a:scrgbClr r="0" g="0" b="0"/>
+      </a:lnRef>
+      <a:fillRef idx="1">
+        <a:scrgbClr r="0" g="0" b="0"/>
+      </a:fillRef>
+      <a:effectRef idx="0">
+        <a:scrgbClr r="0" g="0" b="0"/>
+      </a:effectRef>
+      <a:fontRef idx="minor"/>
+    </dgm:style>
+  </dgm:styleLbl>
+  <dgm:styleLbl name="bgShp">
+    <dgm:scene3d>
+      <a:camera prst="orthographicFront"/>
+      <a:lightRig rig="threePt" dir="t"/>
+    </dgm:scene3d>
+    <dgm:sp3d/>
+    <dgm:txPr/>
+    <dgm:style>
+      <a:lnRef idx="0">
+        <a:scrgbClr r="0" g="0" b="0"/>
+      </a:lnRef>
+      <a:fillRef idx="1">
+        <a:scrgbClr r="0" g="0" b="0"/>
+      </a:fillRef>
+      <a:effectRef idx="0">
+        <a:scrgbClr r="0" g="0" b="0"/>
+      </a:effectRef>
+      <a:fontRef idx="minor"/>
+    </dgm:style>
+  </dgm:styleLbl>
+  <dgm:styleLbl name="dkBgShp">
+    <dgm:scene3d>
+      <a:camera prst="orthographicFront"/>
+      <a:lightRig rig="threePt" dir="t"/>
+    </dgm:scene3d>
+    <dgm:sp3d/>
+    <dgm:txPr/>
+    <dgm:style>
+      <a:lnRef idx="0">
+        <a:scrgbClr r="0" g="0" b="0"/>
+      </a:lnRef>
+      <a:fillRef idx="1">
+        <a:scrgbClr r="0" g="0" b="0"/>
+      </a:fillRef>
+      <a:effectRef idx="0">
+        <a:scrgbClr r="0" g="0" b="0"/>
+      </a:effectRef>
+      <a:fontRef idx="minor"/>
+    </dgm:style>
+  </dgm:styleLbl>
+  <dgm:styleLbl name="trBgShp">
+    <dgm:scene3d>
+      <a:camera prst="orthographicFront"/>
+      <a:lightRig rig="threePt" dir="t"/>
+    </dgm:scene3d>
+    <dgm:sp3d/>
+    <dgm:txPr/>
+    <dgm:style>
+      <a:lnRef idx="0">
+        <a:scrgbClr r="0" g="0" b="0"/>
+      </a:lnRef>
+      <a:fillRef idx="1">
+        <a:scrgbClr r="0" g="0" b="0"/>
+      </a:fillRef>
+      <a:effectRef idx="0">
+        <a:scrgbClr r="0" g="0" b="0"/>
+      </a:effectRef>
+      <a:fontRef idx="minor"/>
+    </dgm:style>
+  </dgm:styleLbl>
+  <dgm:styleLbl name="fgShp">
+    <dgm:scene3d>
+      <a:camera prst="orthographicFront"/>
+      <a:lightRig rig="threePt" dir="t"/>
+    </dgm:scene3d>
+    <dgm:sp3d/>
+    <dgm:txPr/>
+    <dgm:style>
+      <a:lnRef idx="2">
+        <a:scrgbClr r="0" g="0" b="0"/>
+      </a:lnRef>
+      <a:fillRef idx="1">
+        <a:scrgbClr r="0" g="0" b="0"/>
+      </a:fillRef>
+      <a:effectRef idx="0">
+        <a:scrgbClr r="0" g="0" b="0"/>
+      </a:effectRef>
+      <a:fontRef idx="minor"/>
+    </dgm:style>
+  </dgm:styleLbl>
+  <dgm:styleLbl name="revTx">
+    <dgm:scene3d>
+      <a:camera prst="orthographicFront"/>
+      <a:lightRig rig="threePt" dir="t"/>
+    </dgm:scene3d>
+    <dgm:sp3d/>
+    <dgm:txPr/>
+    <dgm:style>
+      <a:lnRef idx="0">
+        <a:scrgbClr r="0" g="0" b="0"/>
+      </a:lnRef>
+      <a:fillRef idx="0">
+        <a:scrgbClr r="0" g="0" b="0"/>
+      </a:fillRef>
+      <a:effectRef idx="0">
+        <a:scrgbClr r="0" g="0" b="0"/>
+      </a:effectRef>
+      <a:fontRef idx="minor"/>
+    </dgm:style>
+  </dgm:styleLbl>
+</dgm:styleDef>
 </file>
 
 <file path=ppt/slideLayouts/slideLayout1.xml><?xml version="1.0" encoding="utf-8"?>
@@ -310,7 +2845,7 @@
           <a:p>
             <a:fld id="{3ADB69FA-FAA3-4742-A9C2-B8D9476E2327}" type="datetimeFigureOut">
               <a:rPr lang="pt-BR" smtClean="0"/>
-              <a:t>08/12/2013</a:t>
+              <a:t>12/12/2013</a:t>
             </a:fld>
             <a:endParaRPr lang="pt-BR"/>
           </a:p>
@@ -480,7 +3015,7 @@
           <a:p>
             <a:fld id="{3ADB69FA-FAA3-4742-A9C2-B8D9476E2327}" type="datetimeFigureOut">
               <a:rPr lang="pt-BR" smtClean="0"/>
-              <a:t>08/12/2013</a:t>
+              <a:t>12/12/2013</a:t>
             </a:fld>
             <a:endParaRPr lang="pt-BR"/>
           </a:p>
@@ -660,7 +3195,7 @@
           <a:p>
             <a:fld id="{3ADB69FA-FAA3-4742-A9C2-B8D9476E2327}" type="datetimeFigureOut">
               <a:rPr lang="pt-BR" smtClean="0"/>
-              <a:t>08/12/2013</a:t>
+              <a:t>12/12/2013</a:t>
             </a:fld>
             <a:endParaRPr lang="pt-BR"/>
           </a:p>
@@ -830,7 +3365,7 @@
           <a:p>
             <a:fld id="{3ADB69FA-FAA3-4742-A9C2-B8D9476E2327}" type="datetimeFigureOut">
               <a:rPr lang="pt-BR" smtClean="0"/>
-              <a:t>08/12/2013</a:t>
+              <a:t>12/12/2013</a:t>
             </a:fld>
             <a:endParaRPr lang="pt-BR"/>
           </a:p>
@@ -1076,7 +3611,7 @@
           <a:p>
             <a:fld id="{3ADB69FA-FAA3-4742-A9C2-B8D9476E2327}" type="datetimeFigureOut">
               <a:rPr lang="pt-BR" smtClean="0"/>
-              <a:t>08/12/2013</a:t>
+              <a:t>12/12/2013</a:t>
             </a:fld>
             <a:endParaRPr lang="pt-BR"/>
           </a:p>
@@ -1364,7 +3899,7 @@
           <a:p>
             <a:fld id="{3ADB69FA-FAA3-4742-A9C2-B8D9476E2327}" type="datetimeFigureOut">
               <a:rPr lang="pt-BR" smtClean="0"/>
-              <a:t>08/12/2013</a:t>
+              <a:t>12/12/2013</a:t>
             </a:fld>
             <a:endParaRPr lang="pt-BR"/>
           </a:p>
@@ -1786,7 +4321,7 @@
           <a:p>
             <a:fld id="{3ADB69FA-FAA3-4742-A9C2-B8D9476E2327}" type="datetimeFigureOut">
               <a:rPr lang="pt-BR" smtClean="0"/>
-              <a:t>08/12/2013</a:t>
+              <a:t>12/12/2013</a:t>
             </a:fld>
             <a:endParaRPr lang="pt-BR"/>
           </a:p>
@@ -1904,7 +4439,7 @@
           <a:p>
             <a:fld id="{3ADB69FA-FAA3-4742-A9C2-B8D9476E2327}" type="datetimeFigureOut">
               <a:rPr lang="pt-BR" smtClean="0"/>
-              <a:t>08/12/2013</a:t>
+              <a:t>12/12/2013</a:t>
             </a:fld>
             <a:endParaRPr lang="pt-BR"/>
           </a:p>
@@ -1999,7 +4534,7 @@
           <a:p>
             <a:fld id="{3ADB69FA-FAA3-4742-A9C2-B8D9476E2327}" type="datetimeFigureOut">
               <a:rPr lang="pt-BR" smtClean="0"/>
-              <a:t>08/12/2013</a:t>
+              <a:t>12/12/2013</a:t>
             </a:fld>
             <a:endParaRPr lang="pt-BR"/>
           </a:p>
@@ -2276,7 +4811,7 @@
           <a:p>
             <a:fld id="{3ADB69FA-FAA3-4742-A9C2-B8D9476E2327}" type="datetimeFigureOut">
               <a:rPr lang="pt-BR" smtClean="0"/>
-              <a:t>08/12/2013</a:t>
+              <a:t>12/12/2013</a:t>
             </a:fld>
             <a:endParaRPr lang="pt-BR"/>
           </a:p>
@@ -2533,7 +5068,7 @@
           <a:p>
             <a:fld id="{3ADB69FA-FAA3-4742-A9C2-B8D9476E2327}" type="datetimeFigureOut">
               <a:rPr lang="pt-BR" smtClean="0"/>
-              <a:t>08/12/2013</a:t>
+              <a:t>12/12/2013</a:t>
             </a:fld>
             <a:endParaRPr lang="pt-BR"/>
           </a:p>
@@ -2598,9 +5133,29 @@
 <p:sldMaster xmlns:a="http://schemas.openxmlformats.org/drawingml/2006/main" xmlns:r="http://schemas.openxmlformats.org/officeDocument/2006/relationships" xmlns:p="http://schemas.openxmlformats.org/presentationml/2006/main">
   <p:cSld>
     <p:bg>
-      <p:bgRef idx="1001">
-        <a:schemeClr val="bg1"/>
-      </p:bgRef>
+      <p:bgPr>
+        <a:blipFill dpi="0" rotWithShape="1">
+          <a:blip r:embed="rId13">
+            <a:lum/>
+            <a:extLst>
+              <a:ext uri="{BEBA8EAE-BF5A-486C-A8C5-ECC9F3942E4B}">
+                <a14:imgProps xmlns:a14="http://schemas.microsoft.com/office/drawing/2010/main">
+                  <a14:imgLayer r:embed="rId14">
+                    <a14:imgEffect>
+                      <a14:artisticGlowEdges trans="75000"/>
+                    </a14:imgEffect>
+                  </a14:imgLayer>
+                </a14:imgProps>
+              </a:ext>
+            </a:extLst>
+          </a:blip>
+          <a:srcRect/>
+          <a:stretch>
+            <a:fillRect l="-11000" r="-11000"/>
+          </a:stretch>
+        </a:blipFill>
+        <a:effectLst/>
+      </p:bgPr>
     </p:bg>
     <p:spTree>
       <p:nvGrpSpPr>
@@ -2746,7 +5301,7 @@
           <a:p>
             <a:fld id="{3ADB69FA-FAA3-4742-A9C2-B8D9476E2327}" type="datetimeFigureOut">
               <a:rPr lang="pt-BR" smtClean="0"/>
-              <a:t>08/12/2013</a:t>
+              <a:t>12/12/2013</a:t>
             </a:fld>
             <a:endParaRPr lang="pt-BR"/>
           </a:p>
@@ -3145,10 +5700,18 @@
           <a:p>
             <a:pPr algn="r"/>
             <a:r>
-              <a:rPr lang="pt-BR" b="1" cap="all" dirty="0"/>
+              <a:rPr lang="pt-BR" b="1" cap="all" dirty="0">
+                <a:solidFill>
+                  <a:schemeClr val="bg1"/>
+                </a:solidFill>
+              </a:rPr>
               <a:t>Aplicativo para coleta de informações automática - dados de telemetria em karts utilizando Arduino</a:t>
             </a:r>
-            <a:endParaRPr lang="pt-BR" dirty="0"/>
+            <a:endParaRPr lang="pt-BR" dirty="0">
+              <a:solidFill>
+                <a:schemeClr val="bg1"/>
+              </a:solidFill>
+            </a:endParaRPr>
           </a:p>
         </p:txBody>
       </p:sp>
@@ -3168,28 +5731,52 @@
           <a:lstStyle/>
           <a:p>
             <a:r>
-              <a:rPr lang="pt-BR" dirty="0"/>
+              <a:rPr lang="pt-BR" dirty="0">
+                <a:solidFill>
+                  <a:schemeClr val="bg1"/>
+                </a:solidFill>
+              </a:rPr>
               <a:t>Anderson </a:t>
             </a:r>
             <a:r>
-              <a:rPr lang="pt-BR" dirty="0" err="1"/>
-              <a:t>Antonio</a:t>
-            </a:r>
-            <a:r>
-              <a:rPr lang="pt-BR" dirty="0"/>
-              <a:t> Lopes Rodrigues</a:t>
-            </a:r>
-          </a:p>
-          <a:p>
-            <a:r>
-              <a:rPr lang="pt-BR" dirty="0"/>
+              <a:rPr lang="pt-BR" dirty="0" smtClean="0">
+                <a:solidFill>
+                  <a:schemeClr val="bg1"/>
+                </a:solidFill>
+              </a:rPr>
+              <a:t>Antônio </a:t>
+            </a:r>
+            <a:r>
+              <a:rPr lang="pt-BR" dirty="0">
+                <a:solidFill>
+                  <a:schemeClr val="bg1"/>
+                </a:solidFill>
+              </a:rPr>
+              <a:t>Lopes Rodrigues</a:t>
+            </a:r>
+          </a:p>
+          <a:p>
+            <a:r>
+              <a:rPr lang="pt-BR" dirty="0">
+                <a:solidFill>
+                  <a:schemeClr val="bg1"/>
+                </a:solidFill>
+              </a:rPr>
               <a:t>Soraya Rita </a:t>
             </a:r>
             <a:r>
-              <a:rPr lang="pt-BR" dirty="0" err="1" smtClean="0"/>
+              <a:rPr lang="pt-BR" dirty="0" err="1" smtClean="0">
+                <a:solidFill>
+                  <a:schemeClr val="bg1"/>
+                </a:solidFill>
+              </a:rPr>
               <a:t>Mont’Alegre</a:t>
             </a:r>
-            <a:endParaRPr lang="pt-BR" dirty="0"/>
+            <a:endParaRPr lang="pt-BR" dirty="0">
+              <a:solidFill>
+                <a:schemeClr val="bg1"/>
+              </a:solidFill>
+            </a:endParaRPr>
           </a:p>
         </p:txBody>
       </p:sp>
@@ -3246,10 +5833,18 @@
           <a:lstStyle/>
           <a:p>
             <a:r>
-              <a:rPr lang="pt-BR" dirty="0" smtClean="0"/>
+              <a:rPr lang="pt-BR" dirty="0" smtClean="0">
+                <a:solidFill>
+                  <a:schemeClr val="bg1"/>
+                </a:solidFill>
+              </a:rPr>
               <a:t>Arduino</a:t>
             </a:r>
-            <a:endParaRPr lang="pt-BR" dirty="0"/>
+            <a:endParaRPr lang="pt-BR" dirty="0">
+              <a:solidFill>
+                <a:schemeClr val="bg1"/>
+              </a:solidFill>
+            </a:endParaRPr>
           </a:p>
         </p:txBody>
       </p:sp>
@@ -3274,56 +5869,96 @@
           <a:lstStyle/>
           <a:p>
             <a:r>
-              <a:rPr lang="pt-BR" dirty="0" smtClean="0"/>
+              <a:rPr lang="pt-BR" dirty="0" smtClean="0">
+                <a:solidFill>
+                  <a:schemeClr val="bg1"/>
+                </a:solidFill>
+              </a:rPr>
               <a:t>Aparelho de prototipagem eletrônica;</a:t>
             </a:r>
           </a:p>
           <a:p>
             <a:r>
-              <a:rPr lang="pt-BR" dirty="0" smtClean="0"/>
+              <a:rPr lang="pt-BR" dirty="0" smtClean="0">
+                <a:solidFill>
+                  <a:schemeClr val="bg1"/>
+                </a:solidFill>
+              </a:rPr>
               <a:t>Surgiu em 2003;</a:t>
             </a:r>
           </a:p>
           <a:p>
             <a:r>
-              <a:rPr lang="pt-BR" dirty="0"/>
+              <a:rPr lang="pt-BR" dirty="0">
+                <a:solidFill>
+                  <a:schemeClr val="bg1"/>
+                </a:solidFill>
+              </a:rPr>
               <a:t>Open </a:t>
             </a:r>
             <a:r>
-              <a:rPr lang="pt-BR" dirty="0" smtClean="0"/>
+              <a:rPr lang="pt-BR" dirty="0" smtClean="0">
+                <a:solidFill>
+                  <a:schemeClr val="bg1"/>
+                </a:solidFill>
+              </a:rPr>
               <a:t>Source;</a:t>
             </a:r>
           </a:p>
           <a:p>
             <a:r>
-              <a:rPr lang="pt-BR" dirty="0" smtClean="0"/>
+              <a:rPr lang="pt-BR" dirty="0" smtClean="0">
+                <a:solidFill>
+                  <a:schemeClr val="bg1"/>
+                </a:solidFill>
+              </a:rPr>
               <a:t>Comunidade ativa e cooperativa;</a:t>
             </a:r>
           </a:p>
           <a:p>
             <a:r>
-              <a:rPr lang="pt-BR" dirty="0" smtClean="0"/>
+              <a:rPr lang="pt-BR" dirty="0" smtClean="0">
+                <a:solidFill>
+                  <a:schemeClr val="bg1"/>
+                </a:solidFill>
+              </a:rPr>
               <a:t>Fácil Programação:</a:t>
             </a:r>
           </a:p>
           <a:p>
             <a:pPr lvl="1"/>
             <a:r>
-              <a:rPr lang="pt-BR" dirty="0" smtClean="0"/>
+              <a:rPr lang="pt-BR" dirty="0" smtClean="0">
+                <a:solidFill>
+                  <a:schemeClr val="bg1"/>
+                </a:solidFill>
+              </a:rPr>
               <a:t>C++;</a:t>
             </a:r>
           </a:p>
           <a:p>
             <a:pPr lvl="1"/>
             <a:r>
-              <a:rPr lang="pt-BR" dirty="0" err="1" smtClean="0"/>
+              <a:rPr lang="pt-BR" dirty="0" err="1" smtClean="0">
+                <a:solidFill>
+                  <a:schemeClr val="bg1"/>
+                </a:solidFill>
+              </a:rPr>
               <a:t>Processing</a:t>
             </a:r>
             <a:r>
-              <a:rPr lang="pt-BR" dirty="0" smtClean="0"/>
+              <a:rPr lang="pt-BR" dirty="0" smtClean="0">
+                <a:solidFill>
+                  <a:schemeClr val="bg1"/>
+                </a:solidFill>
+              </a:rPr>
               <a:t>.</a:t>
             </a:r>
-            <a:endParaRPr lang="pt-BR" dirty="0"/>
+            <a:endParaRPr lang="pt-BR" dirty="0">
+              <a:solidFill>
+                <a:schemeClr val="bg1"/>
+              </a:solidFill>
+            </a:endParaRPr>
           </a:p>
         </p:txBody>
       </p:sp>
@@ -3410,10 +6045,18 @@
           <a:lstStyle/>
           <a:p>
             <a:r>
-              <a:rPr lang="pt-BR" dirty="0" smtClean="0"/>
+              <a:rPr lang="pt-BR" dirty="0" smtClean="0">
+                <a:solidFill>
+                  <a:schemeClr val="bg1"/>
+                </a:solidFill>
+              </a:rPr>
               <a:t>Programando em Arduino</a:t>
             </a:r>
-            <a:endParaRPr lang="pt-BR" dirty="0"/>
+            <a:endParaRPr lang="pt-BR" dirty="0">
+              <a:solidFill>
+                <a:schemeClr val="bg1"/>
+              </a:solidFill>
+            </a:endParaRPr>
           </a:p>
         </p:txBody>
       </p:sp>
@@ -3433,18 +6076,30 @@
           <a:lstStyle/>
           <a:p>
             <a:r>
-              <a:rPr lang="pt-BR" dirty="0" smtClean="0"/>
+              <a:rPr lang="pt-BR" dirty="0" smtClean="0">
+                <a:solidFill>
+                  <a:schemeClr val="bg1"/>
+                </a:solidFill>
+              </a:rPr>
               <a:t>Método setup();</a:t>
             </a:r>
           </a:p>
           <a:p>
             <a:r>
-              <a:rPr lang="pt-BR" dirty="0" smtClean="0"/>
+              <a:rPr lang="pt-BR" dirty="0" smtClean="0">
+                <a:solidFill>
+                  <a:schemeClr val="bg1"/>
+                </a:solidFill>
+              </a:rPr>
               <a:t>Método loop().</a:t>
             </a:r>
           </a:p>
           <a:p>
-            <a:endParaRPr lang="pt-BR" dirty="0"/>
+            <a:endParaRPr lang="pt-BR" dirty="0">
+              <a:solidFill>
+                <a:schemeClr val="bg1"/>
+              </a:solidFill>
+            </a:endParaRPr>
           </a:p>
         </p:txBody>
       </p:sp>
@@ -3523,10 +6178,18 @@
           <a:lstStyle/>
           <a:p>
             <a:r>
-              <a:rPr lang="pt-BR" dirty="0" smtClean="0"/>
+              <a:rPr lang="pt-BR" dirty="0" smtClean="0">
+                <a:solidFill>
+                  <a:schemeClr val="bg1"/>
+                </a:solidFill>
+              </a:rPr>
               <a:t>Arduino - Shields</a:t>
             </a:r>
-            <a:endParaRPr lang="pt-BR" dirty="0"/>
+            <a:endParaRPr lang="pt-BR" dirty="0">
+              <a:solidFill>
+                <a:schemeClr val="bg1"/>
+              </a:solidFill>
+            </a:endParaRPr>
           </a:p>
         </p:txBody>
       </p:sp>
@@ -3546,52 +6209,84 @@
           <a:lstStyle/>
           <a:p>
             <a:r>
-              <a:rPr lang="pt-BR" dirty="0" smtClean="0"/>
+              <a:rPr lang="pt-BR" dirty="0" smtClean="0">
+                <a:solidFill>
+                  <a:schemeClr val="bg1"/>
+                </a:solidFill>
+              </a:rPr>
               <a:t>Extensão de fácil encaixe:</a:t>
             </a:r>
           </a:p>
           <a:p>
             <a:pPr lvl="1"/>
             <a:r>
-              <a:rPr lang="pt-BR" dirty="0" smtClean="0"/>
+              <a:rPr lang="pt-BR" dirty="0" smtClean="0">
+                <a:solidFill>
+                  <a:schemeClr val="bg1"/>
+                </a:solidFill>
+              </a:rPr>
               <a:t>GSM/GPRS;</a:t>
             </a:r>
           </a:p>
           <a:p>
             <a:pPr lvl="1"/>
             <a:r>
-              <a:rPr lang="pt-BR" dirty="0" smtClean="0"/>
+              <a:rPr lang="pt-BR" dirty="0" smtClean="0">
+                <a:solidFill>
+                  <a:schemeClr val="bg1"/>
+                </a:solidFill>
+              </a:rPr>
               <a:t>GPS;</a:t>
             </a:r>
           </a:p>
           <a:p>
             <a:pPr lvl="1"/>
             <a:r>
-              <a:rPr lang="pt-BR" dirty="0" smtClean="0"/>
+              <a:rPr lang="pt-BR" dirty="0" smtClean="0">
+                <a:solidFill>
+                  <a:schemeClr val="bg1"/>
+                </a:solidFill>
+              </a:rPr>
               <a:t>Bluetooth;</a:t>
             </a:r>
           </a:p>
           <a:p>
             <a:pPr lvl="1"/>
             <a:r>
-              <a:rPr lang="pt-BR" dirty="0" smtClean="0"/>
+              <a:rPr lang="pt-BR" dirty="0" smtClean="0">
+                <a:solidFill>
+                  <a:schemeClr val="bg1"/>
+                </a:solidFill>
+              </a:rPr>
               <a:t>Câmera VGA;</a:t>
             </a:r>
           </a:p>
           <a:p>
             <a:pPr lvl="1"/>
             <a:r>
-              <a:rPr lang="pt-BR" dirty="0" smtClean="0"/>
+              <a:rPr lang="pt-BR" dirty="0" smtClean="0">
+                <a:solidFill>
+                  <a:schemeClr val="bg1"/>
+                </a:solidFill>
+              </a:rPr>
               <a:t>Display LCD;</a:t>
             </a:r>
           </a:p>
           <a:p>
             <a:pPr lvl="1"/>
             <a:r>
-              <a:rPr lang="pt-BR" dirty="0" smtClean="0"/>
+              <a:rPr lang="pt-BR" dirty="0" smtClean="0">
+                <a:solidFill>
+                  <a:schemeClr val="bg1"/>
+                </a:solidFill>
+              </a:rPr>
               <a:t>Cartão Micro SD.</a:t>
             </a:r>
-            <a:endParaRPr lang="pt-BR" dirty="0"/>
+            <a:endParaRPr lang="pt-BR" dirty="0">
+              <a:solidFill>
+                <a:schemeClr val="bg1"/>
+              </a:solidFill>
+            </a:endParaRPr>
           </a:p>
         </p:txBody>
       </p:sp>
@@ -3678,10 +6373,18 @@
           <a:lstStyle/>
           <a:p>
             <a:r>
-              <a:rPr lang="pt-BR" dirty="0" smtClean="0"/>
+              <a:rPr lang="pt-BR" dirty="0" smtClean="0">
+                <a:solidFill>
+                  <a:schemeClr val="bg1"/>
+                </a:solidFill>
+              </a:rPr>
               <a:t>Arduino - Shields</a:t>
             </a:r>
-            <a:endParaRPr lang="pt-BR" dirty="0"/>
+            <a:endParaRPr lang="pt-BR" dirty="0">
+              <a:solidFill>
+                <a:schemeClr val="bg1"/>
+              </a:solidFill>
+            </a:endParaRPr>
           </a:p>
         </p:txBody>
       </p:sp>
@@ -3767,10 +6470,18 @@
           <a:lstStyle/>
           <a:p>
             <a:r>
-              <a:rPr lang="pt-BR" dirty="0" smtClean="0"/>
+              <a:rPr lang="pt-BR" dirty="0" smtClean="0">
+                <a:solidFill>
+                  <a:schemeClr val="bg1"/>
+                </a:solidFill>
+              </a:rPr>
               <a:t>O Projeto</a:t>
             </a:r>
-            <a:endParaRPr lang="pt-BR" dirty="0"/>
+            <a:endParaRPr lang="pt-BR" dirty="0">
+              <a:solidFill>
+                <a:schemeClr val="bg1"/>
+              </a:solidFill>
+            </a:endParaRPr>
           </a:p>
         </p:txBody>
       </p:sp>
@@ -3963,44 +6674,76 @@
           </a:lstStyle>
           <a:p>
             <a:r>
-              <a:rPr lang="pt-BR" dirty="0" smtClean="0"/>
+              <a:rPr lang="pt-BR" dirty="0" smtClean="0">
+                <a:solidFill>
+                  <a:schemeClr val="bg1"/>
+                </a:solidFill>
+              </a:rPr>
               <a:t>Capturar informações do GPS </a:t>
             </a:r>
             <a:r>
-              <a:rPr lang="pt-BR" i="1" dirty="0" err="1" smtClean="0"/>
+              <a:rPr lang="pt-BR" i="1" dirty="0" err="1" smtClean="0">
+                <a:solidFill>
+                  <a:schemeClr val="bg1"/>
+                </a:solidFill>
+              </a:rPr>
               <a:t>Shield</a:t>
             </a:r>
             <a:r>
-              <a:rPr lang="pt-BR" i="1" dirty="0" smtClean="0"/>
+              <a:rPr lang="pt-BR" i="1" dirty="0" smtClean="0">
+                <a:solidFill>
+                  <a:schemeClr val="bg1"/>
+                </a:solidFill>
+              </a:rPr>
               <a:t>;</a:t>
             </a:r>
           </a:p>
           <a:p>
             <a:r>
-              <a:rPr lang="pt-BR" dirty="0" smtClean="0"/>
+              <a:rPr lang="pt-BR" dirty="0" smtClean="0">
+                <a:solidFill>
+                  <a:schemeClr val="bg1"/>
+                </a:solidFill>
+              </a:rPr>
               <a:t>Registrar dados em arquivo texto;</a:t>
             </a:r>
           </a:p>
           <a:p>
             <a:r>
-              <a:rPr lang="pt-BR" dirty="0" smtClean="0"/>
+              <a:rPr lang="pt-BR" dirty="0" smtClean="0">
+                <a:solidFill>
+                  <a:schemeClr val="bg1"/>
+                </a:solidFill>
+              </a:rPr>
               <a:t>Transmitir dados via sinal de rádio;</a:t>
             </a:r>
           </a:p>
           <a:p>
             <a:r>
-              <a:rPr lang="pt-BR" dirty="0" smtClean="0"/>
+              <a:rPr lang="pt-BR" dirty="0" smtClean="0">
+                <a:solidFill>
+                  <a:schemeClr val="bg1"/>
+                </a:solidFill>
+              </a:rPr>
               <a:t>Recepcionar dados;</a:t>
             </a:r>
           </a:p>
           <a:p>
             <a:r>
-              <a:rPr lang="pt-BR" dirty="0" smtClean="0"/>
+              <a:rPr lang="pt-BR" dirty="0" smtClean="0">
+                <a:solidFill>
+                  <a:schemeClr val="bg1"/>
+                </a:solidFill>
+              </a:rPr>
               <a:t>Gravar.</a:t>
             </a:r>
           </a:p>
           <a:p>
-            <a:endParaRPr lang="pt-BR" dirty="0"/>
+            <a:endParaRPr lang="pt-BR" dirty="0">
+              <a:solidFill>
+                <a:schemeClr val="bg1"/>
+              </a:solidFill>
+            </a:endParaRPr>
           </a:p>
         </p:txBody>
       </p:sp>
@@ -4057,10 +6800,18 @@
           <a:lstStyle/>
           <a:p>
             <a:r>
-              <a:rPr lang="pt-BR" dirty="0" smtClean="0"/>
+              <a:rPr lang="pt-BR" dirty="0" smtClean="0">
+                <a:solidFill>
+                  <a:schemeClr val="bg1"/>
+                </a:solidFill>
+              </a:rPr>
               <a:t>Hardware</a:t>
             </a:r>
-            <a:endParaRPr lang="pt-BR" dirty="0"/>
+            <a:endParaRPr lang="pt-BR" dirty="0">
+              <a:solidFill>
+                <a:schemeClr val="bg1"/>
+              </a:solidFill>
+            </a:endParaRPr>
           </a:p>
         </p:txBody>
       </p:sp>
@@ -4128,6 +6879,16 @@
           <a:prstGeom prst="rightArrow">
             <a:avLst/>
           </a:prstGeom>
+          <a:solidFill>
+            <a:schemeClr val="bg1">
+              <a:lumMod val="95000"/>
+            </a:schemeClr>
+          </a:solidFill>
+          <a:ln>
+            <a:solidFill>
+              <a:srgbClr val="FFFF00"/>
+            </a:solidFill>
+          </a:ln>
         </p:spPr>
         <p:style>
           <a:lnRef idx="2">
@@ -4150,7 +6911,11 @@
           <a:lstStyle/>
           <a:p>
             <a:pPr algn="ctr"/>
-            <a:endParaRPr lang="pt-BR"/>
+            <a:endParaRPr lang="pt-BR">
+              <a:solidFill>
+                <a:schemeClr val="bg1"/>
+              </a:solidFill>
+            </a:endParaRPr>
           </a:p>
         </p:txBody>
       </p:sp>
@@ -4207,39 +6972,46 @@
           <a:lstStyle/>
           <a:p>
             <a:r>
-              <a:rPr lang="pt-BR" dirty="0" smtClean="0"/>
+              <a:rPr lang="pt-BR" dirty="0" smtClean="0">
+                <a:solidFill>
+                  <a:schemeClr val="bg1"/>
+                </a:solidFill>
+              </a:rPr>
               <a:t>Software</a:t>
             </a:r>
-            <a:endParaRPr lang="pt-BR" dirty="0"/>
-          </a:p>
-        </p:txBody>
-      </p:sp>
-      <p:pic>
-        <p:nvPicPr>
-          <p:cNvPr id="4" name="Espaço Reservado para Conteúdo 3"/>
-          <p:cNvPicPr>
-            <a:picLocks noGrp="1" noChangeAspect="1"/>
-          </p:cNvPicPr>
+            <a:endParaRPr lang="pt-BR" dirty="0">
+              <a:solidFill>
+                <a:schemeClr val="bg1"/>
+              </a:solidFill>
+            </a:endParaRPr>
+          </a:p>
+        </p:txBody>
+      </p:sp>
+      <p:graphicFrame>
+        <p:nvGraphicFramePr>
+          <p:cNvPr id="6" name="Espaço Reservado para Conteúdo 5"/>
+          <p:cNvGraphicFramePr>
+            <a:graphicFrameLocks noGrp="1"/>
+          </p:cNvGraphicFramePr>
           <p:nvPr>
             <p:ph idx="1"/>
-          </p:nvPr>
-        </p:nvPicPr>
-        <p:blipFill>
-          <a:blip r:embed="rId2"/>
-          <a:stretch>
-            <a:fillRect/>
-          </a:stretch>
-        </p:blipFill>
-        <p:spPr>
-          <a:xfrm>
-            <a:off x="3722241" y="1417638"/>
-            <a:ext cx="4747517" cy="5097815"/>
-          </a:xfrm>
-          <a:prstGeom prst="rect">
-            <a:avLst/>
-          </a:prstGeom>
-        </p:spPr>
-      </p:pic>
+            <p:extLst>
+              <p:ext uri="{D42A27DB-BD31-4B8C-83A1-F6EECF244321}">
+                <p14:modId xmlns:p14="http://schemas.microsoft.com/office/powerpoint/2010/main" val="1487635130"/>
+              </p:ext>
+            </p:extLst>
+          </p:nvPr>
+        </p:nvGraphicFramePr>
+        <p:xfrm>
+          <a:off x="609600" y="1600201"/>
+          <a:ext cx="10972800" cy="4525963"/>
+        </p:xfrm>
+        <a:graphic>
+          <a:graphicData uri="http://schemas.openxmlformats.org/drawingml/2006/diagram">
+            <dgm:relIds xmlns:dgm="http://schemas.openxmlformats.org/drawingml/2006/diagram" xmlns:r="http://schemas.openxmlformats.org/officeDocument/2006/relationships" r:dm="rId2" r:lo="rId3" r:qs="rId4" r:cs="rId5"/>
+          </a:graphicData>
+        </a:graphic>
+      </p:graphicFrame>
     </p:spTree>
     <p:extLst>
       <p:ext uri="{BB962C8B-B14F-4D97-AF65-F5344CB8AC3E}">
@@ -4293,16 +7065,24 @@
           <a:lstStyle/>
           <a:p>
             <a:r>
-              <a:rPr lang="pt-BR" dirty="0" smtClean="0"/>
+              <a:rPr lang="pt-BR" dirty="0" smtClean="0">
+                <a:solidFill>
+                  <a:schemeClr val="bg1"/>
+                </a:solidFill>
+              </a:rPr>
               <a:t>Software – Casos de Uso</a:t>
             </a:r>
-            <a:endParaRPr lang="pt-BR" dirty="0"/>
+            <a:endParaRPr lang="pt-BR" dirty="0">
+              <a:solidFill>
+                <a:schemeClr val="bg1"/>
+              </a:solidFill>
+            </a:endParaRPr>
           </a:p>
         </p:txBody>
       </p:sp>
       <p:pic>
         <p:nvPicPr>
-          <p:cNvPr id="4" name="Espaço Reservado para Conteúdo 3"/>
+          <p:cNvPr id="5" name="Espaço Reservado para Conteúdo 4"/>
           <p:cNvPicPr>
             <a:picLocks noGrp="1" noChangeAspect="1"/>
           </p:cNvPicPr>
@@ -4311,30 +7091,19 @@
           </p:nvPr>
         </p:nvPicPr>
         <p:blipFill>
-          <a:blip r:embed="rId2">
-            <a:extLst>
-              <a:ext uri="{28A0092B-C50C-407E-A947-70E740481C1C}">
-                <a14:useLocalDpi xmlns:a14="http://schemas.microsoft.com/office/drawing/2010/main" val="0"/>
-              </a:ext>
-            </a:extLst>
-          </a:blip>
-          <a:srcRect/>
+          <a:blip r:embed="rId2"/>
           <a:stretch>
             <a:fillRect/>
           </a:stretch>
         </p:blipFill>
-        <p:spPr bwMode="auto">
+        <p:spPr>
           <a:xfrm>
-            <a:off x="1103295" y="1262894"/>
-            <a:ext cx="9985409" cy="5292000"/>
+            <a:off x="1111348" y="1417638"/>
+            <a:ext cx="9969304" cy="5279546"/>
           </a:xfrm>
           <a:prstGeom prst="rect">
             <a:avLst/>
           </a:prstGeom>
-          <a:noFill/>
-          <a:ln>
-            <a:noFill/>
-          </a:ln>
         </p:spPr>
       </p:pic>
     </p:spTree>
@@ -4390,52 +7159,53 @@
           <a:lstStyle/>
           <a:p>
             <a:r>
-              <a:rPr lang="pt-BR" dirty="0"/>
+              <a:rPr lang="pt-BR" dirty="0">
+                <a:solidFill>
+                  <a:schemeClr val="bg1"/>
+                </a:solidFill>
+              </a:rPr>
               <a:t>Software – </a:t>
             </a:r>
             <a:r>
-              <a:rPr lang="pt-BR" dirty="0" smtClean="0"/>
+              <a:rPr lang="pt-BR" dirty="0" smtClean="0">
+                <a:solidFill>
+                  <a:schemeClr val="bg1"/>
+                </a:solidFill>
+              </a:rPr>
               <a:t>Entidades</a:t>
             </a:r>
-            <a:endParaRPr lang="pt-BR" dirty="0"/>
+            <a:endParaRPr lang="pt-BR" dirty="0">
+              <a:solidFill>
+                <a:schemeClr val="bg1"/>
+              </a:solidFill>
+            </a:endParaRPr>
           </a:p>
         </p:txBody>
       </p:sp>
       <p:pic>
         <p:nvPicPr>
-          <p:cNvPr id="5" name="Espaço Reservado para Conteúdo 4"/>
+          <p:cNvPr id="6" name="Espaço Reservado para Conteúdo 5"/>
           <p:cNvPicPr>
-            <a:picLocks noGrp="1"/>
+            <a:picLocks noGrp="1" noChangeAspect="1"/>
           </p:cNvPicPr>
           <p:nvPr>
             <p:ph idx="1"/>
           </p:nvPr>
         </p:nvPicPr>
         <p:blipFill>
-          <a:blip r:embed="rId2">
-            <a:extLst>
-              <a:ext uri="{28A0092B-C50C-407E-A947-70E740481C1C}">
-                <a14:useLocalDpi xmlns:a14="http://schemas.microsoft.com/office/drawing/2010/main" val="0"/>
-              </a:ext>
-            </a:extLst>
-          </a:blip>
-          <a:srcRect/>
+          <a:blip r:embed="rId2"/>
           <a:stretch>
             <a:fillRect/>
           </a:stretch>
         </p:blipFill>
-        <p:spPr bwMode="auto">
+        <p:spPr>
           <a:xfrm>
-            <a:off x="1558846" y="1572065"/>
-            <a:ext cx="9074308" cy="4870938"/>
+            <a:off x="1453488" y="1417638"/>
+            <a:ext cx="9285023" cy="4983873"/>
           </a:xfrm>
           <a:prstGeom prst="rect">
             <a:avLst/>
           </a:prstGeom>
-          <a:noFill/>
-          <a:ln>
-            <a:noFill/>
-          </a:ln>
         </p:spPr>
       </p:pic>
     </p:spTree>
@@ -4491,10 +7261,18 @@
           <a:lstStyle/>
           <a:p>
             <a:r>
-              <a:rPr lang="pt-BR" dirty="0" smtClean="0"/>
+              <a:rPr lang="pt-BR" dirty="0" smtClean="0">
+                <a:solidFill>
+                  <a:schemeClr val="bg1"/>
+                </a:solidFill>
+              </a:rPr>
               <a:t>Software – Análise </a:t>
             </a:r>
-            <a:endParaRPr lang="pt-BR" dirty="0"/>
+            <a:endParaRPr lang="pt-BR" dirty="0">
+              <a:solidFill>
+                <a:schemeClr val="bg1"/>
+              </a:solidFill>
+            </a:endParaRPr>
           </a:p>
         </p:txBody>
       </p:sp>
@@ -4577,10 +7355,18 @@
           <a:lstStyle/>
           <a:p>
             <a:r>
-              <a:rPr lang="pt-BR" dirty="0" smtClean="0"/>
+              <a:rPr lang="pt-BR" dirty="0" smtClean="0">
+                <a:solidFill>
+                  <a:schemeClr val="bg1"/>
+                </a:solidFill>
+              </a:rPr>
               <a:t>Objetivo</a:t>
             </a:r>
-            <a:endParaRPr lang="pt-BR" dirty="0"/>
+            <a:endParaRPr lang="pt-BR" dirty="0">
+              <a:solidFill>
+                <a:schemeClr val="bg1"/>
+              </a:solidFill>
+            </a:endParaRPr>
           </a:p>
         </p:txBody>
       </p:sp>
@@ -4600,40 +7386,68 @@
           <a:lstStyle/>
           <a:p>
             <a:r>
-              <a:rPr lang="pt-BR" dirty="0" smtClean="0"/>
+              <a:rPr lang="pt-BR" dirty="0" smtClean="0">
+                <a:solidFill>
+                  <a:schemeClr val="bg1"/>
+                </a:solidFill>
+              </a:rPr>
               <a:t>Criar protótipo para telemetria para kart amador</a:t>
             </a:r>
           </a:p>
           <a:p>
             <a:pPr lvl="1"/>
             <a:r>
-              <a:rPr lang="pt-BR" dirty="0" smtClean="0"/>
+              <a:rPr lang="pt-BR" dirty="0" smtClean="0">
+                <a:solidFill>
+                  <a:schemeClr val="bg1"/>
+                </a:solidFill>
+              </a:rPr>
               <a:t>Online</a:t>
             </a:r>
           </a:p>
           <a:p>
             <a:pPr lvl="1"/>
             <a:r>
-              <a:rPr lang="pt-BR" dirty="0" smtClean="0"/>
+              <a:rPr lang="pt-BR" dirty="0" smtClean="0">
+                <a:solidFill>
+                  <a:schemeClr val="bg1"/>
+                </a:solidFill>
+              </a:rPr>
               <a:t>Off-line</a:t>
             </a:r>
-            <a:endParaRPr lang="pt-BR" dirty="0"/>
+            <a:endParaRPr lang="pt-BR" dirty="0">
+              <a:solidFill>
+                <a:schemeClr val="bg1"/>
+              </a:solidFill>
+            </a:endParaRPr>
           </a:p>
           <a:p>
             <a:pPr marL="457200" lvl="1" indent="0">
               <a:buNone/>
             </a:pPr>
-            <a:endParaRPr lang="pt-BR" dirty="0" smtClean="0"/>
+            <a:endParaRPr lang="pt-BR" dirty="0" smtClean="0">
+              <a:solidFill>
+                <a:schemeClr val="bg1"/>
+              </a:solidFill>
+            </a:endParaRPr>
           </a:p>
           <a:p>
             <a:pPr marL="457200" lvl="1" indent="0" algn="ctr">
               <a:buNone/>
             </a:pPr>
             <a:r>
-              <a:rPr lang="pt-BR" sz="6000" dirty="0" smtClean="0"/>
+              <a:rPr lang="pt-BR" sz="6000" dirty="0" smtClean="0">
+                <a:solidFill>
+                  <a:schemeClr val="bg1"/>
+                </a:solidFill>
+              </a:rPr>
               <a:t>Mas, o que é telemetria?</a:t>
             </a:r>
-            <a:endParaRPr lang="pt-BR" sz="6000" dirty="0"/>
+            <a:endParaRPr lang="pt-BR" sz="6000" dirty="0">
+              <a:solidFill>
+                <a:schemeClr val="bg1"/>
+              </a:solidFill>
+            </a:endParaRPr>
           </a:p>
         </p:txBody>
       </p:sp>
@@ -4690,10 +7504,18 @@
           <a:lstStyle/>
           <a:p>
             <a:r>
-              <a:rPr lang="pt-BR" dirty="0" smtClean="0"/>
+              <a:rPr lang="pt-BR" dirty="0" smtClean="0">
+                <a:solidFill>
+                  <a:schemeClr val="bg1"/>
+                </a:solidFill>
+              </a:rPr>
               <a:t>Resultados</a:t>
             </a:r>
-            <a:endParaRPr lang="pt-BR" dirty="0"/>
+            <a:endParaRPr lang="pt-BR" dirty="0">
+              <a:solidFill>
+                <a:schemeClr val="bg1"/>
+              </a:solidFill>
+            </a:endParaRPr>
           </a:p>
         </p:txBody>
       </p:sp>
@@ -4709,39 +7531,65 @@
         </p:nvSpPr>
         <p:spPr/>
         <p:txBody>
-          <a:bodyPr anchor="ctr"/>
+          <a:bodyPr anchor="ctr">
+            <a:normAutofit/>
+          </a:bodyPr>
           <a:lstStyle/>
           <a:p>
             <a:r>
-              <a:rPr lang="pt-BR" dirty="0" smtClean="0"/>
+              <a:rPr lang="pt-BR" sz="3600" dirty="0" smtClean="0">
+                <a:solidFill>
+                  <a:schemeClr val="bg1"/>
+                </a:solidFill>
+              </a:rPr>
               <a:t>Gravação feita com sucesso dos dados do GPS em arquivo texto no hardware;</a:t>
             </a:r>
           </a:p>
           <a:p>
-            <a:endParaRPr lang="pt-BR" dirty="0" smtClean="0"/>
-          </a:p>
-          <a:p>
-            <a:r>
-              <a:rPr lang="pt-BR" dirty="0" smtClean="0"/>
+            <a:endParaRPr lang="pt-BR" sz="3600" dirty="0" smtClean="0">
+              <a:solidFill>
+                <a:schemeClr val="bg1"/>
+              </a:solidFill>
+            </a:endParaRPr>
+          </a:p>
+          <a:p>
+            <a:r>
+              <a:rPr lang="pt-BR" sz="3600" dirty="0" smtClean="0">
+                <a:solidFill>
+                  <a:schemeClr val="bg1"/>
+                </a:solidFill>
+              </a:rPr>
               <a:t>Transmissão via radio falhou:</a:t>
             </a:r>
           </a:p>
           <a:p>
             <a:pPr lvl="1"/>
             <a:r>
-              <a:rPr lang="pt-BR" dirty="0" smtClean="0"/>
+              <a:rPr lang="pt-BR" sz="3200" dirty="0" smtClean="0">
+                <a:solidFill>
+                  <a:schemeClr val="bg1"/>
+                </a:solidFill>
+              </a:rPr>
               <a:t>Problema com voltagem (descartado);</a:t>
             </a:r>
           </a:p>
           <a:p>
             <a:pPr lvl="1"/>
             <a:r>
-              <a:rPr lang="pt-BR" dirty="0" smtClean="0"/>
+              <a:rPr lang="pt-BR" sz="3200" dirty="0" smtClean="0">
+                <a:solidFill>
+                  <a:schemeClr val="bg1"/>
+                </a:solidFill>
+              </a:rPr>
               <a:t>Interferência entre o GPS e o radio transmissor (em estudo).</a:t>
             </a:r>
           </a:p>
           <a:p>
-            <a:endParaRPr lang="pt-BR" dirty="0"/>
+            <a:endParaRPr lang="pt-BR" sz="3600" dirty="0">
+              <a:solidFill>
+                <a:schemeClr val="bg1"/>
+              </a:solidFill>
+            </a:endParaRPr>
           </a:p>
         </p:txBody>
       </p:sp>
@@ -4798,10 +7646,18 @@
           <a:lstStyle/>
           <a:p>
             <a:r>
-              <a:rPr lang="pt-BR" dirty="0" smtClean="0"/>
+              <a:rPr lang="pt-BR" dirty="0" smtClean="0">
+                <a:solidFill>
+                  <a:schemeClr val="bg1"/>
+                </a:solidFill>
+              </a:rPr>
               <a:t>Considerações Finais</a:t>
             </a:r>
-            <a:endParaRPr lang="pt-BR" dirty="0"/>
+            <a:endParaRPr lang="pt-BR" dirty="0">
+              <a:solidFill>
+                <a:schemeClr val="bg1"/>
+              </a:solidFill>
+            </a:endParaRPr>
           </a:p>
         </p:txBody>
       </p:sp>
@@ -4817,44 +7673,107 @@
         </p:nvSpPr>
         <p:spPr>
           <a:xfrm>
-            <a:off x="609600" y="1600202"/>
+            <a:off x="609600" y="1417638"/>
             <a:ext cx="10972800" cy="4620294"/>
           </a:xfrm>
         </p:spPr>
         <p:txBody>
-          <a:bodyPr anchor="ctr"/>
+          <a:bodyPr anchor="ctr">
+            <a:normAutofit/>
+          </a:bodyPr>
           <a:lstStyle/>
           <a:p>
             <a:pPr marL="0" indent="0">
               <a:buNone/>
             </a:pPr>
             <a:r>
-              <a:rPr lang="pt-BR" dirty="0" smtClean="0"/>
+              <a:rPr lang="pt-BR" sz="3600" dirty="0" smtClean="0">
+                <a:solidFill>
+                  <a:schemeClr val="bg1"/>
+                </a:solidFill>
+              </a:rPr>
               <a:t>É possível prosseguir com o projeto, mas:</a:t>
             </a:r>
           </a:p>
           <a:p>
             <a:pPr lvl="1"/>
             <a:r>
-              <a:rPr lang="pt-BR" dirty="0" smtClean="0"/>
+              <a:rPr lang="pt-BR" sz="3200" dirty="0" smtClean="0">
+                <a:solidFill>
+                  <a:schemeClr val="bg1"/>
+                </a:solidFill>
+              </a:rPr>
               <a:t>Arduino limitado para hardware complexo;</a:t>
             </a:r>
           </a:p>
           <a:p>
             <a:pPr lvl="2"/>
             <a:r>
-              <a:rPr lang="pt-BR" dirty="0" smtClean="0"/>
-              <a:t>Trocar o Arduino por outro micro computador com mais capacidade;</a:t>
-            </a:r>
-          </a:p>
-          <a:p>
-            <a:pPr marL="457200" lvl="1" indent="0">
-              <a:buNone/>
-            </a:pPr>
-            <a:endParaRPr lang="pt-BR" dirty="0" smtClean="0"/>
-          </a:p>
-          <a:p>
-            <a:endParaRPr lang="pt-BR" dirty="0"/>
+              <a:rPr lang="pt-BR" sz="2800" dirty="0" smtClean="0">
+                <a:solidFill>
+                  <a:schemeClr val="bg1"/>
+                </a:solidFill>
+              </a:rPr>
+              <a:t>Trocar o Arduino por outro micro computador com mais capacidade</a:t>
+            </a:r>
+            <a:r>
+              <a:rPr lang="pt-BR" sz="2800" dirty="0" smtClean="0">
+                <a:solidFill>
+                  <a:schemeClr val="bg1"/>
+                </a:solidFill>
+              </a:rPr>
+              <a:t>;</a:t>
+            </a:r>
+          </a:p>
+          <a:p>
+            <a:pPr lvl="1"/>
+            <a:r>
+              <a:rPr lang="pt-BR" sz="3200" dirty="0" smtClean="0">
+                <a:solidFill>
+                  <a:schemeClr val="bg1"/>
+                </a:solidFill>
+              </a:rPr>
+              <a:t>Ampliar o leque de dados coletados;</a:t>
+            </a:r>
+            <a:endParaRPr lang="pt-BR" sz="3200" dirty="0" smtClean="0">
+              <a:solidFill>
+                <a:schemeClr val="bg1"/>
+              </a:solidFill>
+            </a:endParaRPr>
+          </a:p>
+          <a:p>
+            <a:pPr lvl="1"/>
+            <a:r>
+              <a:rPr lang="pt-BR" sz="3200" dirty="0" smtClean="0">
+                <a:solidFill>
+                  <a:schemeClr val="bg1"/>
+                </a:solidFill>
+              </a:rPr>
+              <a:t>Fazer a transformação de protótipo para projeto final;</a:t>
+            </a:r>
+          </a:p>
+          <a:p>
+            <a:pPr lvl="1"/>
+            <a:r>
+              <a:rPr lang="pt-BR" sz="3200" dirty="0" smtClean="0">
+                <a:solidFill>
+                  <a:schemeClr val="bg1"/>
+                </a:solidFill>
+              </a:rPr>
+              <a:t>Aplicar o leque de recursos do gerenciador.</a:t>
+            </a:r>
+            <a:endParaRPr lang="pt-BR" sz="3200" dirty="0" smtClean="0">
+              <a:solidFill>
+                <a:schemeClr val="bg1"/>
+              </a:solidFill>
+            </a:endParaRPr>
+          </a:p>
+          <a:p>
+            <a:endParaRPr lang="pt-BR" sz="3600" dirty="0">
+              <a:solidFill>
+                <a:schemeClr val="bg1"/>
+              </a:solidFill>
+            </a:endParaRPr>
           </a:p>
         </p:txBody>
       </p:sp>
@@ -4897,294 +7816,6 @@
       </p:grpSpPr>
       <p:sp>
         <p:nvSpPr>
-          <p:cNvPr id="4" name="Título 1"/>
-          <p:cNvSpPr txBox="1">
-            <a:spLocks/>
-          </p:cNvSpPr>
-          <p:nvPr/>
-        </p:nvSpPr>
-        <p:spPr>
-          <a:xfrm>
-            <a:off x="609600" y="3334044"/>
-            <a:ext cx="10972800" cy="1143000"/>
-          </a:xfrm>
-          <a:prstGeom prst="rect">
-            <a:avLst/>
-          </a:prstGeom>
-        </p:spPr>
-        <p:txBody>
-          <a:bodyPr vert="horz" lIns="91440" tIns="45720" rIns="91440" bIns="45720" rtlCol="0" anchor="ctr">
-            <a:normAutofit/>
-          </a:bodyPr>
-          <a:lstStyle>
-            <a:lvl1pPr algn="ctr" defTabSz="914400" rtl="0" eaLnBrk="1" latinLnBrk="0" hangingPunct="1">
-              <a:spcBef>
-                <a:spcPct val="0"/>
-              </a:spcBef>
-              <a:buNone/>
-              <a:defRPr sz="4400" kern="1200">
-                <a:solidFill>
-                  <a:schemeClr val="tx1"/>
-                </a:solidFill>
-                <a:latin typeface="+mj-lt"/>
-                <a:ea typeface="+mj-ea"/>
-                <a:cs typeface="+mj-cs"/>
-              </a:defRPr>
-            </a:lvl1pPr>
-          </a:lstStyle>
-          <a:p>
-            <a:endParaRPr lang="pt-BR" dirty="0"/>
-          </a:p>
-        </p:txBody>
-      </p:sp>
-      <p:sp>
-        <p:nvSpPr>
-          <p:cNvPr id="5" name="Espaço Reservado para Conteúdo 2"/>
-          <p:cNvSpPr txBox="1">
-            <a:spLocks/>
-          </p:cNvSpPr>
-          <p:nvPr/>
-        </p:nvSpPr>
-        <p:spPr>
-          <a:xfrm>
-            <a:off x="609600" y="1417638"/>
-            <a:ext cx="10972800" cy="4796765"/>
-          </a:xfrm>
-          <a:prstGeom prst="rect">
-            <a:avLst/>
-          </a:prstGeom>
-        </p:spPr>
-        <p:txBody>
-          <a:bodyPr vert="horz" lIns="91440" tIns="45720" rIns="91440" bIns="45720" rtlCol="0" anchor="ctr">
-            <a:normAutofit/>
-          </a:bodyPr>
-          <a:lstStyle>
-            <a:lvl1pPr marL="342900" indent="-342900" algn="l" defTabSz="914400" rtl="0" eaLnBrk="1" latinLnBrk="0" hangingPunct="1">
-              <a:spcBef>
-                <a:spcPct val="20000"/>
-              </a:spcBef>
-              <a:buFont typeface="Arial" pitchFamily="34" charset="0"/>
-              <a:buChar char="•"/>
-              <a:defRPr sz="3200" kern="1200">
-                <a:solidFill>
-                  <a:schemeClr val="tx1"/>
-                </a:solidFill>
-                <a:latin typeface="+mn-lt"/>
-                <a:ea typeface="+mn-ea"/>
-                <a:cs typeface="+mn-cs"/>
-              </a:defRPr>
-            </a:lvl1pPr>
-            <a:lvl2pPr marL="742950" indent="-285750" algn="l" defTabSz="914400" rtl="0" eaLnBrk="1" latinLnBrk="0" hangingPunct="1">
-              <a:spcBef>
-                <a:spcPct val="20000"/>
-              </a:spcBef>
-              <a:buFont typeface="Arial" pitchFamily="34" charset="0"/>
-              <a:buChar char="–"/>
-              <a:defRPr sz="2800" kern="1200">
-                <a:solidFill>
-                  <a:schemeClr val="tx1"/>
-                </a:solidFill>
-                <a:latin typeface="+mn-lt"/>
-                <a:ea typeface="+mn-ea"/>
-                <a:cs typeface="+mn-cs"/>
-              </a:defRPr>
-            </a:lvl2pPr>
-            <a:lvl3pPr marL="1143000" indent="-228600" algn="l" defTabSz="914400" rtl="0" eaLnBrk="1" latinLnBrk="0" hangingPunct="1">
-              <a:spcBef>
-                <a:spcPct val="20000"/>
-              </a:spcBef>
-              <a:buFont typeface="Arial" pitchFamily="34" charset="0"/>
-              <a:buChar char="•"/>
-              <a:defRPr sz="2400" kern="1200">
-                <a:solidFill>
-                  <a:schemeClr val="tx1"/>
-                </a:solidFill>
-                <a:latin typeface="+mn-lt"/>
-                <a:ea typeface="+mn-ea"/>
-                <a:cs typeface="+mn-cs"/>
-              </a:defRPr>
-            </a:lvl3pPr>
-            <a:lvl4pPr marL="1600200" indent="-228600" algn="l" defTabSz="914400" rtl="0" eaLnBrk="1" latinLnBrk="0" hangingPunct="1">
-              <a:spcBef>
-                <a:spcPct val="20000"/>
-              </a:spcBef>
-              <a:buFont typeface="Arial" pitchFamily="34" charset="0"/>
-              <a:buChar char="–"/>
-              <a:defRPr sz="2000" kern="1200">
-                <a:solidFill>
-                  <a:schemeClr val="tx1"/>
-                </a:solidFill>
-                <a:latin typeface="+mn-lt"/>
-                <a:ea typeface="+mn-ea"/>
-                <a:cs typeface="+mn-cs"/>
-              </a:defRPr>
-            </a:lvl4pPr>
-            <a:lvl5pPr marL="2057400" indent="-228600" algn="l" defTabSz="914400" rtl="0" eaLnBrk="1" latinLnBrk="0" hangingPunct="1">
-              <a:spcBef>
-                <a:spcPct val="20000"/>
-              </a:spcBef>
-              <a:buFont typeface="Arial" pitchFamily="34" charset="0"/>
-              <a:buChar char="»"/>
-              <a:defRPr sz="2000" kern="1200">
-                <a:solidFill>
-                  <a:schemeClr val="tx1"/>
-                </a:solidFill>
-                <a:latin typeface="+mn-lt"/>
-                <a:ea typeface="+mn-ea"/>
-                <a:cs typeface="+mn-cs"/>
-              </a:defRPr>
-            </a:lvl5pPr>
-            <a:lvl6pPr marL="2514600" indent="-228600" algn="l" defTabSz="914400" rtl="0" eaLnBrk="1" latinLnBrk="0" hangingPunct="1">
-              <a:spcBef>
-                <a:spcPct val="20000"/>
-              </a:spcBef>
-              <a:buFont typeface="Arial" pitchFamily="34" charset="0"/>
-              <a:buChar char="•"/>
-              <a:defRPr sz="2000" kern="1200">
-                <a:solidFill>
-                  <a:schemeClr val="tx1"/>
-                </a:solidFill>
-                <a:latin typeface="+mn-lt"/>
-                <a:ea typeface="+mn-ea"/>
-                <a:cs typeface="+mn-cs"/>
-              </a:defRPr>
-            </a:lvl6pPr>
-            <a:lvl7pPr marL="2971800" indent="-228600" algn="l" defTabSz="914400" rtl="0" eaLnBrk="1" latinLnBrk="0" hangingPunct="1">
-              <a:spcBef>
-                <a:spcPct val="20000"/>
-              </a:spcBef>
-              <a:buFont typeface="Arial" pitchFamily="34" charset="0"/>
-              <a:buChar char="•"/>
-              <a:defRPr sz="2000" kern="1200">
-                <a:solidFill>
-                  <a:schemeClr val="tx1"/>
-                </a:solidFill>
-                <a:latin typeface="+mn-lt"/>
-                <a:ea typeface="+mn-ea"/>
-                <a:cs typeface="+mn-cs"/>
-              </a:defRPr>
-            </a:lvl7pPr>
-            <a:lvl8pPr marL="3429000" indent="-228600" algn="l" defTabSz="914400" rtl="0" eaLnBrk="1" latinLnBrk="0" hangingPunct="1">
-              <a:spcBef>
-                <a:spcPct val="20000"/>
-              </a:spcBef>
-              <a:buFont typeface="Arial" pitchFamily="34" charset="0"/>
-              <a:buChar char="•"/>
-              <a:defRPr sz="2000" kern="1200">
-                <a:solidFill>
-                  <a:schemeClr val="tx1"/>
-                </a:solidFill>
-                <a:latin typeface="+mn-lt"/>
-                <a:ea typeface="+mn-ea"/>
-                <a:cs typeface="+mn-cs"/>
-              </a:defRPr>
-            </a:lvl8pPr>
-            <a:lvl9pPr marL="3886200" indent="-228600" algn="l" defTabSz="914400" rtl="0" eaLnBrk="1" latinLnBrk="0" hangingPunct="1">
-              <a:spcBef>
-                <a:spcPct val="20000"/>
-              </a:spcBef>
-              <a:buFont typeface="Arial" pitchFamily="34" charset="0"/>
-              <a:buChar char="•"/>
-              <a:defRPr sz="2000" kern="1200">
-                <a:solidFill>
-                  <a:schemeClr val="tx1"/>
-                </a:solidFill>
-                <a:latin typeface="+mn-lt"/>
-                <a:ea typeface="+mn-ea"/>
-                <a:cs typeface="+mn-cs"/>
-              </a:defRPr>
-            </a:lvl9pPr>
-          </a:lstStyle>
-          <a:p>
-            <a:r>
-              <a:rPr lang="pt-BR" dirty="0" smtClean="0"/>
-              <a:t>Display de informações no hardware;</a:t>
-            </a:r>
-          </a:p>
-          <a:p>
-            <a:endParaRPr lang="pt-BR" dirty="0" smtClean="0"/>
-          </a:p>
-          <a:p>
-            <a:r>
-              <a:rPr lang="pt-BR" dirty="0" smtClean="0"/>
-              <a:t>Registro de dados do automóvel (Motor, Pneus, etc.);</a:t>
-            </a:r>
-          </a:p>
-          <a:p>
-            <a:endParaRPr lang="pt-BR" dirty="0" smtClean="0"/>
-          </a:p>
-          <a:p>
-            <a:r>
-              <a:rPr lang="pt-BR" dirty="0" smtClean="0"/>
-              <a:t>Formatar para possível venda comercial.</a:t>
-            </a:r>
-          </a:p>
-          <a:p>
-            <a:endParaRPr lang="pt-BR" dirty="0"/>
-          </a:p>
-        </p:txBody>
-      </p:sp>
-      <p:sp>
-        <p:nvSpPr>
-          <p:cNvPr id="7" name="Título 6"/>
-          <p:cNvSpPr>
-            <a:spLocks noGrp="1"/>
-          </p:cNvSpPr>
-          <p:nvPr>
-            <p:ph type="title"/>
-          </p:nvPr>
-        </p:nvSpPr>
-        <p:spPr/>
-        <p:txBody>
-          <a:bodyPr/>
-          <a:lstStyle/>
-          <a:p>
-            <a:r>
-              <a:rPr lang="pt-BR" dirty="0"/>
-              <a:t>Melhorias</a:t>
-            </a:r>
-          </a:p>
-        </p:txBody>
-      </p:sp>
-    </p:spTree>
-    <p:extLst>
-      <p:ext uri="{BB962C8B-B14F-4D97-AF65-F5344CB8AC3E}">
-        <p14:creationId xmlns:p14="http://schemas.microsoft.com/office/powerpoint/2010/main" val="358877254"/>
-      </p:ext>
-    </p:extLst>
-  </p:cSld>
-  <p:clrMapOvr>
-    <a:masterClrMapping/>
-  </p:clrMapOvr>
-  <p:timing>
-    <p:tnLst>
-      <p:par>
-        <p:cTn id="1" dur="indefinite" restart="never" nodeType="tmRoot"/>
-      </p:par>
-    </p:tnLst>
-  </p:timing>
-</p:sld>
-</file>
-
-<file path=ppt/slides/slide23.xml><?xml version="1.0" encoding="utf-8"?>
-<p:sld xmlns:a="http://schemas.openxmlformats.org/drawingml/2006/main" xmlns:r="http://schemas.openxmlformats.org/officeDocument/2006/relationships" xmlns:p="http://schemas.openxmlformats.org/presentationml/2006/main">
-  <p:cSld>
-    <p:spTree>
-      <p:nvGrpSpPr>
-        <p:cNvPr id="1" name=""/>
-        <p:cNvGrpSpPr/>
-        <p:nvPr/>
-      </p:nvGrpSpPr>
-      <p:grpSpPr>
-        <a:xfrm>
-          <a:off x="0" y="0"/>
-          <a:ext cx="0" cy="0"/>
-          <a:chOff x="0" y="0"/>
-          <a:chExt cx="0" cy="0"/>
-        </a:xfrm>
-      </p:grpSpPr>
-      <p:sp>
-        <p:nvSpPr>
           <p:cNvPr id="3" name="Espaço Reservado para Conteúdo 2"/>
           <p:cNvSpPr>
             <a:spLocks noGrp="1"/>
@@ -5209,7 +7840,11 @@
               <a:buNone/>
             </a:pPr>
             <a:r>
-              <a:rPr lang="pt-BR" sz="8800" dirty="0" smtClean="0"/>
+              <a:rPr lang="pt-BR" sz="8800" dirty="0" smtClean="0">
+                <a:solidFill>
+                  <a:schemeClr val="bg1"/>
+                </a:solidFill>
+              </a:rPr>
               <a:t>Obrigado!!!</a:t>
             </a:r>
           </a:p>
@@ -5217,42 +7852,70 @@
             <a:pPr marL="0" indent="0" algn="ctr">
               <a:buNone/>
             </a:pPr>
-            <a:endParaRPr lang="pt-BR" sz="6600" dirty="0" smtClean="0"/>
+            <a:endParaRPr lang="pt-BR" sz="6600" dirty="0" smtClean="0">
+              <a:solidFill>
+                <a:schemeClr val="bg1"/>
+              </a:solidFill>
+            </a:endParaRPr>
           </a:p>
           <a:p>
             <a:pPr marL="0" indent="0" algn="ctr">
               <a:buNone/>
             </a:pPr>
-            <a:endParaRPr lang="pt-BR" sz="6600" u="sng" dirty="0" smtClean="0"/>
+            <a:endParaRPr lang="pt-BR" sz="6600" u="sng" dirty="0" smtClean="0">
+              <a:solidFill>
+                <a:schemeClr val="bg1"/>
+              </a:solidFill>
+            </a:endParaRPr>
           </a:p>
           <a:p>
             <a:pPr marL="0" indent="0" algn="ctr">
               <a:buNone/>
             </a:pPr>
-            <a:endParaRPr lang="pt-BR" sz="2400" dirty="0" smtClean="0"/>
+            <a:endParaRPr lang="pt-BR" sz="2400" dirty="0" smtClean="0">
+              <a:solidFill>
+                <a:schemeClr val="bg1"/>
+              </a:solidFill>
+            </a:endParaRPr>
           </a:p>
           <a:p>
             <a:pPr marL="0" indent="0" algn="ctr">
               <a:buNone/>
             </a:pPr>
-            <a:endParaRPr lang="pt-BR" sz="2400" dirty="0"/>
+            <a:endParaRPr lang="pt-BR" sz="2400" dirty="0">
+              <a:solidFill>
+                <a:schemeClr val="bg1"/>
+              </a:solidFill>
+            </a:endParaRPr>
           </a:p>
           <a:p>
             <a:pPr marL="0" indent="0" algn="ctr">
               <a:buNone/>
             </a:pPr>
-            <a:endParaRPr lang="pt-BR" sz="2400" dirty="0" smtClean="0"/>
+            <a:endParaRPr lang="pt-BR" sz="2400" dirty="0" smtClean="0">
+              <a:solidFill>
+                <a:schemeClr val="bg1"/>
+              </a:solidFill>
+            </a:endParaRPr>
           </a:p>
           <a:p>
             <a:pPr marL="0" indent="0" algn="ctr">
               <a:buNone/>
             </a:pPr>
             <a:r>
-              <a:rPr lang="pt-BR" sz="2400" dirty="0" err="1" smtClean="0"/>
+              <a:rPr lang="pt-BR" sz="2400" dirty="0" err="1" smtClean="0">
+                <a:solidFill>
+                  <a:schemeClr val="bg1"/>
+                </a:solidFill>
+              </a:rPr>
               <a:t>GitHub</a:t>
             </a:r>
             <a:r>
-              <a:rPr lang="pt-BR" sz="2400" dirty="0"/>
+              <a:rPr lang="pt-BR" sz="2400" dirty="0">
+                <a:solidFill>
+                  <a:schemeClr val="bg1"/>
+                </a:solidFill>
+              </a:rPr>
               <a:t>: https://github.com/gktrainer/RacingTelemetry</a:t>
             </a:r>
           </a:p>
@@ -5311,10 +7974,18 @@
           <a:lstStyle/>
           <a:p>
             <a:r>
-              <a:rPr lang="pt-BR" dirty="0" smtClean="0"/>
+              <a:rPr lang="pt-BR" dirty="0" smtClean="0">
+                <a:solidFill>
+                  <a:schemeClr val="bg1"/>
+                </a:solidFill>
+              </a:rPr>
               <a:t>Telemetria</a:t>
             </a:r>
-            <a:endParaRPr lang="pt-BR" dirty="0"/>
+            <a:endParaRPr lang="pt-BR" dirty="0">
+              <a:solidFill>
+                <a:schemeClr val="bg1"/>
+              </a:solidFill>
+            </a:endParaRPr>
           </a:p>
         </p:txBody>
       </p:sp>
@@ -5341,15 +8012,27 @@
           <a:lstStyle/>
           <a:p>
             <a:r>
-              <a:rPr lang="pt-BR" sz="2800" dirty="0" smtClean="0"/>
+              <a:rPr lang="pt-BR" sz="2800" dirty="0" smtClean="0">
+                <a:solidFill>
+                  <a:schemeClr val="bg1"/>
+                </a:solidFill>
+              </a:rPr>
               <a:t>Origem grega, da palavra “</a:t>
             </a:r>
             <a:r>
-              <a:rPr lang="pt-BR" sz="2800" i="1" dirty="0" err="1" smtClean="0"/>
+              <a:rPr lang="pt-BR" sz="2800" i="1" dirty="0" err="1" smtClean="0">
+                <a:solidFill>
+                  <a:schemeClr val="bg1"/>
+                </a:solidFill>
+              </a:rPr>
               <a:t>telemetron</a:t>
             </a:r>
             <a:r>
-              <a:rPr lang="pt-BR" sz="2800" dirty="0" smtClean="0"/>
+              <a:rPr lang="pt-BR" sz="2800" dirty="0" smtClean="0">
+                <a:solidFill>
+                  <a:schemeClr val="bg1"/>
+                </a:solidFill>
+              </a:rPr>
               <a:t>”</a:t>
             </a:r>
           </a:p>
@@ -5357,14 +8040,22 @@
             <a:pPr marL="457200" lvl="1" indent="0">
               <a:buNone/>
             </a:pPr>
-            <a:endParaRPr lang="pt-BR" dirty="0" smtClean="0"/>
+            <a:endParaRPr lang="pt-BR" dirty="0" smtClean="0">
+              <a:solidFill>
+                <a:schemeClr val="bg1"/>
+              </a:solidFill>
+            </a:endParaRPr>
           </a:p>
           <a:p>
             <a:pPr marL="457200" lvl="1" indent="0">
               <a:buNone/>
             </a:pPr>
             <a:r>
-              <a:rPr lang="pt-BR" dirty="0" smtClean="0"/>
+              <a:rPr lang="pt-BR" dirty="0" smtClean="0">
+                <a:solidFill>
+                  <a:schemeClr val="bg1"/>
+                </a:solidFill>
+              </a:rPr>
               <a:t>Tele = remoto</a:t>
             </a:r>
           </a:p>
@@ -5373,20 +8064,36 @@
               <a:buNone/>
             </a:pPr>
             <a:r>
-              <a:rPr lang="pt-BR" dirty="0" err="1" smtClean="0"/>
+              <a:rPr lang="pt-BR" dirty="0" err="1" smtClean="0">
+                <a:solidFill>
+                  <a:schemeClr val="bg1"/>
+                </a:solidFill>
+              </a:rPr>
               <a:t>Metron</a:t>
             </a:r>
             <a:r>
-              <a:rPr lang="pt-BR" dirty="0" smtClean="0"/>
+              <a:rPr lang="pt-BR" dirty="0" smtClean="0">
+                <a:solidFill>
+                  <a:schemeClr val="bg1"/>
+                </a:solidFill>
+              </a:rPr>
               <a:t> = medida</a:t>
             </a:r>
-            <a:endParaRPr lang="pt-BR" dirty="0"/>
+            <a:endParaRPr lang="pt-BR" dirty="0">
+              <a:solidFill>
+                <a:schemeClr val="bg1"/>
+              </a:solidFill>
+            </a:endParaRPr>
           </a:p>
           <a:p>
             <a:pPr marL="0" indent="0">
               <a:buNone/>
             </a:pPr>
-            <a:endParaRPr lang="pt-BR" dirty="0" smtClean="0"/>
+            <a:endParaRPr lang="pt-BR" dirty="0" smtClean="0">
+              <a:solidFill>
+                <a:schemeClr val="bg1"/>
+              </a:solidFill>
+            </a:endParaRPr>
           </a:p>
         </p:txBody>
       </p:sp>
@@ -5417,7 +8124,11 @@
               <a:buChar char="•"/>
             </a:pPr>
             <a:r>
-              <a:rPr lang="pt-BR" sz="3200" dirty="0" smtClean="0"/>
+              <a:rPr lang="pt-BR" sz="3200" dirty="0" smtClean="0">
+                <a:solidFill>
+                  <a:schemeClr val="bg1"/>
+                </a:solidFill>
+              </a:rPr>
               <a:t>Meteorologia;</a:t>
             </a:r>
           </a:p>
@@ -5427,7 +8138,11 @@
               <a:buChar char="•"/>
             </a:pPr>
             <a:r>
-              <a:rPr lang="pt-BR" sz="3200" dirty="0" smtClean="0"/>
+              <a:rPr lang="pt-BR" sz="3200" dirty="0" smtClean="0">
+                <a:solidFill>
+                  <a:schemeClr val="bg1"/>
+                </a:solidFill>
+              </a:rPr>
               <a:t>Petróleo e gás;</a:t>
             </a:r>
           </a:p>
@@ -5437,7 +8152,11 @@
               <a:buChar char="•"/>
             </a:pPr>
             <a:r>
-              <a:rPr lang="pt-BR" sz="3200" dirty="0" smtClean="0"/>
+              <a:rPr lang="pt-BR" sz="3200" dirty="0" smtClean="0">
+                <a:solidFill>
+                  <a:schemeClr val="bg1"/>
+                </a:solidFill>
+              </a:rPr>
               <a:t>Agricultura;</a:t>
             </a:r>
           </a:p>
@@ -5447,7 +8166,11 @@
               <a:buChar char="•"/>
             </a:pPr>
             <a:r>
-              <a:rPr lang="pt-BR" sz="3200" dirty="0" smtClean="0"/>
+              <a:rPr lang="pt-BR" sz="3200" dirty="0" smtClean="0">
+                <a:solidFill>
+                  <a:schemeClr val="bg1"/>
+                </a:solidFill>
+              </a:rPr>
               <a:t>Gerenciamento hídrico;</a:t>
             </a:r>
           </a:p>
@@ -5457,7 +8180,11 @@
               <a:buChar char="•"/>
             </a:pPr>
             <a:r>
-              <a:rPr lang="pt-BR" sz="3200" dirty="0" smtClean="0"/>
+              <a:rPr lang="pt-BR" sz="3200" dirty="0" smtClean="0">
+                <a:solidFill>
+                  <a:schemeClr val="bg1"/>
+                </a:solidFill>
+              </a:rPr>
               <a:t>Monitoramento de energia;</a:t>
             </a:r>
           </a:p>
@@ -5467,7 +8194,11 @@
               <a:buChar char="•"/>
             </a:pPr>
             <a:r>
-              <a:rPr lang="pt-BR" sz="3200" dirty="0" smtClean="0"/>
+              <a:rPr lang="pt-BR" sz="3200" dirty="0" smtClean="0">
+                <a:solidFill>
+                  <a:schemeClr val="bg1"/>
+                </a:solidFill>
+              </a:rPr>
               <a:t>Distribuição de recursos;</a:t>
             </a:r>
           </a:p>
@@ -5477,7 +8208,11 @@
               <a:buChar char="•"/>
             </a:pPr>
             <a:r>
-              <a:rPr lang="pt-BR" sz="3200" dirty="0" smtClean="0"/>
+              <a:rPr lang="pt-BR" sz="3200" dirty="0" smtClean="0">
+                <a:solidFill>
+                  <a:schemeClr val="bg1"/>
+                </a:solidFill>
+              </a:rPr>
               <a:t>Usinas de Energia;</a:t>
             </a:r>
           </a:p>
@@ -5487,10 +8222,18 @@
               <a:buChar char="•"/>
             </a:pPr>
             <a:r>
-              <a:rPr lang="pt-BR" sz="3200" dirty="0" smtClean="0"/>
+              <a:rPr lang="pt-BR" sz="3200" dirty="0" smtClean="0">
+                <a:solidFill>
+                  <a:schemeClr val="bg1"/>
+                </a:solidFill>
+              </a:rPr>
               <a:t>Automobilismo.</a:t>
             </a:r>
-            <a:endParaRPr lang="pt-BR" sz="3200" dirty="0"/>
+            <a:endParaRPr lang="pt-BR" sz="3200" dirty="0">
+              <a:solidFill>
+                <a:schemeClr val="bg1"/>
+              </a:solidFill>
+            </a:endParaRPr>
           </a:p>
         </p:txBody>
       </p:sp>
@@ -5547,10 +8290,18 @@
           <a:lstStyle/>
           <a:p>
             <a:r>
-              <a:rPr lang="pt-BR" dirty="0" smtClean="0"/>
+              <a:rPr lang="pt-BR" dirty="0" smtClean="0">
+                <a:solidFill>
+                  <a:schemeClr val="bg1"/>
+                </a:solidFill>
+              </a:rPr>
               <a:t>Automobilismo</a:t>
             </a:r>
-            <a:endParaRPr lang="pt-BR" dirty="0"/>
+            <a:endParaRPr lang="pt-BR" dirty="0">
+              <a:solidFill>
+                <a:schemeClr val="bg1"/>
+              </a:solidFill>
+            </a:endParaRPr>
           </a:p>
         </p:txBody>
       </p:sp>
@@ -5577,30 +8328,50 @@
           <a:lstStyle/>
           <a:p>
             <a:r>
-              <a:rPr lang="pt-BR" dirty="0" smtClean="0"/>
+              <a:rPr lang="pt-BR" dirty="0" smtClean="0">
+                <a:solidFill>
+                  <a:schemeClr val="bg1"/>
+                </a:solidFill>
+              </a:rPr>
               <a:t>Competição entre automóveis</a:t>
             </a:r>
           </a:p>
           <a:p>
-            <a:endParaRPr lang="pt-BR" dirty="0" smtClean="0"/>
-          </a:p>
-          <a:p>
-            <a:r>
-              <a:rPr lang="pt-BR" dirty="0" smtClean="0"/>
+            <a:endParaRPr lang="pt-BR" dirty="0" smtClean="0">
+              <a:solidFill>
+                <a:schemeClr val="bg1"/>
+              </a:solidFill>
+            </a:endParaRPr>
+          </a:p>
+          <a:p>
+            <a:r>
+              <a:rPr lang="pt-BR" dirty="0" smtClean="0">
+                <a:solidFill>
+                  <a:schemeClr val="bg1"/>
+                </a:solidFill>
+              </a:rPr>
               <a:t>Eventos realizados em:</a:t>
             </a:r>
           </a:p>
           <a:p>
             <a:pPr lvl="1"/>
             <a:r>
-              <a:rPr lang="pt-BR" dirty="0" smtClean="0"/>
+              <a:rPr lang="pt-BR" dirty="0" smtClean="0">
+                <a:solidFill>
+                  <a:schemeClr val="bg1"/>
+                </a:solidFill>
+              </a:rPr>
               <a:t>Autódromos;</a:t>
             </a:r>
           </a:p>
           <a:p>
             <a:pPr lvl="1"/>
             <a:r>
-              <a:rPr lang="pt-BR" dirty="0" smtClean="0"/>
+              <a:rPr lang="pt-BR" dirty="0" smtClean="0">
+                <a:solidFill>
+                  <a:schemeClr val="bg1"/>
+                </a:solidFill>
+              </a:rPr>
               <a:t>Estradas.</a:t>
             </a:r>
           </a:p>
@@ -5608,58 +8379,102 @@
             <a:pPr marL="457200" lvl="1" indent="0">
               <a:buNone/>
             </a:pPr>
-            <a:endParaRPr lang="pt-BR" dirty="0" smtClean="0"/>
-          </a:p>
-          <a:p>
-            <a:r>
-              <a:rPr lang="pt-BR" dirty="0" smtClean="0"/>
+            <a:endParaRPr lang="pt-BR" dirty="0" smtClean="0">
+              <a:solidFill>
+                <a:schemeClr val="bg1"/>
+              </a:solidFill>
+            </a:endParaRPr>
+          </a:p>
+          <a:p>
+            <a:r>
+              <a:rPr lang="pt-BR" dirty="0" smtClean="0">
+                <a:solidFill>
+                  <a:schemeClr val="bg1"/>
+                </a:solidFill>
+              </a:rPr>
               <a:t>Tipos de automóveis:</a:t>
             </a:r>
           </a:p>
           <a:p>
             <a:pPr lvl="1"/>
             <a:r>
-              <a:rPr lang="pt-BR" dirty="0" err="1" smtClean="0"/>
+              <a:rPr lang="pt-BR" dirty="0" err="1" smtClean="0">
+                <a:solidFill>
+                  <a:schemeClr val="bg1"/>
+                </a:solidFill>
+              </a:rPr>
               <a:t>Monoposto</a:t>
             </a:r>
             <a:r>
-              <a:rPr lang="pt-BR" dirty="0" smtClean="0"/>
+              <a:rPr lang="pt-BR" dirty="0" smtClean="0">
+                <a:solidFill>
+                  <a:schemeClr val="bg1"/>
+                </a:solidFill>
+              </a:rPr>
               <a:t> ou </a:t>
             </a:r>
             <a:r>
-              <a:rPr lang="pt-BR" i="1" dirty="0" smtClean="0"/>
+              <a:rPr lang="pt-BR" i="1" dirty="0" smtClean="0">
+                <a:solidFill>
+                  <a:schemeClr val="bg1"/>
+                </a:solidFill>
+              </a:rPr>
               <a:t>Open </a:t>
             </a:r>
             <a:r>
-              <a:rPr lang="pt-BR" i="1" dirty="0" err="1" smtClean="0"/>
+              <a:rPr lang="pt-BR" i="1" dirty="0" err="1" smtClean="0">
+                <a:solidFill>
+                  <a:schemeClr val="bg1"/>
+                </a:solidFill>
+              </a:rPr>
               <a:t>Wheels</a:t>
             </a:r>
             <a:r>
-              <a:rPr lang="pt-BR" i="1" dirty="0" smtClean="0"/>
+              <a:rPr lang="pt-BR" i="1" dirty="0" smtClean="0">
+                <a:solidFill>
+                  <a:schemeClr val="bg1"/>
+                </a:solidFill>
+              </a:rPr>
               <a:t>;</a:t>
             </a:r>
           </a:p>
           <a:p>
             <a:pPr lvl="1"/>
             <a:r>
-              <a:rPr lang="pt-BR" dirty="0" smtClean="0"/>
+              <a:rPr lang="pt-BR" dirty="0" smtClean="0">
+                <a:solidFill>
+                  <a:schemeClr val="bg1"/>
+                </a:solidFill>
+              </a:rPr>
               <a:t>Turismo;</a:t>
             </a:r>
           </a:p>
           <a:p>
             <a:pPr lvl="1"/>
             <a:r>
-              <a:rPr lang="pt-BR" dirty="0" smtClean="0"/>
+              <a:rPr lang="pt-BR" dirty="0" smtClean="0">
+                <a:solidFill>
+                  <a:schemeClr val="bg1"/>
+                </a:solidFill>
+              </a:rPr>
               <a:t>Protótipos e Grã-Turismo;</a:t>
             </a:r>
           </a:p>
           <a:p>
             <a:pPr lvl="1"/>
             <a:r>
-              <a:rPr lang="pt-BR" dirty="0" smtClean="0"/>
+              <a:rPr lang="pt-BR" dirty="0" smtClean="0">
+                <a:solidFill>
+                  <a:schemeClr val="bg1"/>
+                </a:solidFill>
+              </a:rPr>
               <a:t>Kart.</a:t>
             </a:r>
-            <a:endParaRPr lang="pt-BR" dirty="0"/>
+            <a:endParaRPr lang="pt-BR" dirty="0">
+              <a:solidFill>
+                <a:schemeClr val="bg1"/>
+              </a:solidFill>
+            </a:endParaRPr>
           </a:p>
         </p:txBody>
       </p:sp>
@@ -5716,10 +8531,18 @@
           <a:lstStyle/>
           <a:p>
             <a:r>
-              <a:rPr lang="pt-BR" dirty="0" smtClean="0"/>
+              <a:rPr lang="pt-BR" dirty="0" smtClean="0">
+                <a:solidFill>
+                  <a:schemeClr val="bg1"/>
+                </a:solidFill>
+              </a:rPr>
               <a:t>Por que esse projeto?</a:t>
             </a:r>
-            <a:endParaRPr lang="pt-BR" dirty="0"/>
+            <a:endParaRPr lang="pt-BR" dirty="0">
+              <a:solidFill>
+                <a:schemeClr val="bg1"/>
+              </a:solidFill>
+            </a:endParaRPr>
           </a:p>
         </p:txBody>
       </p:sp>
@@ -5812,7 +8635,11 @@
           <a:lstStyle/>
           <a:p>
             <a:r>
-              <a:rPr lang="pt-BR" dirty="0"/>
+              <a:rPr lang="pt-BR" dirty="0">
+                <a:solidFill>
+                  <a:schemeClr val="bg1"/>
+                </a:solidFill>
+              </a:rPr>
               <a:t>Por que esse projeto?</a:t>
             </a:r>
           </a:p>
@@ -5836,62 +8663,106 @@
           <a:lstStyle/>
           <a:p>
             <a:r>
-              <a:rPr lang="pt-BR" dirty="0" smtClean="0"/>
+              <a:rPr lang="pt-BR" dirty="0" smtClean="0">
+                <a:solidFill>
+                  <a:schemeClr val="bg1"/>
+                </a:solidFill>
+              </a:rPr>
               <a:t>Protótipo de hardware de telemetria de baixo custo;</a:t>
             </a:r>
           </a:p>
           <a:p>
-            <a:endParaRPr lang="pt-BR" dirty="0" smtClean="0"/>
-          </a:p>
-          <a:p>
-            <a:r>
-              <a:rPr lang="pt-BR" dirty="0" smtClean="0"/>
+            <a:endParaRPr lang="pt-BR" dirty="0" smtClean="0">
+              <a:solidFill>
+                <a:schemeClr val="bg1"/>
+              </a:solidFill>
+            </a:endParaRPr>
+          </a:p>
+          <a:p>
+            <a:r>
+              <a:rPr lang="pt-BR" dirty="0" smtClean="0">
+                <a:solidFill>
+                  <a:schemeClr val="bg1"/>
+                </a:solidFill>
+              </a:rPr>
               <a:t>Dar </a:t>
             </a:r>
             <a:r>
-              <a:rPr lang="pt-BR" dirty="0"/>
+              <a:rPr lang="pt-BR" dirty="0">
+                <a:solidFill>
+                  <a:schemeClr val="bg1"/>
+                </a:solidFill>
+              </a:rPr>
               <a:t>o</a:t>
             </a:r>
             <a:r>
-              <a:rPr lang="pt-BR" dirty="0" smtClean="0"/>
+              <a:rPr lang="pt-BR" dirty="0" smtClean="0">
+                <a:solidFill>
+                  <a:schemeClr val="bg1"/>
+                </a:solidFill>
+              </a:rPr>
               <a:t>pção de hardware para amadores:</a:t>
             </a:r>
           </a:p>
           <a:p>
             <a:pPr lvl="1"/>
             <a:r>
-              <a:rPr lang="pt-BR" dirty="0" smtClean="0"/>
+              <a:rPr lang="pt-BR" dirty="0" smtClean="0">
+                <a:solidFill>
+                  <a:schemeClr val="bg1"/>
+                </a:solidFill>
+              </a:rPr>
               <a:t>Tempos de volta;</a:t>
             </a:r>
           </a:p>
           <a:p>
             <a:pPr lvl="1"/>
             <a:r>
-              <a:rPr lang="pt-BR" dirty="0" smtClean="0"/>
+              <a:rPr lang="pt-BR" dirty="0" smtClean="0">
+                <a:solidFill>
+                  <a:schemeClr val="bg1"/>
+                </a:solidFill>
+              </a:rPr>
               <a:t>Traçado feito;</a:t>
             </a:r>
           </a:p>
           <a:p>
             <a:pPr lvl="1"/>
             <a:r>
-              <a:rPr lang="pt-BR" dirty="0" smtClean="0"/>
+              <a:rPr lang="pt-BR" dirty="0" smtClean="0">
+                <a:solidFill>
+                  <a:schemeClr val="bg1"/>
+                </a:solidFill>
+              </a:rPr>
               <a:t>Velocidade em pontos do trajeto;</a:t>
             </a:r>
           </a:p>
           <a:p>
             <a:pPr lvl="1"/>
             <a:r>
-              <a:rPr lang="pt-BR" dirty="0" smtClean="0"/>
+              <a:rPr lang="pt-BR" dirty="0" smtClean="0">
+                <a:solidFill>
+                  <a:schemeClr val="bg1"/>
+                </a:solidFill>
+              </a:rPr>
               <a:t>Nível de combustível, rotações do motor, etc.</a:t>
             </a:r>
           </a:p>
           <a:p>
             <a:pPr lvl="1"/>
-            <a:endParaRPr lang="pt-BR" dirty="0" smtClean="0"/>
-          </a:p>
-          <a:p>
-            <a:r>
-              <a:rPr lang="pt-BR" dirty="0" smtClean="0"/>
+            <a:endParaRPr lang="pt-BR" dirty="0" smtClean="0">
+              <a:solidFill>
+                <a:schemeClr val="bg1"/>
+              </a:solidFill>
+            </a:endParaRPr>
+          </a:p>
+          <a:p>
+            <a:r>
+              <a:rPr lang="pt-BR" dirty="0" smtClean="0">
+                <a:solidFill>
+                  <a:schemeClr val="bg1"/>
+                </a:solidFill>
+              </a:rPr>
               <a:t>Viabilidade.</a:t>
             </a:r>
           </a:p>
@@ -5950,14 +8821,26 @@
           <a:lstStyle/>
           <a:p>
             <a:r>
-              <a:rPr lang="pt-BR" dirty="0" smtClean="0"/>
+              <a:rPr lang="pt-BR" dirty="0" smtClean="0">
+                <a:solidFill>
+                  <a:schemeClr val="bg1"/>
+                </a:solidFill>
+              </a:rPr>
               <a:t>Sat-</a:t>
             </a:r>
             <a:r>
-              <a:rPr lang="pt-BR" dirty="0" err="1" smtClean="0"/>
+              <a:rPr lang="pt-BR" dirty="0" err="1" smtClean="0">
+                <a:solidFill>
+                  <a:schemeClr val="bg1"/>
+                </a:solidFill>
+              </a:rPr>
               <a:t>nav</a:t>
             </a:r>
-            <a:endParaRPr lang="pt-BR" dirty="0"/>
+            <a:endParaRPr lang="pt-BR" dirty="0">
+              <a:solidFill>
+                <a:schemeClr val="bg1"/>
+              </a:solidFill>
+            </a:endParaRPr>
           </a:p>
         </p:txBody>
       </p:sp>
@@ -5982,28 +8865,52 @@
           <a:lstStyle/>
           <a:p>
             <a:r>
-              <a:rPr lang="pt-BR" dirty="0" smtClean="0"/>
+              <a:rPr lang="pt-BR" dirty="0" smtClean="0">
+                <a:solidFill>
+                  <a:schemeClr val="bg1"/>
+                </a:solidFill>
+              </a:rPr>
               <a:t>Navegação por sinais de satélite;</a:t>
             </a:r>
           </a:p>
           <a:p>
-            <a:endParaRPr lang="pt-BR" dirty="0" smtClean="0"/>
-          </a:p>
-          <a:p>
-            <a:r>
-              <a:rPr lang="pt-BR" dirty="0" smtClean="0"/>
+            <a:endParaRPr lang="pt-BR" dirty="0" smtClean="0">
+              <a:solidFill>
+                <a:schemeClr val="bg1"/>
+              </a:solidFill>
+            </a:endParaRPr>
+          </a:p>
+          <a:p>
+            <a:r>
+              <a:rPr lang="pt-BR" dirty="0" smtClean="0">
+                <a:solidFill>
+                  <a:schemeClr val="bg1"/>
+                </a:solidFill>
+              </a:rPr>
               <a:t>Recepciona sinais de satélites;</a:t>
             </a:r>
           </a:p>
           <a:p>
-            <a:endParaRPr lang="pt-BR" dirty="0" smtClean="0"/>
-          </a:p>
-          <a:p>
-            <a:r>
-              <a:rPr lang="pt-BR" dirty="0" smtClean="0"/>
+            <a:endParaRPr lang="pt-BR" dirty="0" smtClean="0">
+              <a:solidFill>
+                <a:schemeClr val="bg1"/>
+              </a:solidFill>
+            </a:endParaRPr>
+          </a:p>
+          <a:p>
+            <a:r>
+              <a:rPr lang="pt-BR" dirty="0" smtClean="0">
+                <a:solidFill>
+                  <a:schemeClr val="bg1"/>
+                </a:solidFill>
+              </a:rPr>
               <a:t>Calcula tempo, posição e velocidade.</a:t>
             </a:r>
-            <a:endParaRPr lang="pt-BR" dirty="0"/>
+            <a:endParaRPr lang="pt-BR" dirty="0">
+              <a:solidFill>
+                <a:schemeClr val="bg1"/>
+              </a:solidFill>
+            </a:endParaRPr>
           </a:p>
         </p:txBody>
       </p:sp>
@@ -6101,18 +9008,34 @@
           <a:lstStyle/>
           <a:p>
             <a:r>
-              <a:rPr lang="pt-BR" dirty="0" smtClean="0"/>
+              <a:rPr lang="pt-BR" dirty="0" smtClean="0">
+                <a:solidFill>
+                  <a:schemeClr val="bg1"/>
+                </a:solidFill>
+              </a:rPr>
               <a:t>Sat-</a:t>
             </a:r>
             <a:r>
-              <a:rPr lang="pt-BR" dirty="0" err="1" smtClean="0"/>
+              <a:rPr lang="pt-BR" dirty="0" err="1" smtClean="0">
+                <a:solidFill>
+                  <a:schemeClr val="bg1"/>
+                </a:solidFill>
+              </a:rPr>
               <a:t>Nav</a:t>
             </a:r>
             <a:r>
-              <a:rPr lang="pt-BR" dirty="0" smtClean="0"/>
+              <a:rPr lang="pt-BR" dirty="0" smtClean="0">
+                <a:solidFill>
+                  <a:schemeClr val="bg1"/>
+                </a:solidFill>
+              </a:rPr>
               <a:t> – Tipos de uso</a:t>
             </a:r>
-            <a:endParaRPr lang="pt-BR" dirty="0"/>
+            <a:endParaRPr lang="pt-BR" dirty="0">
+              <a:solidFill>
+                <a:schemeClr val="bg1"/>
+              </a:solidFill>
+            </a:endParaRPr>
           </a:p>
         </p:txBody>
       </p:sp>
@@ -6139,18 +9062,30 @@
           <a:lstStyle/>
           <a:p>
             <a:r>
-              <a:rPr lang="pt-BR" dirty="0" smtClean="0"/>
+              <a:rPr lang="pt-BR" dirty="0" smtClean="0">
+                <a:solidFill>
+                  <a:schemeClr val="bg1"/>
+                </a:solidFill>
+              </a:rPr>
               <a:t>Militar;</a:t>
             </a:r>
           </a:p>
           <a:p>
             <a:r>
-              <a:rPr lang="pt-BR" dirty="0" smtClean="0"/>
+              <a:rPr lang="pt-BR" dirty="0" smtClean="0">
+                <a:solidFill>
+                  <a:schemeClr val="bg1"/>
+                </a:solidFill>
+              </a:rPr>
               <a:t>Civil.</a:t>
             </a:r>
           </a:p>
           <a:p>
-            <a:endParaRPr lang="pt-BR" dirty="0"/>
+            <a:endParaRPr lang="pt-BR" dirty="0">
+              <a:solidFill>
+                <a:schemeClr val="bg1"/>
+              </a:solidFill>
+            </a:endParaRPr>
           </a:p>
         </p:txBody>
       </p:sp>
@@ -6193,18 +9128,34 @@
           </a:lstStyle>
           <a:p>
             <a:r>
-              <a:rPr lang="pt-BR" dirty="0" smtClean="0"/>
+              <a:rPr lang="pt-BR" dirty="0" smtClean="0">
+                <a:solidFill>
+                  <a:schemeClr val="bg1"/>
+                </a:solidFill>
+              </a:rPr>
               <a:t>Sat-</a:t>
             </a:r>
             <a:r>
-              <a:rPr lang="pt-BR" dirty="0" err="1" smtClean="0"/>
+              <a:rPr lang="pt-BR" dirty="0" err="1" smtClean="0">
+                <a:solidFill>
+                  <a:schemeClr val="bg1"/>
+                </a:solidFill>
+              </a:rPr>
               <a:t>Nav</a:t>
             </a:r>
             <a:r>
-              <a:rPr lang="pt-BR" dirty="0" smtClean="0"/>
+              <a:rPr lang="pt-BR" dirty="0" smtClean="0">
+                <a:solidFill>
+                  <a:schemeClr val="bg1"/>
+                </a:solidFill>
+              </a:rPr>
               <a:t> – Sistemas</a:t>
             </a:r>
-            <a:endParaRPr lang="pt-BR" dirty="0"/>
+            <a:endParaRPr lang="pt-BR" dirty="0">
+              <a:solidFill>
+                <a:schemeClr val="bg1"/>
+              </a:solidFill>
+            </a:endParaRPr>
           </a:p>
         </p:txBody>
       </p:sp>
@@ -6368,38 +9319,78 @@
           </a:lstStyle>
           <a:p>
             <a:r>
-              <a:rPr lang="pt-BR" dirty="0" smtClean="0"/>
+              <a:rPr lang="pt-BR" dirty="0" smtClean="0">
+                <a:solidFill>
+                  <a:schemeClr val="bg1"/>
+                </a:solidFill>
+              </a:rPr>
               <a:t>GPS (EUA);</a:t>
             </a:r>
-            <a:endParaRPr lang="pt-BR" dirty="0"/>
-          </a:p>
-          <a:p>
-            <a:r>
-              <a:rPr lang="pt-BR" dirty="0" smtClean="0"/>
+            <a:endParaRPr lang="pt-BR" dirty="0">
+              <a:solidFill>
+                <a:schemeClr val="bg1"/>
+              </a:solidFill>
+            </a:endParaRPr>
+          </a:p>
+          <a:p>
+            <a:r>
+              <a:rPr lang="pt-BR" dirty="0" smtClean="0">
+                <a:solidFill>
+                  <a:schemeClr val="bg1"/>
+                </a:solidFill>
+              </a:rPr>
               <a:t>GLONASS (Rússia);</a:t>
             </a:r>
-            <a:endParaRPr lang="pt-BR" dirty="0"/>
-          </a:p>
-          <a:p>
-            <a:r>
-              <a:rPr lang="pt-BR" dirty="0" err="1" smtClean="0"/>
+            <a:endParaRPr lang="pt-BR" dirty="0">
+              <a:solidFill>
+                <a:schemeClr val="bg1"/>
+              </a:solidFill>
+            </a:endParaRPr>
+          </a:p>
+          <a:p>
+            <a:r>
+              <a:rPr lang="pt-BR" dirty="0" err="1" smtClean="0">
+                <a:solidFill>
+                  <a:schemeClr val="bg1"/>
+                </a:solidFill>
+              </a:rPr>
               <a:t>Galileo</a:t>
             </a:r>
             <a:r>
-              <a:rPr lang="pt-BR" dirty="0" smtClean="0"/>
+              <a:rPr lang="pt-BR" dirty="0" smtClean="0">
+                <a:solidFill>
+                  <a:schemeClr val="bg1"/>
+                </a:solidFill>
+              </a:rPr>
               <a:t> (Comunidade Europeia);</a:t>
             </a:r>
-            <a:endParaRPr lang="pt-BR" dirty="0"/>
-          </a:p>
-          <a:p>
-            <a:r>
-              <a:rPr lang="pt-BR" dirty="0" smtClean="0"/>
+            <a:endParaRPr lang="pt-BR" dirty="0">
+              <a:solidFill>
+                <a:schemeClr val="bg1"/>
+              </a:solidFill>
+            </a:endParaRPr>
+          </a:p>
+          <a:p>
+            <a:r>
+              <a:rPr lang="pt-BR" dirty="0" smtClean="0">
+                <a:solidFill>
+                  <a:schemeClr val="bg1"/>
+                </a:solidFill>
+              </a:rPr>
               <a:t>ISRO (Índia).</a:t>
             </a:r>
-            <a:endParaRPr lang="pt-BR" dirty="0"/>
-          </a:p>
-          <a:p>
-            <a:endParaRPr lang="pt-BR" dirty="0"/>
+            <a:endParaRPr lang="pt-BR" dirty="0">
+              <a:solidFill>
+                <a:schemeClr val="bg1"/>
+              </a:solidFill>
+            </a:endParaRPr>
+          </a:p>
+          <a:p>
+            <a:endParaRPr lang="pt-BR" dirty="0">
+              <a:solidFill>
+                <a:schemeClr val="bg1"/>
+              </a:solidFill>
+            </a:endParaRPr>
           </a:p>
         </p:txBody>
       </p:sp>
@@ -6456,10 +9447,18 @@
           <a:lstStyle/>
           <a:p>
             <a:r>
-              <a:rPr lang="pt-BR" dirty="0" smtClean="0"/>
+              <a:rPr lang="pt-BR" dirty="0" smtClean="0">
+                <a:solidFill>
+                  <a:schemeClr val="bg1"/>
+                </a:solidFill>
+              </a:rPr>
               <a:t>Protótipo</a:t>
             </a:r>
-            <a:endParaRPr lang="pt-BR" dirty="0"/>
+            <a:endParaRPr lang="pt-BR" dirty="0">
+              <a:solidFill>
+                <a:schemeClr val="bg1"/>
+              </a:solidFill>
+            </a:endParaRPr>
           </a:p>
         </p:txBody>
       </p:sp>
@@ -6479,37 +9478,61 @@
           <a:lstStyle/>
           <a:p>
             <a:r>
-              <a:rPr lang="pt-BR" dirty="0" smtClean="0"/>
+              <a:rPr lang="pt-BR" dirty="0" smtClean="0">
+                <a:solidFill>
+                  <a:schemeClr val="bg1"/>
+                </a:solidFill>
+              </a:rPr>
               <a:t>Implementar ideias iniciais de algo;</a:t>
             </a:r>
           </a:p>
           <a:p>
-            <a:endParaRPr lang="pt-BR" dirty="0" smtClean="0"/>
-          </a:p>
-          <a:p>
-            <a:r>
-              <a:rPr lang="pt-BR" dirty="0" smtClean="0"/>
+            <a:endParaRPr lang="pt-BR" dirty="0" smtClean="0">
+              <a:solidFill>
+                <a:schemeClr val="bg1"/>
+              </a:solidFill>
+            </a:endParaRPr>
+          </a:p>
+          <a:p>
+            <a:r>
+              <a:rPr lang="pt-BR" dirty="0" smtClean="0">
+                <a:solidFill>
+                  <a:schemeClr val="bg1"/>
+                </a:solidFill>
+              </a:rPr>
               <a:t>Exemplos de aplicação:</a:t>
             </a:r>
           </a:p>
           <a:p>
             <a:pPr lvl="1"/>
             <a:r>
-              <a:rPr lang="pt-BR" dirty="0" smtClean="0"/>
+              <a:rPr lang="pt-BR" dirty="0" smtClean="0">
+                <a:solidFill>
+                  <a:schemeClr val="bg1"/>
+                </a:solidFill>
+              </a:rPr>
               <a:t>Automóveis;</a:t>
             </a:r>
           </a:p>
           <a:p>
             <a:pPr lvl="1"/>
             <a:r>
-              <a:rPr lang="pt-BR" dirty="0" smtClean="0"/>
+              <a:rPr lang="pt-BR" dirty="0" smtClean="0">
+                <a:solidFill>
+                  <a:schemeClr val="bg1"/>
+                </a:solidFill>
+              </a:rPr>
               <a:t>Aparelhos celulares;</a:t>
             </a:r>
           </a:p>
           <a:p>
             <a:pPr lvl="1"/>
             <a:r>
-              <a:rPr lang="pt-BR" dirty="0" smtClean="0"/>
+              <a:rPr lang="pt-BR" dirty="0" smtClean="0">
+                <a:solidFill>
+                  <a:schemeClr val="bg1"/>
+                </a:solidFill>
+              </a:rPr>
               <a:t>Sistemas de computador.</a:t>
             </a:r>
           </a:p>
